--- a/Essay/Figures.pptx
+++ b/Essay/Figures.pptx
@@ -161,7 +161,6 @@
           </a:p>
         </c:rich>
       </c:tx>
-      <c:layout/>
       <c:overlay val="0"/>
       <c:spPr>
         <a:noFill/>
@@ -369,11 +368,11 @@
         </c:dLbls>
         <c:marker val="1"/>
         <c:smooth val="0"/>
-        <c:axId val="397313192"/>
-        <c:axId val="397314368"/>
+        <c:axId val="477699232"/>
+        <c:axId val="477699624"/>
       </c:lineChart>
       <c:catAx>
-        <c:axId val="397313192"/>
+        <c:axId val="477699232"/>
         <c:scaling>
           <c:orientation val="minMax"/>
         </c:scaling>
@@ -416,7 +415,7 @@
             <a:endParaRPr lang="zh-CN"/>
           </a:p>
         </c:txPr>
-        <c:crossAx val="397314368"/>
+        <c:crossAx val="477699624"/>
         <c:crosses val="autoZero"/>
         <c:auto val="1"/>
         <c:lblAlgn val="ctr"/>
@@ -424,7 +423,7 @@
         <c:noMultiLvlLbl val="0"/>
       </c:catAx>
       <c:valAx>
-        <c:axId val="397314368"/>
+        <c:axId val="477699624"/>
         <c:scaling>
           <c:orientation val="minMax"/>
         </c:scaling>
@@ -475,7 +474,7 @@
             <a:endParaRPr lang="zh-CN"/>
           </a:p>
         </c:txPr>
-        <c:crossAx val="397313192"/>
+        <c:crossAx val="477699232"/>
         <c:crosses val="autoZero"/>
         <c:crossBetween val="between"/>
       </c:valAx>
@@ -489,7 +488,6 @@
     </c:plotArea>
     <c:legend>
       <c:legendPos val="b"/>
-      <c:layout/>
       <c:overlay val="0"/>
       <c:spPr>
         <a:noFill/>
@@ -1220,7 +1218,7 @@
           <a:p>
             <a:fld id="{CE144EE9-ED3E-4C40-84F5-22B68B55337D}" type="datetimeFigureOut">
               <a:rPr lang="zh-CN" altLang="en-US" smtClean="0"/>
-              <a:t>2015/10/12</a:t>
+              <a:t>2015/11/23</a:t>
             </a:fld>
             <a:endParaRPr lang="zh-CN" altLang="en-US"/>
           </a:p>
@@ -1390,7 +1388,7 @@
           <a:p>
             <a:fld id="{CE144EE9-ED3E-4C40-84F5-22B68B55337D}" type="datetimeFigureOut">
               <a:rPr lang="zh-CN" altLang="en-US" smtClean="0"/>
-              <a:t>2015/10/12</a:t>
+              <a:t>2015/11/23</a:t>
             </a:fld>
             <a:endParaRPr lang="zh-CN" altLang="en-US"/>
           </a:p>
@@ -1570,7 +1568,7 @@
           <a:p>
             <a:fld id="{CE144EE9-ED3E-4C40-84F5-22B68B55337D}" type="datetimeFigureOut">
               <a:rPr lang="zh-CN" altLang="en-US" smtClean="0"/>
-              <a:t>2015/10/12</a:t>
+              <a:t>2015/11/23</a:t>
             </a:fld>
             <a:endParaRPr lang="zh-CN" altLang="en-US"/>
           </a:p>
@@ -1740,7 +1738,7 @@
           <a:p>
             <a:fld id="{CE144EE9-ED3E-4C40-84F5-22B68B55337D}" type="datetimeFigureOut">
               <a:rPr lang="zh-CN" altLang="en-US" smtClean="0"/>
-              <a:t>2015/10/12</a:t>
+              <a:t>2015/11/23</a:t>
             </a:fld>
             <a:endParaRPr lang="zh-CN" altLang="en-US"/>
           </a:p>
@@ -1986,7 +1984,7 @@
           <a:p>
             <a:fld id="{CE144EE9-ED3E-4C40-84F5-22B68B55337D}" type="datetimeFigureOut">
               <a:rPr lang="zh-CN" altLang="en-US" smtClean="0"/>
-              <a:t>2015/10/12</a:t>
+              <a:t>2015/11/23</a:t>
             </a:fld>
             <a:endParaRPr lang="zh-CN" altLang="en-US"/>
           </a:p>
@@ -2218,7 +2216,7 @@
           <a:p>
             <a:fld id="{CE144EE9-ED3E-4C40-84F5-22B68B55337D}" type="datetimeFigureOut">
               <a:rPr lang="zh-CN" altLang="en-US" smtClean="0"/>
-              <a:t>2015/10/12</a:t>
+              <a:t>2015/11/23</a:t>
             </a:fld>
             <a:endParaRPr lang="zh-CN" altLang="en-US"/>
           </a:p>
@@ -2585,7 +2583,7 @@
           <a:p>
             <a:fld id="{CE144EE9-ED3E-4C40-84F5-22B68B55337D}" type="datetimeFigureOut">
               <a:rPr lang="zh-CN" altLang="en-US" smtClean="0"/>
-              <a:t>2015/10/12</a:t>
+              <a:t>2015/11/23</a:t>
             </a:fld>
             <a:endParaRPr lang="zh-CN" altLang="en-US"/>
           </a:p>
@@ -2703,7 +2701,7 @@
           <a:p>
             <a:fld id="{CE144EE9-ED3E-4C40-84F5-22B68B55337D}" type="datetimeFigureOut">
               <a:rPr lang="zh-CN" altLang="en-US" smtClean="0"/>
-              <a:t>2015/10/12</a:t>
+              <a:t>2015/11/23</a:t>
             </a:fld>
             <a:endParaRPr lang="zh-CN" altLang="en-US"/>
           </a:p>
@@ -2798,7 +2796,7 @@
           <a:p>
             <a:fld id="{CE144EE9-ED3E-4C40-84F5-22B68B55337D}" type="datetimeFigureOut">
               <a:rPr lang="zh-CN" altLang="en-US" smtClean="0"/>
-              <a:t>2015/10/12</a:t>
+              <a:t>2015/11/23</a:t>
             </a:fld>
             <a:endParaRPr lang="zh-CN" altLang="en-US"/>
           </a:p>
@@ -3075,7 +3073,7 @@
           <a:p>
             <a:fld id="{CE144EE9-ED3E-4C40-84F5-22B68B55337D}" type="datetimeFigureOut">
               <a:rPr lang="zh-CN" altLang="en-US" smtClean="0"/>
-              <a:t>2015/10/12</a:t>
+              <a:t>2015/11/23</a:t>
             </a:fld>
             <a:endParaRPr lang="zh-CN" altLang="en-US"/>
           </a:p>
@@ -3328,7 +3326,7 @@
           <a:p>
             <a:fld id="{CE144EE9-ED3E-4C40-84F5-22B68B55337D}" type="datetimeFigureOut">
               <a:rPr lang="zh-CN" altLang="en-US" smtClean="0"/>
-              <a:t>2015/10/12</a:t>
+              <a:t>2015/11/23</a:t>
             </a:fld>
             <a:endParaRPr lang="zh-CN" altLang="en-US"/>
           </a:p>
@@ -3541,7 +3539,7 @@
           <a:p>
             <a:fld id="{CE144EE9-ED3E-4C40-84F5-22B68B55337D}" type="datetimeFigureOut">
               <a:rPr lang="zh-CN" altLang="en-US" smtClean="0"/>
-              <a:t>2015/10/12</a:t>
+              <a:t>2015/11/23</a:t>
             </a:fld>
             <a:endParaRPr lang="zh-CN" altLang="en-US"/>
           </a:p>
@@ -4968,1921 +4966,6 @@
       </p:cxnSp>
       <p:grpSp>
         <p:nvGrpSpPr>
-          <p:cNvPr id="62" name="组合 61"/>
-          <p:cNvGrpSpPr/>
-          <p:nvPr/>
-        </p:nvGrpSpPr>
-        <p:grpSpPr>
-          <a:xfrm>
-            <a:off x="4720964" y="437055"/>
-            <a:ext cx="2985388" cy="2410304"/>
-            <a:chOff x="346710" y="1540277"/>
-            <a:chExt cx="2985388" cy="2410304"/>
-          </a:xfrm>
-        </p:grpSpPr>
-        <p:grpSp>
-          <p:nvGrpSpPr>
-            <p:cNvPr id="63" name="组合 62"/>
-            <p:cNvGrpSpPr/>
-            <p:nvPr/>
-          </p:nvGrpSpPr>
-          <p:grpSpPr>
-            <a:xfrm>
-              <a:off x="1964499" y="1559637"/>
-              <a:ext cx="906780" cy="586740"/>
-              <a:chOff x="2034540" y="1504950"/>
-              <a:chExt cx="906780" cy="586740"/>
-            </a:xfrm>
-          </p:grpSpPr>
-          <p:sp>
-            <p:nvSpPr>
-              <p:cNvPr id="81" name="圆角矩形 80"/>
-              <p:cNvSpPr/>
-              <p:nvPr/>
-            </p:nvSpPr>
-            <p:spPr>
-              <a:xfrm>
-                <a:off x="2034540" y="1504950"/>
-                <a:ext cx="906780" cy="586740"/>
-              </a:xfrm>
-              <a:prstGeom prst="roundRect">
-                <a:avLst/>
-              </a:prstGeom>
-            </p:spPr>
-            <p:style>
-              <a:lnRef idx="2">
-                <a:schemeClr val="dk1"/>
-              </a:lnRef>
-              <a:fillRef idx="1">
-                <a:schemeClr val="lt1"/>
-              </a:fillRef>
-              <a:effectRef idx="0">
-                <a:schemeClr val="dk1"/>
-              </a:effectRef>
-              <a:fontRef idx="minor">
-                <a:schemeClr val="dk1"/>
-              </a:fontRef>
-            </p:style>
-            <p:txBody>
-              <a:bodyPr rot="0" spcFirstLastPara="0" vert="horz" wrap="square" lIns="91440" tIns="45720" rIns="91440" bIns="45720" numCol="1" spcCol="0" rtlCol="0" fromWordArt="0" anchor="t" anchorCtr="0" forceAA="0" compatLnSpc="1">
-                <a:prstTxWarp prst="textNoShape">
-                  <a:avLst/>
-                </a:prstTxWarp>
-                <a:noAutofit/>
-              </a:bodyPr>
-              <a:lstStyle>
-                <a:defPPr>
-                  <a:defRPr lang="zh-CN"/>
-                </a:defPPr>
-                <a:lvl1pPr marL="0" algn="l" defTabSz="914400" rtl="0" eaLnBrk="1" latinLnBrk="0" hangingPunct="1">
-                  <a:defRPr sz="1800" kern="1200">
-                    <a:solidFill>
-                      <a:schemeClr val="dk1"/>
-                    </a:solidFill>
-                    <a:latin typeface="+mn-lt"/>
-                    <a:ea typeface="+mn-ea"/>
-                    <a:cs typeface="+mn-cs"/>
-                  </a:defRPr>
-                </a:lvl1pPr>
-                <a:lvl2pPr marL="457200" algn="l" defTabSz="914400" rtl="0" eaLnBrk="1" latinLnBrk="0" hangingPunct="1">
-                  <a:defRPr sz="1800" kern="1200">
-                    <a:solidFill>
-                      <a:schemeClr val="dk1"/>
-                    </a:solidFill>
-                    <a:latin typeface="+mn-lt"/>
-                    <a:ea typeface="+mn-ea"/>
-                    <a:cs typeface="+mn-cs"/>
-                  </a:defRPr>
-                </a:lvl2pPr>
-                <a:lvl3pPr marL="914400" algn="l" defTabSz="914400" rtl="0" eaLnBrk="1" latinLnBrk="0" hangingPunct="1">
-                  <a:defRPr sz="1800" kern="1200">
-                    <a:solidFill>
-                      <a:schemeClr val="dk1"/>
-                    </a:solidFill>
-                    <a:latin typeface="+mn-lt"/>
-                    <a:ea typeface="+mn-ea"/>
-                    <a:cs typeface="+mn-cs"/>
-                  </a:defRPr>
-                </a:lvl3pPr>
-                <a:lvl4pPr marL="1371600" algn="l" defTabSz="914400" rtl="0" eaLnBrk="1" latinLnBrk="0" hangingPunct="1">
-                  <a:defRPr sz="1800" kern="1200">
-                    <a:solidFill>
-                      <a:schemeClr val="dk1"/>
-                    </a:solidFill>
-                    <a:latin typeface="+mn-lt"/>
-                    <a:ea typeface="+mn-ea"/>
-                    <a:cs typeface="+mn-cs"/>
-                  </a:defRPr>
-                </a:lvl4pPr>
-                <a:lvl5pPr marL="1828800" algn="l" defTabSz="914400" rtl="0" eaLnBrk="1" latinLnBrk="0" hangingPunct="1">
-                  <a:defRPr sz="1800" kern="1200">
-                    <a:solidFill>
-                      <a:schemeClr val="dk1"/>
-                    </a:solidFill>
-                    <a:latin typeface="+mn-lt"/>
-                    <a:ea typeface="+mn-ea"/>
-                    <a:cs typeface="+mn-cs"/>
-                  </a:defRPr>
-                </a:lvl5pPr>
-                <a:lvl6pPr marL="2286000" algn="l" defTabSz="914400" rtl="0" eaLnBrk="1" latinLnBrk="0" hangingPunct="1">
-                  <a:defRPr sz="1800" kern="1200">
-                    <a:solidFill>
-                      <a:schemeClr val="dk1"/>
-                    </a:solidFill>
-                    <a:latin typeface="+mn-lt"/>
-                    <a:ea typeface="+mn-ea"/>
-                    <a:cs typeface="+mn-cs"/>
-                  </a:defRPr>
-                </a:lvl6pPr>
-                <a:lvl7pPr marL="2743200" algn="l" defTabSz="914400" rtl="0" eaLnBrk="1" latinLnBrk="0" hangingPunct="1">
-                  <a:defRPr sz="1800" kern="1200">
-                    <a:solidFill>
-                      <a:schemeClr val="dk1"/>
-                    </a:solidFill>
-                    <a:latin typeface="+mn-lt"/>
-                    <a:ea typeface="+mn-ea"/>
-                    <a:cs typeface="+mn-cs"/>
-                  </a:defRPr>
-                </a:lvl7pPr>
-                <a:lvl8pPr marL="3200400" algn="l" defTabSz="914400" rtl="0" eaLnBrk="1" latinLnBrk="0" hangingPunct="1">
-                  <a:defRPr sz="1800" kern="1200">
-                    <a:solidFill>
-                      <a:schemeClr val="dk1"/>
-                    </a:solidFill>
-                    <a:latin typeface="+mn-lt"/>
-                    <a:ea typeface="+mn-ea"/>
-                    <a:cs typeface="+mn-cs"/>
-                  </a:defRPr>
-                </a:lvl8pPr>
-                <a:lvl9pPr marL="3657600" algn="l" defTabSz="914400" rtl="0" eaLnBrk="1" latinLnBrk="0" hangingPunct="1">
-                  <a:defRPr sz="1800" kern="1200">
-                    <a:solidFill>
-                      <a:schemeClr val="dk1"/>
-                    </a:solidFill>
-                    <a:latin typeface="+mn-lt"/>
-                    <a:ea typeface="+mn-ea"/>
-                    <a:cs typeface="+mn-cs"/>
-                  </a:defRPr>
-                </a:lvl9pPr>
-              </a:lstStyle>
-              <a:p>
-                <a:pPr algn="ctr"/>
-                <a:r>
-                  <a:rPr lang="en-US" altLang="zh-CN" sz="1200" dirty="0" smtClean="0"/>
-                  <a:t>RM</a:t>
-                </a:r>
-              </a:p>
-            </p:txBody>
-          </p:sp>
-          <p:sp>
-            <p:nvSpPr>
-              <p:cNvPr id="82" name="矩形 81"/>
-              <p:cNvSpPr/>
-              <p:nvPr/>
-            </p:nvSpPr>
-            <p:spPr>
-              <a:xfrm>
-                <a:off x="2202180" y="1798320"/>
-                <a:ext cx="609600" cy="240030"/>
-              </a:xfrm>
-              <a:prstGeom prst="rect">
-                <a:avLst/>
-              </a:prstGeom>
-            </p:spPr>
-            <p:style>
-              <a:lnRef idx="2">
-                <a:schemeClr val="dk1"/>
-              </a:lnRef>
-              <a:fillRef idx="1">
-                <a:schemeClr val="lt1"/>
-              </a:fillRef>
-              <a:effectRef idx="0">
-                <a:schemeClr val="dk1"/>
-              </a:effectRef>
-              <a:fontRef idx="minor">
-                <a:schemeClr val="dk1"/>
-              </a:fontRef>
-            </p:style>
-            <p:txBody>
-              <a:bodyPr rot="0" spcFirstLastPara="0" vert="horz" wrap="square" lIns="91440" tIns="45720" rIns="91440" bIns="45720" numCol="1" spcCol="0" rtlCol="0" fromWordArt="0" anchor="ctr" anchorCtr="0" forceAA="0" compatLnSpc="1">
-                <a:prstTxWarp prst="textNoShape">
-                  <a:avLst/>
-                </a:prstTxWarp>
-                <a:noAutofit/>
-              </a:bodyPr>
-              <a:lstStyle>
-                <a:defPPr>
-                  <a:defRPr lang="zh-CN"/>
-                </a:defPPr>
-                <a:lvl1pPr marL="0" algn="l" defTabSz="914400" rtl="0" eaLnBrk="1" latinLnBrk="0" hangingPunct="1">
-                  <a:defRPr sz="1800" kern="1200">
-                    <a:solidFill>
-                      <a:schemeClr val="dk1"/>
-                    </a:solidFill>
-                    <a:latin typeface="+mn-lt"/>
-                    <a:ea typeface="+mn-ea"/>
-                    <a:cs typeface="+mn-cs"/>
-                  </a:defRPr>
-                </a:lvl1pPr>
-                <a:lvl2pPr marL="457200" algn="l" defTabSz="914400" rtl="0" eaLnBrk="1" latinLnBrk="0" hangingPunct="1">
-                  <a:defRPr sz="1800" kern="1200">
-                    <a:solidFill>
-                      <a:schemeClr val="dk1"/>
-                    </a:solidFill>
-                    <a:latin typeface="+mn-lt"/>
-                    <a:ea typeface="+mn-ea"/>
-                    <a:cs typeface="+mn-cs"/>
-                  </a:defRPr>
-                </a:lvl2pPr>
-                <a:lvl3pPr marL="914400" algn="l" defTabSz="914400" rtl="0" eaLnBrk="1" latinLnBrk="0" hangingPunct="1">
-                  <a:defRPr sz="1800" kern="1200">
-                    <a:solidFill>
-                      <a:schemeClr val="dk1"/>
-                    </a:solidFill>
-                    <a:latin typeface="+mn-lt"/>
-                    <a:ea typeface="+mn-ea"/>
-                    <a:cs typeface="+mn-cs"/>
-                  </a:defRPr>
-                </a:lvl3pPr>
-                <a:lvl4pPr marL="1371600" algn="l" defTabSz="914400" rtl="0" eaLnBrk="1" latinLnBrk="0" hangingPunct="1">
-                  <a:defRPr sz="1800" kern="1200">
-                    <a:solidFill>
-                      <a:schemeClr val="dk1"/>
-                    </a:solidFill>
-                    <a:latin typeface="+mn-lt"/>
-                    <a:ea typeface="+mn-ea"/>
-                    <a:cs typeface="+mn-cs"/>
-                  </a:defRPr>
-                </a:lvl4pPr>
-                <a:lvl5pPr marL="1828800" algn="l" defTabSz="914400" rtl="0" eaLnBrk="1" latinLnBrk="0" hangingPunct="1">
-                  <a:defRPr sz="1800" kern="1200">
-                    <a:solidFill>
-                      <a:schemeClr val="dk1"/>
-                    </a:solidFill>
-                    <a:latin typeface="+mn-lt"/>
-                    <a:ea typeface="+mn-ea"/>
-                    <a:cs typeface="+mn-cs"/>
-                  </a:defRPr>
-                </a:lvl5pPr>
-                <a:lvl6pPr marL="2286000" algn="l" defTabSz="914400" rtl="0" eaLnBrk="1" latinLnBrk="0" hangingPunct="1">
-                  <a:defRPr sz="1800" kern="1200">
-                    <a:solidFill>
-                      <a:schemeClr val="dk1"/>
-                    </a:solidFill>
-                    <a:latin typeface="+mn-lt"/>
-                    <a:ea typeface="+mn-ea"/>
-                    <a:cs typeface="+mn-cs"/>
-                  </a:defRPr>
-                </a:lvl6pPr>
-                <a:lvl7pPr marL="2743200" algn="l" defTabSz="914400" rtl="0" eaLnBrk="1" latinLnBrk="0" hangingPunct="1">
-                  <a:defRPr sz="1800" kern="1200">
-                    <a:solidFill>
-                      <a:schemeClr val="dk1"/>
-                    </a:solidFill>
-                    <a:latin typeface="+mn-lt"/>
-                    <a:ea typeface="+mn-ea"/>
-                    <a:cs typeface="+mn-cs"/>
-                  </a:defRPr>
-                </a:lvl7pPr>
-                <a:lvl8pPr marL="3200400" algn="l" defTabSz="914400" rtl="0" eaLnBrk="1" latinLnBrk="0" hangingPunct="1">
-                  <a:defRPr sz="1800" kern="1200">
-                    <a:solidFill>
-                      <a:schemeClr val="dk1"/>
-                    </a:solidFill>
-                    <a:latin typeface="+mn-lt"/>
-                    <a:ea typeface="+mn-ea"/>
-                    <a:cs typeface="+mn-cs"/>
-                  </a:defRPr>
-                </a:lvl8pPr>
-                <a:lvl9pPr marL="3657600" algn="l" defTabSz="914400" rtl="0" eaLnBrk="1" latinLnBrk="0" hangingPunct="1">
-                  <a:defRPr sz="1800" kern="1200">
-                    <a:solidFill>
-                      <a:schemeClr val="dk1"/>
-                    </a:solidFill>
-                    <a:latin typeface="+mn-lt"/>
-                    <a:ea typeface="+mn-ea"/>
-                    <a:cs typeface="+mn-cs"/>
-                  </a:defRPr>
-                </a:lvl9pPr>
-              </a:lstStyle>
-              <a:p>
-                <a:pPr algn="ctr"/>
-                <a:r>
-                  <a:rPr lang="en-US" altLang="zh-CN" sz="800" dirty="0" smtClean="0"/>
-                  <a:t>Resource Scheduler</a:t>
-                </a:r>
-                <a:endParaRPr lang="zh-CN" altLang="en-US" sz="800" dirty="0"/>
-              </a:p>
-            </p:txBody>
-          </p:sp>
-        </p:grpSp>
-        <p:grpSp>
-          <p:nvGrpSpPr>
-            <p:cNvPr id="64" name="组合 63"/>
-            <p:cNvGrpSpPr/>
-            <p:nvPr/>
-          </p:nvGrpSpPr>
-          <p:grpSpPr>
-            <a:xfrm>
-              <a:off x="1952878" y="3363841"/>
-              <a:ext cx="1379220" cy="586740"/>
-              <a:chOff x="3749040" y="1211580"/>
-              <a:chExt cx="1379220" cy="586740"/>
-            </a:xfrm>
-          </p:grpSpPr>
-          <p:sp>
-            <p:nvSpPr>
-              <p:cNvPr id="78" name="圆角矩形 77"/>
-              <p:cNvSpPr/>
-              <p:nvPr/>
-            </p:nvSpPr>
-            <p:spPr>
-              <a:xfrm>
-                <a:off x="3749040" y="1211580"/>
-                <a:ext cx="1379220" cy="586740"/>
-              </a:xfrm>
-              <a:prstGeom prst="roundRect">
-                <a:avLst/>
-              </a:prstGeom>
-            </p:spPr>
-            <p:style>
-              <a:lnRef idx="2">
-                <a:schemeClr val="dk1"/>
-              </a:lnRef>
-              <a:fillRef idx="1">
-                <a:schemeClr val="lt1"/>
-              </a:fillRef>
-              <a:effectRef idx="0">
-                <a:schemeClr val="dk1"/>
-              </a:effectRef>
-              <a:fontRef idx="minor">
-                <a:schemeClr val="dk1"/>
-              </a:fontRef>
-            </p:style>
-            <p:txBody>
-              <a:bodyPr rot="0" spcFirstLastPara="0" vert="horz" wrap="square" lIns="91440" tIns="45720" rIns="91440" bIns="45720" numCol="1" spcCol="0" rtlCol="0" fromWordArt="0" anchor="t" anchorCtr="0" forceAA="0" compatLnSpc="1">
-                <a:prstTxWarp prst="textNoShape">
-                  <a:avLst/>
-                </a:prstTxWarp>
-                <a:noAutofit/>
-              </a:bodyPr>
-              <a:lstStyle>
-                <a:defPPr>
-                  <a:defRPr lang="zh-CN"/>
-                </a:defPPr>
-                <a:lvl1pPr marL="0" algn="l" defTabSz="914400" rtl="0" eaLnBrk="1" latinLnBrk="0" hangingPunct="1">
-                  <a:defRPr sz="1800" kern="1200">
-                    <a:solidFill>
-                      <a:schemeClr val="dk1"/>
-                    </a:solidFill>
-                    <a:latin typeface="+mn-lt"/>
-                    <a:ea typeface="+mn-ea"/>
-                    <a:cs typeface="+mn-cs"/>
-                  </a:defRPr>
-                </a:lvl1pPr>
-                <a:lvl2pPr marL="457200" algn="l" defTabSz="914400" rtl="0" eaLnBrk="1" latinLnBrk="0" hangingPunct="1">
-                  <a:defRPr sz="1800" kern="1200">
-                    <a:solidFill>
-                      <a:schemeClr val="dk1"/>
-                    </a:solidFill>
-                    <a:latin typeface="+mn-lt"/>
-                    <a:ea typeface="+mn-ea"/>
-                    <a:cs typeface="+mn-cs"/>
-                  </a:defRPr>
-                </a:lvl2pPr>
-                <a:lvl3pPr marL="914400" algn="l" defTabSz="914400" rtl="0" eaLnBrk="1" latinLnBrk="0" hangingPunct="1">
-                  <a:defRPr sz="1800" kern="1200">
-                    <a:solidFill>
-                      <a:schemeClr val="dk1"/>
-                    </a:solidFill>
-                    <a:latin typeface="+mn-lt"/>
-                    <a:ea typeface="+mn-ea"/>
-                    <a:cs typeface="+mn-cs"/>
-                  </a:defRPr>
-                </a:lvl3pPr>
-                <a:lvl4pPr marL="1371600" algn="l" defTabSz="914400" rtl="0" eaLnBrk="1" latinLnBrk="0" hangingPunct="1">
-                  <a:defRPr sz="1800" kern="1200">
-                    <a:solidFill>
-                      <a:schemeClr val="dk1"/>
-                    </a:solidFill>
-                    <a:latin typeface="+mn-lt"/>
-                    <a:ea typeface="+mn-ea"/>
-                    <a:cs typeface="+mn-cs"/>
-                  </a:defRPr>
-                </a:lvl4pPr>
-                <a:lvl5pPr marL="1828800" algn="l" defTabSz="914400" rtl="0" eaLnBrk="1" latinLnBrk="0" hangingPunct="1">
-                  <a:defRPr sz="1800" kern="1200">
-                    <a:solidFill>
-                      <a:schemeClr val="dk1"/>
-                    </a:solidFill>
-                    <a:latin typeface="+mn-lt"/>
-                    <a:ea typeface="+mn-ea"/>
-                    <a:cs typeface="+mn-cs"/>
-                  </a:defRPr>
-                </a:lvl5pPr>
-                <a:lvl6pPr marL="2286000" algn="l" defTabSz="914400" rtl="0" eaLnBrk="1" latinLnBrk="0" hangingPunct="1">
-                  <a:defRPr sz="1800" kern="1200">
-                    <a:solidFill>
-                      <a:schemeClr val="dk1"/>
-                    </a:solidFill>
-                    <a:latin typeface="+mn-lt"/>
-                    <a:ea typeface="+mn-ea"/>
-                    <a:cs typeface="+mn-cs"/>
-                  </a:defRPr>
-                </a:lvl6pPr>
-                <a:lvl7pPr marL="2743200" algn="l" defTabSz="914400" rtl="0" eaLnBrk="1" latinLnBrk="0" hangingPunct="1">
-                  <a:defRPr sz="1800" kern="1200">
-                    <a:solidFill>
-                      <a:schemeClr val="dk1"/>
-                    </a:solidFill>
-                    <a:latin typeface="+mn-lt"/>
-                    <a:ea typeface="+mn-ea"/>
-                    <a:cs typeface="+mn-cs"/>
-                  </a:defRPr>
-                </a:lvl7pPr>
-                <a:lvl8pPr marL="3200400" algn="l" defTabSz="914400" rtl="0" eaLnBrk="1" latinLnBrk="0" hangingPunct="1">
-                  <a:defRPr sz="1800" kern="1200">
-                    <a:solidFill>
-                      <a:schemeClr val="dk1"/>
-                    </a:solidFill>
-                    <a:latin typeface="+mn-lt"/>
-                    <a:ea typeface="+mn-ea"/>
-                    <a:cs typeface="+mn-cs"/>
-                  </a:defRPr>
-                </a:lvl8pPr>
-                <a:lvl9pPr marL="3657600" algn="l" defTabSz="914400" rtl="0" eaLnBrk="1" latinLnBrk="0" hangingPunct="1">
-                  <a:defRPr sz="1800" kern="1200">
-                    <a:solidFill>
-                      <a:schemeClr val="dk1"/>
-                    </a:solidFill>
-                    <a:latin typeface="+mn-lt"/>
-                    <a:ea typeface="+mn-ea"/>
-                    <a:cs typeface="+mn-cs"/>
-                  </a:defRPr>
-                </a:lvl9pPr>
-              </a:lstStyle>
-              <a:p>
-                <a:pPr algn="ctr"/>
-                <a:r>
-                  <a:rPr lang="en-US" altLang="zh-CN" sz="1200" dirty="0" smtClean="0"/>
-                  <a:t>NM</a:t>
-                </a:r>
-              </a:p>
-            </p:txBody>
-          </p:sp>
-          <p:sp>
-            <p:nvSpPr>
-              <p:cNvPr id="79" name="矩形 78"/>
-              <p:cNvSpPr/>
-              <p:nvPr/>
-            </p:nvSpPr>
-            <p:spPr>
-              <a:xfrm>
-                <a:off x="3794760" y="1499235"/>
-                <a:ext cx="609600" cy="240030"/>
-              </a:xfrm>
-              <a:prstGeom prst="rect">
-                <a:avLst/>
-              </a:prstGeom>
-            </p:spPr>
-            <p:style>
-              <a:lnRef idx="2">
-                <a:schemeClr val="dk1"/>
-              </a:lnRef>
-              <a:fillRef idx="1">
-                <a:schemeClr val="lt1"/>
-              </a:fillRef>
-              <a:effectRef idx="0">
-                <a:schemeClr val="dk1"/>
-              </a:effectRef>
-              <a:fontRef idx="minor">
-                <a:schemeClr val="dk1"/>
-              </a:fontRef>
-            </p:style>
-            <p:txBody>
-              <a:bodyPr rot="0" spcFirstLastPara="0" vert="horz" wrap="square" lIns="91440" tIns="45720" rIns="91440" bIns="45720" numCol="1" spcCol="0" rtlCol="0" fromWordArt="0" anchor="ctr" anchorCtr="0" forceAA="0" compatLnSpc="1">
-                <a:prstTxWarp prst="textNoShape">
-                  <a:avLst/>
-                </a:prstTxWarp>
-                <a:noAutofit/>
-              </a:bodyPr>
-              <a:lstStyle>
-                <a:defPPr>
-                  <a:defRPr lang="zh-CN"/>
-                </a:defPPr>
-                <a:lvl1pPr marL="0" algn="l" defTabSz="914400" rtl="0" eaLnBrk="1" latinLnBrk="0" hangingPunct="1">
-                  <a:defRPr sz="1800" kern="1200">
-                    <a:solidFill>
-                      <a:schemeClr val="dk1"/>
-                    </a:solidFill>
-                    <a:latin typeface="+mn-lt"/>
-                    <a:ea typeface="+mn-ea"/>
-                    <a:cs typeface="+mn-cs"/>
-                  </a:defRPr>
-                </a:lvl1pPr>
-                <a:lvl2pPr marL="457200" algn="l" defTabSz="914400" rtl="0" eaLnBrk="1" latinLnBrk="0" hangingPunct="1">
-                  <a:defRPr sz="1800" kern="1200">
-                    <a:solidFill>
-                      <a:schemeClr val="dk1"/>
-                    </a:solidFill>
-                    <a:latin typeface="+mn-lt"/>
-                    <a:ea typeface="+mn-ea"/>
-                    <a:cs typeface="+mn-cs"/>
-                  </a:defRPr>
-                </a:lvl2pPr>
-                <a:lvl3pPr marL="914400" algn="l" defTabSz="914400" rtl="0" eaLnBrk="1" latinLnBrk="0" hangingPunct="1">
-                  <a:defRPr sz="1800" kern="1200">
-                    <a:solidFill>
-                      <a:schemeClr val="dk1"/>
-                    </a:solidFill>
-                    <a:latin typeface="+mn-lt"/>
-                    <a:ea typeface="+mn-ea"/>
-                    <a:cs typeface="+mn-cs"/>
-                  </a:defRPr>
-                </a:lvl3pPr>
-                <a:lvl4pPr marL="1371600" algn="l" defTabSz="914400" rtl="0" eaLnBrk="1" latinLnBrk="0" hangingPunct="1">
-                  <a:defRPr sz="1800" kern="1200">
-                    <a:solidFill>
-                      <a:schemeClr val="dk1"/>
-                    </a:solidFill>
-                    <a:latin typeface="+mn-lt"/>
-                    <a:ea typeface="+mn-ea"/>
-                    <a:cs typeface="+mn-cs"/>
-                  </a:defRPr>
-                </a:lvl4pPr>
-                <a:lvl5pPr marL="1828800" algn="l" defTabSz="914400" rtl="0" eaLnBrk="1" latinLnBrk="0" hangingPunct="1">
-                  <a:defRPr sz="1800" kern="1200">
-                    <a:solidFill>
-                      <a:schemeClr val="dk1"/>
-                    </a:solidFill>
-                    <a:latin typeface="+mn-lt"/>
-                    <a:ea typeface="+mn-ea"/>
-                    <a:cs typeface="+mn-cs"/>
-                  </a:defRPr>
-                </a:lvl5pPr>
-                <a:lvl6pPr marL="2286000" algn="l" defTabSz="914400" rtl="0" eaLnBrk="1" latinLnBrk="0" hangingPunct="1">
-                  <a:defRPr sz="1800" kern="1200">
-                    <a:solidFill>
-                      <a:schemeClr val="dk1"/>
-                    </a:solidFill>
-                    <a:latin typeface="+mn-lt"/>
-                    <a:ea typeface="+mn-ea"/>
-                    <a:cs typeface="+mn-cs"/>
-                  </a:defRPr>
-                </a:lvl6pPr>
-                <a:lvl7pPr marL="2743200" algn="l" defTabSz="914400" rtl="0" eaLnBrk="1" latinLnBrk="0" hangingPunct="1">
-                  <a:defRPr sz="1800" kern="1200">
-                    <a:solidFill>
-                      <a:schemeClr val="dk1"/>
-                    </a:solidFill>
-                    <a:latin typeface="+mn-lt"/>
-                    <a:ea typeface="+mn-ea"/>
-                    <a:cs typeface="+mn-cs"/>
-                  </a:defRPr>
-                </a:lvl7pPr>
-                <a:lvl8pPr marL="3200400" algn="l" defTabSz="914400" rtl="0" eaLnBrk="1" latinLnBrk="0" hangingPunct="1">
-                  <a:defRPr sz="1800" kern="1200">
-                    <a:solidFill>
-                      <a:schemeClr val="dk1"/>
-                    </a:solidFill>
-                    <a:latin typeface="+mn-lt"/>
-                    <a:ea typeface="+mn-ea"/>
-                    <a:cs typeface="+mn-cs"/>
-                  </a:defRPr>
-                </a:lvl8pPr>
-                <a:lvl9pPr marL="3657600" algn="l" defTabSz="914400" rtl="0" eaLnBrk="1" latinLnBrk="0" hangingPunct="1">
-                  <a:defRPr sz="1800" kern="1200">
-                    <a:solidFill>
-                      <a:schemeClr val="dk1"/>
-                    </a:solidFill>
-                    <a:latin typeface="+mn-lt"/>
-                    <a:ea typeface="+mn-ea"/>
-                    <a:cs typeface="+mn-cs"/>
-                  </a:defRPr>
-                </a:lvl9pPr>
-              </a:lstStyle>
-              <a:p>
-                <a:pPr algn="ctr"/>
-                <a:r>
-                  <a:rPr lang="en-US" altLang="zh-CN" sz="800" dirty="0" smtClean="0"/>
-                  <a:t>Container</a:t>
-                </a:r>
-                <a:endParaRPr lang="zh-CN" altLang="en-US" sz="800" dirty="0"/>
-              </a:p>
-            </p:txBody>
-          </p:sp>
-          <p:sp>
-            <p:nvSpPr>
-              <p:cNvPr id="80" name="矩形 79"/>
-              <p:cNvSpPr/>
-              <p:nvPr/>
-            </p:nvSpPr>
-            <p:spPr>
-              <a:xfrm>
-                <a:off x="4438650" y="1499235"/>
-                <a:ext cx="609600" cy="240030"/>
-              </a:xfrm>
-              <a:prstGeom prst="rect">
-                <a:avLst/>
-              </a:prstGeom>
-            </p:spPr>
-            <p:style>
-              <a:lnRef idx="2">
-                <a:schemeClr val="dk1"/>
-              </a:lnRef>
-              <a:fillRef idx="1">
-                <a:schemeClr val="lt1"/>
-              </a:fillRef>
-              <a:effectRef idx="0">
-                <a:schemeClr val="dk1"/>
-              </a:effectRef>
-              <a:fontRef idx="minor">
-                <a:schemeClr val="dk1"/>
-              </a:fontRef>
-            </p:style>
-            <p:txBody>
-              <a:bodyPr rot="0" spcFirstLastPara="0" vert="horz" wrap="square" lIns="91440" tIns="45720" rIns="91440" bIns="45720" numCol="1" spcCol="0" rtlCol="0" fromWordArt="0" anchor="ctr" anchorCtr="0" forceAA="0" compatLnSpc="1">
-                <a:prstTxWarp prst="textNoShape">
-                  <a:avLst/>
-                </a:prstTxWarp>
-                <a:noAutofit/>
-              </a:bodyPr>
-              <a:lstStyle>
-                <a:defPPr>
-                  <a:defRPr lang="zh-CN"/>
-                </a:defPPr>
-                <a:lvl1pPr marL="0" algn="l" defTabSz="914400" rtl="0" eaLnBrk="1" latinLnBrk="0" hangingPunct="1">
-                  <a:defRPr sz="1800" kern="1200">
-                    <a:solidFill>
-                      <a:schemeClr val="dk1"/>
-                    </a:solidFill>
-                    <a:latin typeface="+mn-lt"/>
-                    <a:ea typeface="+mn-ea"/>
-                    <a:cs typeface="+mn-cs"/>
-                  </a:defRPr>
-                </a:lvl1pPr>
-                <a:lvl2pPr marL="457200" algn="l" defTabSz="914400" rtl="0" eaLnBrk="1" latinLnBrk="0" hangingPunct="1">
-                  <a:defRPr sz="1800" kern="1200">
-                    <a:solidFill>
-                      <a:schemeClr val="dk1"/>
-                    </a:solidFill>
-                    <a:latin typeface="+mn-lt"/>
-                    <a:ea typeface="+mn-ea"/>
-                    <a:cs typeface="+mn-cs"/>
-                  </a:defRPr>
-                </a:lvl2pPr>
-                <a:lvl3pPr marL="914400" algn="l" defTabSz="914400" rtl="0" eaLnBrk="1" latinLnBrk="0" hangingPunct="1">
-                  <a:defRPr sz="1800" kern="1200">
-                    <a:solidFill>
-                      <a:schemeClr val="dk1"/>
-                    </a:solidFill>
-                    <a:latin typeface="+mn-lt"/>
-                    <a:ea typeface="+mn-ea"/>
-                    <a:cs typeface="+mn-cs"/>
-                  </a:defRPr>
-                </a:lvl3pPr>
-                <a:lvl4pPr marL="1371600" algn="l" defTabSz="914400" rtl="0" eaLnBrk="1" latinLnBrk="0" hangingPunct="1">
-                  <a:defRPr sz="1800" kern="1200">
-                    <a:solidFill>
-                      <a:schemeClr val="dk1"/>
-                    </a:solidFill>
-                    <a:latin typeface="+mn-lt"/>
-                    <a:ea typeface="+mn-ea"/>
-                    <a:cs typeface="+mn-cs"/>
-                  </a:defRPr>
-                </a:lvl4pPr>
-                <a:lvl5pPr marL="1828800" algn="l" defTabSz="914400" rtl="0" eaLnBrk="1" latinLnBrk="0" hangingPunct="1">
-                  <a:defRPr sz="1800" kern="1200">
-                    <a:solidFill>
-                      <a:schemeClr val="dk1"/>
-                    </a:solidFill>
-                    <a:latin typeface="+mn-lt"/>
-                    <a:ea typeface="+mn-ea"/>
-                    <a:cs typeface="+mn-cs"/>
-                  </a:defRPr>
-                </a:lvl5pPr>
-                <a:lvl6pPr marL="2286000" algn="l" defTabSz="914400" rtl="0" eaLnBrk="1" latinLnBrk="0" hangingPunct="1">
-                  <a:defRPr sz="1800" kern="1200">
-                    <a:solidFill>
-                      <a:schemeClr val="dk1"/>
-                    </a:solidFill>
-                    <a:latin typeface="+mn-lt"/>
-                    <a:ea typeface="+mn-ea"/>
-                    <a:cs typeface="+mn-cs"/>
-                  </a:defRPr>
-                </a:lvl6pPr>
-                <a:lvl7pPr marL="2743200" algn="l" defTabSz="914400" rtl="0" eaLnBrk="1" latinLnBrk="0" hangingPunct="1">
-                  <a:defRPr sz="1800" kern="1200">
-                    <a:solidFill>
-                      <a:schemeClr val="dk1"/>
-                    </a:solidFill>
-                    <a:latin typeface="+mn-lt"/>
-                    <a:ea typeface="+mn-ea"/>
-                    <a:cs typeface="+mn-cs"/>
-                  </a:defRPr>
-                </a:lvl7pPr>
-                <a:lvl8pPr marL="3200400" algn="l" defTabSz="914400" rtl="0" eaLnBrk="1" latinLnBrk="0" hangingPunct="1">
-                  <a:defRPr sz="1800" kern="1200">
-                    <a:solidFill>
-                      <a:schemeClr val="dk1"/>
-                    </a:solidFill>
-                    <a:latin typeface="+mn-lt"/>
-                    <a:ea typeface="+mn-ea"/>
-                    <a:cs typeface="+mn-cs"/>
-                  </a:defRPr>
-                </a:lvl8pPr>
-                <a:lvl9pPr marL="3657600" algn="l" defTabSz="914400" rtl="0" eaLnBrk="1" latinLnBrk="0" hangingPunct="1">
-                  <a:defRPr sz="1800" kern="1200">
-                    <a:solidFill>
-                      <a:schemeClr val="dk1"/>
-                    </a:solidFill>
-                    <a:latin typeface="+mn-lt"/>
-                    <a:ea typeface="+mn-ea"/>
-                    <a:cs typeface="+mn-cs"/>
-                  </a:defRPr>
-                </a:lvl9pPr>
-              </a:lstStyle>
-              <a:p>
-                <a:pPr algn="ctr"/>
-                <a:r>
-                  <a:rPr lang="en-US" altLang="zh-CN" sz="800" dirty="0" smtClean="0"/>
-                  <a:t>Container</a:t>
-                </a:r>
-                <a:endParaRPr lang="zh-CN" altLang="en-US" sz="800" dirty="0"/>
-              </a:p>
-            </p:txBody>
-          </p:sp>
-        </p:grpSp>
-        <p:grpSp>
-          <p:nvGrpSpPr>
-            <p:cNvPr id="65" name="组合 64"/>
-            <p:cNvGrpSpPr/>
-            <p:nvPr/>
-          </p:nvGrpSpPr>
-          <p:grpSpPr>
-            <a:xfrm>
-              <a:off x="1952878" y="2439747"/>
-              <a:ext cx="1379220" cy="586740"/>
-              <a:chOff x="3459480" y="3543300"/>
-              <a:chExt cx="1379220" cy="586740"/>
-            </a:xfrm>
-          </p:grpSpPr>
-          <p:sp>
-            <p:nvSpPr>
-              <p:cNvPr id="75" name="圆角矩形 74"/>
-              <p:cNvSpPr/>
-              <p:nvPr/>
-            </p:nvSpPr>
-            <p:spPr>
-              <a:xfrm>
-                <a:off x="3459480" y="3543300"/>
-                <a:ext cx="1379220" cy="586740"/>
-              </a:xfrm>
-              <a:prstGeom prst="roundRect">
-                <a:avLst/>
-              </a:prstGeom>
-            </p:spPr>
-            <p:style>
-              <a:lnRef idx="2">
-                <a:schemeClr val="dk1"/>
-              </a:lnRef>
-              <a:fillRef idx="1">
-                <a:schemeClr val="lt1"/>
-              </a:fillRef>
-              <a:effectRef idx="0">
-                <a:schemeClr val="dk1"/>
-              </a:effectRef>
-              <a:fontRef idx="minor">
-                <a:schemeClr val="dk1"/>
-              </a:fontRef>
-            </p:style>
-            <p:txBody>
-              <a:bodyPr rot="0" spcFirstLastPara="0" vert="horz" wrap="square" lIns="91440" tIns="45720" rIns="91440" bIns="45720" numCol="1" spcCol="0" rtlCol="0" fromWordArt="0" anchor="t" anchorCtr="0" forceAA="0" compatLnSpc="1">
-                <a:prstTxWarp prst="textNoShape">
-                  <a:avLst/>
-                </a:prstTxWarp>
-                <a:noAutofit/>
-              </a:bodyPr>
-              <a:lstStyle>
-                <a:defPPr>
-                  <a:defRPr lang="zh-CN"/>
-                </a:defPPr>
-                <a:lvl1pPr marL="0" algn="l" defTabSz="914400" rtl="0" eaLnBrk="1" latinLnBrk="0" hangingPunct="1">
-                  <a:defRPr sz="1800" kern="1200">
-                    <a:solidFill>
-                      <a:schemeClr val="dk1"/>
-                    </a:solidFill>
-                    <a:latin typeface="+mn-lt"/>
-                    <a:ea typeface="+mn-ea"/>
-                    <a:cs typeface="+mn-cs"/>
-                  </a:defRPr>
-                </a:lvl1pPr>
-                <a:lvl2pPr marL="457200" algn="l" defTabSz="914400" rtl="0" eaLnBrk="1" latinLnBrk="0" hangingPunct="1">
-                  <a:defRPr sz="1800" kern="1200">
-                    <a:solidFill>
-                      <a:schemeClr val="dk1"/>
-                    </a:solidFill>
-                    <a:latin typeface="+mn-lt"/>
-                    <a:ea typeface="+mn-ea"/>
-                    <a:cs typeface="+mn-cs"/>
-                  </a:defRPr>
-                </a:lvl2pPr>
-                <a:lvl3pPr marL="914400" algn="l" defTabSz="914400" rtl="0" eaLnBrk="1" latinLnBrk="0" hangingPunct="1">
-                  <a:defRPr sz="1800" kern="1200">
-                    <a:solidFill>
-                      <a:schemeClr val="dk1"/>
-                    </a:solidFill>
-                    <a:latin typeface="+mn-lt"/>
-                    <a:ea typeface="+mn-ea"/>
-                    <a:cs typeface="+mn-cs"/>
-                  </a:defRPr>
-                </a:lvl3pPr>
-                <a:lvl4pPr marL="1371600" algn="l" defTabSz="914400" rtl="0" eaLnBrk="1" latinLnBrk="0" hangingPunct="1">
-                  <a:defRPr sz="1800" kern="1200">
-                    <a:solidFill>
-                      <a:schemeClr val="dk1"/>
-                    </a:solidFill>
-                    <a:latin typeface="+mn-lt"/>
-                    <a:ea typeface="+mn-ea"/>
-                    <a:cs typeface="+mn-cs"/>
-                  </a:defRPr>
-                </a:lvl4pPr>
-                <a:lvl5pPr marL="1828800" algn="l" defTabSz="914400" rtl="0" eaLnBrk="1" latinLnBrk="0" hangingPunct="1">
-                  <a:defRPr sz="1800" kern="1200">
-                    <a:solidFill>
-                      <a:schemeClr val="dk1"/>
-                    </a:solidFill>
-                    <a:latin typeface="+mn-lt"/>
-                    <a:ea typeface="+mn-ea"/>
-                    <a:cs typeface="+mn-cs"/>
-                  </a:defRPr>
-                </a:lvl5pPr>
-                <a:lvl6pPr marL="2286000" algn="l" defTabSz="914400" rtl="0" eaLnBrk="1" latinLnBrk="0" hangingPunct="1">
-                  <a:defRPr sz="1800" kern="1200">
-                    <a:solidFill>
-                      <a:schemeClr val="dk1"/>
-                    </a:solidFill>
-                    <a:latin typeface="+mn-lt"/>
-                    <a:ea typeface="+mn-ea"/>
-                    <a:cs typeface="+mn-cs"/>
-                  </a:defRPr>
-                </a:lvl6pPr>
-                <a:lvl7pPr marL="2743200" algn="l" defTabSz="914400" rtl="0" eaLnBrk="1" latinLnBrk="0" hangingPunct="1">
-                  <a:defRPr sz="1800" kern="1200">
-                    <a:solidFill>
-                      <a:schemeClr val="dk1"/>
-                    </a:solidFill>
-                    <a:latin typeface="+mn-lt"/>
-                    <a:ea typeface="+mn-ea"/>
-                    <a:cs typeface="+mn-cs"/>
-                  </a:defRPr>
-                </a:lvl7pPr>
-                <a:lvl8pPr marL="3200400" algn="l" defTabSz="914400" rtl="0" eaLnBrk="1" latinLnBrk="0" hangingPunct="1">
-                  <a:defRPr sz="1800" kern="1200">
-                    <a:solidFill>
-                      <a:schemeClr val="dk1"/>
-                    </a:solidFill>
-                    <a:latin typeface="+mn-lt"/>
-                    <a:ea typeface="+mn-ea"/>
-                    <a:cs typeface="+mn-cs"/>
-                  </a:defRPr>
-                </a:lvl8pPr>
-                <a:lvl9pPr marL="3657600" algn="l" defTabSz="914400" rtl="0" eaLnBrk="1" latinLnBrk="0" hangingPunct="1">
-                  <a:defRPr sz="1800" kern="1200">
-                    <a:solidFill>
-                      <a:schemeClr val="dk1"/>
-                    </a:solidFill>
-                    <a:latin typeface="+mn-lt"/>
-                    <a:ea typeface="+mn-ea"/>
-                    <a:cs typeface="+mn-cs"/>
-                  </a:defRPr>
-                </a:lvl9pPr>
-              </a:lstStyle>
-              <a:p>
-                <a:pPr algn="ctr"/>
-                <a:r>
-                  <a:rPr lang="en-US" altLang="zh-CN" sz="1200" dirty="0" smtClean="0"/>
-                  <a:t>NM</a:t>
-                </a:r>
-              </a:p>
-            </p:txBody>
-          </p:sp>
-          <p:sp>
-            <p:nvSpPr>
-              <p:cNvPr id="76" name="矩形 75"/>
-              <p:cNvSpPr/>
-              <p:nvPr/>
-            </p:nvSpPr>
-            <p:spPr>
-              <a:xfrm>
-                <a:off x="3505200" y="3830955"/>
-                <a:ext cx="609600" cy="240030"/>
-              </a:xfrm>
-              <a:prstGeom prst="rect">
-                <a:avLst/>
-              </a:prstGeom>
-            </p:spPr>
-            <p:style>
-              <a:lnRef idx="2">
-                <a:schemeClr val="dk1"/>
-              </a:lnRef>
-              <a:fillRef idx="1">
-                <a:schemeClr val="lt1"/>
-              </a:fillRef>
-              <a:effectRef idx="0">
-                <a:schemeClr val="dk1"/>
-              </a:effectRef>
-              <a:fontRef idx="minor">
-                <a:schemeClr val="dk1"/>
-              </a:fontRef>
-            </p:style>
-            <p:txBody>
-              <a:bodyPr rot="0" spcFirstLastPara="0" vert="horz" wrap="square" lIns="91440" tIns="45720" rIns="91440" bIns="45720" numCol="1" spcCol="0" rtlCol="0" fromWordArt="0" anchor="ctr" anchorCtr="0" forceAA="0" compatLnSpc="1">
-                <a:prstTxWarp prst="textNoShape">
-                  <a:avLst/>
-                </a:prstTxWarp>
-                <a:noAutofit/>
-              </a:bodyPr>
-              <a:lstStyle>
-                <a:defPPr>
-                  <a:defRPr lang="zh-CN"/>
-                </a:defPPr>
-                <a:lvl1pPr marL="0" algn="l" defTabSz="914400" rtl="0" eaLnBrk="1" latinLnBrk="0" hangingPunct="1">
-                  <a:defRPr sz="1800" kern="1200">
-                    <a:solidFill>
-                      <a:schemeClr val="dk1"/>
-                    </a:solidFill>
-                    <a:latin typeface="+mn-lt"/>
-                    <a:ea typeface="+mn-ea"/>
-                    <a:cs typeface="+mn-cs"/>
-                  </a:defRPr>
-                </a:lvl1pPr>
-                <a:lvl2pPr marL="457200" algn="l" defTabSz="914400" rtl="0" eaLnBrk="1" latinLnBrk="0" hangingPunct="1">
-                  <a:defRPr sz="1800" kern="1200">
-                    <a:solidFill>
-                      <a:schemeClr val="dk1"/>
-                    </a:solidFill>
-                    <a:latin typeface="+mn-lt"/>
-                    <a:ea typeface="+mn-ea"/>
-                    <a:cs typeface="+mn-cs"/>
-                  </a:defRPr>
-                </a:lvl2pPr>
-                <a:lvl3pPr marL="914400" algn="l" defTabSz="914400" rtl="0" eaLnBrk="1" latinLnBrk="0" hangingPunct="1">
-                  <a:defRPr sz="1800" kern="1200">
-                    <a:solidFill>
-                      <a:schemeClr val="dk1"/>
-                    </a:solidFill>
-                    <a:latin typeface="+mn-lt"/>
-                    <a:ea typeface="+mn-ea"/>
-                    <a:cs typeface="+mn-cs"/>
-                  </a:defRPr>
-                </a:lvl3pPr>
-                <a:lvl4pPr marL="1371600" algn="l" defTabSz="914400" rtl="0" eaLnBrk="1" latinLnBrk="0" hangingPunct="1">
-                  <a:defRPr sz="1800" kern="1200">
-                    <a:solidFill>
-                      <a:schemeClr val="dk1"/>
-                    </a:solidFill>
-                    <a:latin typeface="+mn-lt"/>
-                    <a:ea typeface="+mn-ea"/>
-                    <a:cs typeface="+mn-cs"/>
-                  </a:defRPr>
-                </a:lvl4pPr>
-                <a:lvl5pPr marL="1828800" algn="l" defTabSz="914400" rtl="0" eaLnBrk="1" latinLnBrk="0" hangingPunct="1">
-                  <a:defRPr sz="1800" kern="1200">
-                    <a:solidFill>
-                      <a:schemeClr val="dk1"/>
-                    </a:solidFill>
-                    <a:latin typeface="+mn-lt"/>
-                    <a:ea typeface="+mn-ea"/>
-                    <a:cs typeface="+mn-cs"/>
-                  </a:defRPr>
-                </a:lvl5pPr>
-                <a:lvl6pPr marL="2286000" algn="l" defTabSz="914400" rtl="0" eaLnBrk="1" latinLnBrk="0" hangingPunct="1">
-                  <a:defRPr sz="1800" kern="1200">
-                    <a:solidFill>
-                      <a:schemeClr val="dk1"/>
-                    </a:solidFill>
-                    <a:latin typeface="+mn-lt"/>
-                    <a:ea typeface="+mn-ea"/>
-                    <a:cs typeface="+mn-cs"/>
-                  </a:defRPr>
-                </a:lvl6pPr>
-                <a:lvl7pPr marL="2743200" algn="l" defTabSz="914400" rtl="0" eaLnBrk="1" latinLnBrk="0" hangingPunct="1">
-                  <a:defRPr sz="1800" kern="1200">
-                    <a:solidFill>
-                      <a:schemeClr val="dk1"/>
-                    </a:solidFill>
-                    <a:latin typeface="+mn-lt"/>
-                    <a:ea typeface="+mn-ea"/>
-                    <a:cs typeface="+mn-cs"/>
-                  </a:defRPr>
-                </a:lvl7pPr>
-                <a:lvl8pPr marL="3200400" algn="l" defTabSz="914400" rtl="0" eaLnBrk="1" latinLnBrk="0" hangingPunct="1">
-                  <a:defRPr sz="1800" kern="1200">
-                    <a:solidFill>
-                      <a:schemeClr val="dk1"/>
-                    </a:solidFill>
-                    <a:latin typeface="+mn-lt"/>
-                    <a:ea typeface="+mn-ea"/>
-                    <a:cs typeface="+mn-cs"/>
-                  </a:defRPr>
-                </a:lvl8pPr>
-                <a:lvl9pPr marL="3657600" algn="l" defTabSz="914400" rtl="0" eaLnBrk="1" latinLnBrk="0" hangingPunct="1">
-                  <a:defRPr sz="1800" kern="1200">
-                    <a:solidFill>
-                      <a:schemeClr val="dk1"/>
-                    </a:solidFill>
-                    <a:latin typeface="+mn-lt"/>
-                    <a:ea typeface="+mn-ea"/>
-                    <a:cs typeface="+mn-cs"/>
-                  </a:defRPr>
-                </a:lvl9pPr>
-              </a:lstStyle>
-              <a:p>
-                <a:pPr algn="ctr"/>
-                <a:r>
-                  <a:rPr lang="en-US" altLang="zh-CN" sz="800" dirty="0" err="1" smtClean="0"/>
-                  <a:t>AppMstr</a:t>
-                </a:r>
-                <a:endParaRPr lang="zh-CN" altLang="en-US" sz="800" dirty="0"/>
-              </a:p>
-            </p:txBody>
-          </p:sp>
-          <p:sp>
-            <p:nvSpPr>
-              <p:cNvPr id="77" name="矩形 76"/>
-              <p:cNvSpPr/>
-              <p:nvPr/>
-            </p:nvSpPr>
-            <p:spPr>
-              <a:xfrm>
-                <a:off x="4149090" y="3830955"/>
-                <a:ext cx="609600" cy="240030"/>
-              </a:xfrm>
-              <a:prstGeom prst="rect">
-                <a:avLst/>
-              </a:prstGeom>
-            </p:spPr>
-            <p:style>
-              <a:lnRef idx="2">
-                <a:schemeClr val="dk1"/>
-              </a:lnRef>
-              <a:fillRef idx="1">
-                <a:schemeClr val="lt1"/>
-              </a:fillRef>
-              <a:effectRef idx="0">
-                <a:schemeClr val="dk1"/>
-              </a:effectRef>
-              <a:fontRef idx="minor">
-                <a:schemeClr val="dk1"/>
-              </a:fontRef>
-            </p:style>
-            <p:txBody>
-              <a:bodyPr rot="0" spcFirstLastPara="0" vert="horz" wrap="square" lIns="91440" tIns="45720" rIns="91440" bIns="45720" numCol="1" spcCol="0" rtlCol="0" fromWordArt="0" anchor="ctr" anchorCtr="0" forceAA="0" compatLnSpc="1">
-                <a:prstTxWarp prst="textNoShape">
-                  <a:avLst/>
-                </a:prstTxWarp>
-                <a:noAutofit/>
-              </a:bodyPr>
-              <a:lstStyle>
-                <a:defPPr>
-                  <a:defRPr lang="zh-CN"/>
-                </a:defPPr>
-                <a:lvl1pPr marL="0" algn="l" defTabSz="914400" rtl="0" eaLnBrk="1" latinLnBrk="0" hangingPunct="1">
-                  <a:defRPr sz="1800" kern="1200">
-                    <a:solidFill>
-                      <a:schemeClr val="dk1"/>
-                    </a:solidFill>
-                    <a:latin typeface="+mn-lt"/>
-                    <a:ea typeface="+mn-ea"/>
-                    <a:cs typeface="+mn-cs"/>
-                  </a:defRPr>
-                </a:lvl1pPr>
-                <a:lvl2pPr marL="457200" algn="l" defTabSz="914400" rtl="0" eaLnBrk="1" latinLnBrk="0" hangingPunct="1">
-                  <a:defRPr sz="1800" kern="1200">
-                    <a:solidFill>
-                      <a:schemeClr val="dk1"/>
-                    </a:solidFill>
-                    <a:latin typeface="+mn-lt"/>
-                    <a:ea typeface="+mn-ea"/>
-                    <a:cs typeface="+mn-cs"/>
-                  </a:defRPr>
-                </a:lvl2pPr>
-                <a:lvl3pPr marL="914400" algn="l" defTabSz="914400" rtl="0" eaLnBrk="1" latinLnBrk="0" hangingPunct="1">
-                  <a:defRPr sz="1800" kern="1200">
-                    <a:solidFill>
-                      <a:schemeClr val="dk1"/>
-                    </a:solidFill>
-                    <a:latin typeface="+mn-lt"/>
-                    <a:ea typeface="+mn-ea"/>
-                    <a:cs typeface="+mn-cs"/>
-                  </a:defRPr>
-                </a:lvl3pPr>
-                <a:lvl4pPr marL="1371600" algn="l" defTabSz="914400" rtl="0" eaLnBrk="1" latinLnBrk="0" hangingPunct="1">
-                  <a:defRPr sz="1800" kern="1200">
-                    <a:solidFill>
-                      <a:schemeClr val="dk1"/>
-                    </a:solidFill>
-                    <a:latin typeface="+mn-lt"/>
-                    <a:ea typeface="+mn-ea"/>
-                    <a:cs typeface="+mn-cs"/>
-                  </a:defRPr>
-                </a:lvl4pPr>
-                <a:lvl5pPr marL="1828800" algn="l" defTabSz="914400" rtl="0" eaLnBrk="1" latinLnBrk="0" hangingPunct="1">
-                  <a:defRPr sz="1800" kern="1200">
-                    <a:solidFill>
-                      <a:schemeClr val="dk1"/>
-                    </a:solidFill>
-                    <a:latin typeface="+mn-lt"/>
-                    <a:ea typeface="+mn-ea"/>
-                    <a:cs typeface="+mn-cs"/>
-                  </a:defRPr>
-                </a:lvl5pPr>
-                <a:lvl6pPr marL="2286000" algn="l" defTabSz="914400" rtl="0" eaLnBrk="1" latinLnBrk="0" hangingPunct="1">
-                  <a:defRPr sz="1800" kern="1200">
-                    <a:solidFill>
-                      <a:schemeClr val="dk1"/>
-                    </a:solidFill>
-                    <a:latin typeface="+mn-lt"/>
-                    <a:ea typeface="+mn-ea"/>
-                    <a:cs typeface="+mn-cs"/>
-                  </a:defRPr>
-                </a:lvl6pPr>
-                <a:lvl7pPr marL="2743200" algn="l" defTabSz="914400" rtl="0" eaLnBrk="1" latinLnBrk="0" hangingPunct="1">
-                  <a:defRPr sz="1800" kern="1200">
-                    <a:solidFill>
-                      <a:schemeClr val="dk1"/>
-                    </a:solidFill>
-                    <a:latin typeface="+mn-lt"/>
-                    <a:ea typeface="+mn-ea"/>
-                    <a:cs typeface="+mn-cs"/>
-                  </a:defRPr>
-                </a:lvl7pPr>
-                <a:lvl8pPr marL="3200400" algn="l" defTabSz="914400" rtl="0" eaLnBrk="1" latinLnBrk="0" hangingPunct="1">
-                  <a:defRPr sz="1800" kern="1200">
-                    <a:solidFill>
-                      <a:schemeClr val="dk1"/>
-                    </a:solidFill>
-                    <a:latin typeface="+mn-lt"/>
-                    <a:ea typeface="+mn-ea"/>
-                    <a:cs typeface="+mn-cs"/>
-                  </a:defRPr>
-                </a:lvl8pPr>
-                <a:lvl9pPr marL="3657600" algn="l" defTabSz="914400" rtl="0" eaLnBrk="1" latinLnBrk="0" hangingPunct="1">
-                  <a:defRPr sz="1800" kern="1200">
-                    <a:solidFill>
-                      <a:schemeClr val="dk1"/>
-                    </a:solidFill>
-                    <a:latin typeface="+mn-lt"/>
-                    <a:ea typeface="+mn-ea"/>
-                    <a:cs typeface="+mn-cs"/>
-                  </a:defRPr>
-                </a:lvl9pPr>
-              </a:lstStyle>
-              <a:p>
-                <a:pPr algn="ctr"/>
-                <a:r>
-                  <a:rPr lang="en-US" altLang="zh-CN" sz="800" dirty="0" smtClean="0"/>
-                  <a:t>Container</a:t>
-                </a:r>
-                <a:endParaRPr lang="zh-CN" altLang="en-US" sz="800" dirty="0"/>
-              </a:p>
-            </p:txBody>
-          </p:sp>
-        </p:grpSp>
-        <p:sp>
-          <p:nvSpPr>
-            <p:cNvPr id="66" name="圆角矩形 65"/>
-            <p:cNvSpPr/>
-            <p:nvPr/>
-          </p:nvSpPr>
-          <p:spPr>
-            <a:xfrm>
-              <a:off x="346710" y="1540277"/>
-              <a:ext cx="982980" cy="685242"/>
-            </a:xfrm>
-            <a:prstGeom prst="roundRect">
-              <a:avLst/>
-            </a:prstGeom>
-          </p:spPr>
-          <p:style>
-            <a:lnRef idx="2">
-              <a:schemeClr val="dk1"/>
-            </a:lnRef>
-            <a:fillRef idx="1">
-              <a:schemeClr val="lt1"/>
-            </a:fillRef>
-            <a:effectRef idx="0">
-              <a:schemeClr val="dk1"/>
-            </a:effectRef>
-            <a:fontRef idx="minor">
-              <a:schemeClr val="dk1"/>
-            </a:fontRef>
-          </p:style>
-          <p:txBody>
-            <a:bodyPr rot="0" spcFirstLastPara="0" vert="horz" wrap="square" lIns="91440" tIns="45720" rIns="91440" bIns="45720" numCol="1" spcCol="0" rtlCol="0" fromWordArt="0" anchor="ctr" anchorCtr="0" forceAA="0" compatLnSpc="1">
-              <a:prstTxWarp prst="textNoShape">
-                <a:avLst/>
-              </a:prstTxWarp>
-              <a:noAutofit/>
-            </a:bodyPr>
-            <a:lstStyle>
-              <a:defPPr>
-                <a:defRPr lang="zh-CN"/>
-              </a:defPPr>
-              <a:lvl1pPr marL="0" algn="l" defTabSz="914400" rtl="0" eaLnBrk="1" latinLnBrk="0" hangingPunct="1">
-                <a:defRPr sz="1800" kern="1200">
-                  <a:solidFill>
-                    <a:schemeClr val="dk1"/>
-                  </a:solidFill>
-                  <a:latin typeface="+mn-lt"/>
-                  <a:ea typeface="+mn-ea"/>
-                  <a:cs typeface="+mn-cs"/>
-                </a:defRPr>
-              </a:lvl1pPr>
-              <a:lvl2pPr marL="457200" algn="l" defTabSz="914400" rtl="0" eaLnBrk="1" latinLnBrk="0" hangingPunct="1">
-                <a:defRPr sz="1800" kern="1200">
-                  <a:solidFill>
-                    <a:schemeClr val="dk1"/>
-                  </a:solidFill>
-                  <a:latin typeface="+mn-lt"/>
-                  <a:ea typeface="+mn-ea"/>
-                  <a:cs typeface="+mn-cs"/>
-                </a:defRPr>
-              </a:lvl2pPr>
-              <a:lvl3pPr marL="914400" algn="l" defTabSz="914400" rtl="0" eaLnBrk="1" latinLnBrk="0" hangingPunct="1">
-                <a:defRPr sz="1800" kern="1200">
-                  <a:solidFill>
-                    <a:schemeClr val="dk1"/>
-                  </a:solidFill>
-                  <a:latin typeface="+mn-lt"/>
-                  <a:ea typeface="+mn-ea"/>
-                  <a:cs typeface="+mn-cs"/>
-                </a:defRPr>
-              </a:lvl3pPr>
-              <a:lvl4pPr marL="1371600" algn="l" defTabSz="914400" rtl="0" eaLnBrk="1" latinLnBrk="0" hangingPunct="1">
-                <a:defRPr sz="1800" kern="1200">
-                  <a:solidFill>
-                    <a:schemeClr val="dk1"/>
-                  </a:solidFill>
-                  <a:latin typeface="+mn-lt"/>
-                  <a:ea typeface="+mn-ea"/>
-                  <a:cs typeface="+mn-cs"/>
-                </a:defRPr>
-              </a:lvl4pPr>
-              <a:lvl5pPr marL="1828800" algn="l" defTabSz="914400" rtl="0" eaLnBrk="1" latinLnBrk="0" hangingPunct="1">
-                <a:defRPr sz="1800" kern="1200">
-                  <a:solidFill>
-                    <a:schemeClr val="dk1"/>
-                  </a:solidFill>
-                  <a:latin typeface="+mn-lt"/>
-                  <a:ea typeface="+mn-ea"/>
-                  <a:cs typeface="+mn-cs"/>
-                </a:defRPr>
-              </a:lvl5pPr>
-              <a:lvl6pPr marL="2286000" algn="l" defTabSz="914400" rtl="0" eaLnBrk="1" latinLnBrk="0" hangingPunct="1">
-                <a:defRPr sz="1800" kern="1200">
-                  <a:solidFill>
-                    <a:schemeClr val="dk1"/>
-                  </a:solidFill>
-                  <a:latin typeface="+mn-lt"/>
-                  <a:ea typeface="+mn-ea"/>
-                  <a:cs typeface="+mn-cs"/>
-                </a:defRPr>
-              </a:lvl6pPr>
-              <a:lvl7pPr marL="2743200" algn="l" defTabSz="914400" rtl="0" eaLnBrk="1" latinLnBrk="0" hangingPunct="1">
-                <a:defRPr sz="1800" kern="1200">
-                  <a:solidFill>
-                    <a:schemeClr val="dk1"/>
-                  </a:solidFill>
-                  <a:latin typeface="+mn-lt"/>
-                  <a:ea typeface="+mn-ea"/>
-                  <a:cs typeface="+mn-cs"/>
-                </a:defRPr>
-              </a:lvl7pPr>
-              <a:lvl8pPr marL="3200400" algn="l" defTabSz="914400" rtl="0" eaLnBrk="1" latinLnBrk="0" hangingPunct="1">
-                <a:defRPr sz="1800" kern="1200">
-                  <a:solidFill>
-                    <a:schemeClr val="dk1"/>
-                  </a:solidFill>
-                  <a:latin typeface="+mn-lt"/>
-                  <a:ea typeface="+mn-ea"/>
-                  <a:cs typeface="+mn-cs"/>
-                </a:defRPr>
-              </a:lvl8pPr>
-              <a:lvl9pPr marL="3657600" algn="l" defTabSz="914400" rtl="0" eaLnBrk="1" latinLnBrk="0" hangingPunct="1">
-                <a:defRPr sz="1800" kern="1200">
-                  <a:solidFill>
-                    <a:schemeClr val="dk1"/>
-                  </a:solidFill>
-                  <a:latin typeface="+mn-lt"/>
-                  <a:ea typeface="+mn-ea"/>
-                  <a:cs typeface="+mn-cs"/>
-                </a:defRPr>
-              </a:lvl9pPr>
-            </a:lstStyle>
-            <a:p>
-              <a:pPr algn="ctr"/>
-              <a:r>
-                <a:rPr lang="en-US" altLang="zh-CN" sz="1000" dirty="0" smtClean="0"/>
-                <a:t>Name Service</a:t>
-              </a:r>
-              <a:endParaRPr lang="zh-CN" altLang="en-US" sz="1000" dirty="0"/>
-            </a:p>
-          </p:txBody>
-        </p:sp>
-        <p:cxnSp>
-          <p:nvCxnSpPr>
-            <p:cNvPr id="67" name="直接箭头连接符 66"/>
-            <p:cNvCxnSpPr>
-              <a:stCxn id="68" idx="0"/>
-              <a:endCxn id="66" idx="2"/>
-            </p:cNvCxnSpPr>
-            <p:nvPr/>
-          </p:nvCxnSpPr>
-          <p:spPr>
-            <a:xfrm flipV="1">
-              <a:off x="733265" y="2225519"/>
-              <a:ext cx="104935" cy="551871"/>
-            </a:xfrm>
-            <a:prstGeom prst="straightConnector1">
-              <a:avLst/>
-            </a:prstGeom>
-            <a:ln>
-              <a:tailEnd type="triangle"/>
-            </a:ln>
-          </p:spPr>
-          <p:style>
-            <a:lnRef idx="1">
-              <a:schemeClr val="dk1"/>
-            </a:lnRef>
-            <a:fillRef idx="0">
-              <a:schemeClr val="dk1"/>
-            </a:fillRef>
-            <a:effectRef idx="0">
-              <a:schemeClr val="dk1"/>
-            </a:effectRef>
-            <a:fontRef idx="minor">
-              <a:schemeClr val="tx1"/>
-            </a:fontRef>
-          </p:style>
-        </p:cxnSp>
-        <p:sp>
-          <p:nvSpPr>
-            <p:cNvPr id="68" name="椭圆 67"/>
-            <p:cNvSpPr/>
-            <p:nvPr/>
-          </p:nvSpPr>
-          <p:spPr>
-            <a:xfrm>
-              <a:off x="348548" y="2777390"/>
-              <a:ext cx="769434" cy="546409"/>
-            </a:xfrm>
-            <a:prstGeom prst="ellipse">
-              <a:avLst/>
-            </a:prstGeom>
-          </p:spPr>
-          <p:style>
-            <a:lnRef idx="2">
-              <a:schemeClr val="dk1"/>
-            </a:lnRef>
-            <a:fillRef idx="1">
-              <a:schemeClr val="lt1"/>
-            </a:fillRef>
-            <a:effectRef idx="0">
-              <a:schemeClr val="dk1"/>
-            </a:effectRef>
-            <a:fontRef idx="minor">
-              <a:schemeClr val="dk1"/>
-            </a:fontRef>
-          </p:style>
-          <p:txBody>
-            <a:bodyPr rot="0" spcFirstLastPara="0" vert="horz" wrap="square" lIns="91440" tIns="45720" rIns="91440" bIns="45720" numCol="1" spcCol="0" rtlCol="0" fromWordArt="0" anchor="ctr" anchorCtr="0" forceAA="0" compatLnSpc="1">
-              <a:prstTxWarp prst="textNoShape">
-                <a:avLst/>
-              </a:prstTxWarp>
-              <a:noAutofit/>
-            </a:bodyPr>
-            <a:lstStyle>
-              <a:defPPr>
-                <a:defRPr lang="zh-CN"/>
-              </a:defPPr>
-              <a:lvl1pPr marL="0" algn="l" defTabSz="914400" rtl="0" eaLnBrk="1" latinLnBrk="0" hangingPunct="1">
-                <a:defRPr sz="1800" kern="1200">
-                  <a:solidFill>
-                    <a:schemeClr val="dk1"/>
-                  </a:solidFill>
-                  <a:latin typeface="+mn-lt"/>
-                  <a:ea typeface="+mn-ea"/>
-                  <a:cs typeface="+mn-cs"/>
-                </a:defRPr>
-              </a:lvl1pPr>
-              <a:lvl2pPr marL="457200" algn="l" defTabSz="914400" rtl="0" eaLnBrk="1" latinLnBrk="0" hangingPunct="1">
-                <a:defRPr sz="1800" kern="1200">
-                  <a:solidFill>
-                    <a:schemeClr val="dk1"/>
-                  </a:solidFill>
-                  <a:latin typeface="+mn-lt"/>
-                  <a:ea typeface="+mn-ea"/>
-                  <a:cs typeface="+mn-cs"/>
-                </a:defRPr>
-              </a:lvl2pPr>
-              <a:lvl3pPr marL="914400" algn="l" defTabSz="914400" rtl="0" eaLnBrk="1" latinLnBrk="0" hangingPunct="1">
-                <a:defRPr sz="1800" kern="1200">
-                  <a:solidFill>
-                    <a:schemeClr val="dk1"/>
-                  </a:solidFill>
-                  <a:latin typeface="+mn-lt"/>
-                  <a:ea typeface="+mn-ea"/>
-                  <a:cs typeface="+mn-cs"/>
-                </a:defRPr>
-              </a:lvl3pPr>
-              <a:lvl4pPr marL="1371600" algn="l" defTabSz="914400" rtl="0" eaLnBrk="1" latinLnBrk="0" hangingPunct="1">
-                <a:defRPr sz="1800" kern="1200">
-                  <a:solidFill>
-                    <a:schemeClr val="dk1"/>
-                  </a:solidFill>
-                  <a:latin typeface="+mn-lt"/>
-                  <a:ea typeface="+mn-ea"/>
-                  <a:cs typeface="+mn-cs"/>
-                </a:defRPr>
-              </a:lvl4pPr>
-              <a:lvl5pPr marL="1828800" algn="l" defTabSz="914400" rtl="0" eaLnBrk="1" latinLnBrk="0" hangingPunct="1">
-                <a:defRPr sz="1800" kern="1200">
-                  <a:solidFill>
-                    <a:schemeClr val="dk1"/>
-                  </a:solidFill>
-                  <a:latin typeface="+mn-lt"/>
-                  <a:ea typeface="+mn-ea"/>
-                  <a:cs typeface="+mn-cs"/>
-                </a:defRPr>
-              </a:lvl5pPr>
-              <a:lvl6pPr marL="2286000" algn="l" defTabSz="914400" rtl="0" eaLnBrk="1" latinLnBrk="0" hangingPunct="1">
-                <a:defRPr sz="1800" kern="1200">
-                  <a:solidFill>
-                    <a:schemeClr val="dk1"/>
-                  </a:solidFill>
-                  <a:latin typeface="+mn-lt"/>
-                  <a:ea typeface="+mn-ea"/>
-                  <a:cs typeface="+mn-cs"/>
-                </a:defRPr>
-              </a:lvl6pPr>
-              <a:lvl7pPr marL="2743200" algn="l" defTabSz="914400" rtl="0" eaLnBrk="1" latinLnBrk="0" hangingPunct="1">
-                <a:defRPr sz="1800" kern="1200">
-                  <a:solidFill>
-                    <a:schemeClr val="dk1"/>
-                  </a:solidFill>
-                  <a:latin typeface="+mn-lt"/>
-                  <a:ea typeface="+mn-ea"/>
-                  <a:cs typeface="+mn-cs"/>
-                </a:defRPr>
-              </a:lvl7pPr>
-              <a:lvl8pPr marL="3200400" algn="l" defTabSz="914400" rtl="0" eaLnBrk="1" latinLnBrk="0" hangingPunct="1">
-                <a:defRPr sz="1800" kern="1200">
-                  <a:solidFill>
-                    <a:schemeClr val="dk1"/>
-                  </a:solidFill>
-                  <a:latin typeface="+mn-lt"/>
-                  <a:ea typeface="+mn-ea"/>
-                  <a:cs typeface="+mn-cs"/>
-                </a:defRPr>
-              </a:lvl8pPr>
-              <a:lvl9pPr marL="3657600" algn="l" defTabSz="914400" rtl="0" eaLnBrk="1" latinLnBrk="0" hangingPunct="1">
-                <a:defRPr sz="1800" kern="1200">
-                  <a:solidFill>
-                    <a:schemeClr val="dk1"/>
-                  </a:solidFill>
-                  <a:latin typeface="+mn-lt"/>
-                  <a:ea typeface="+mn-ea"/>
-                  <a:cs typeface="+mn-cs"/>
-                </a:defRPr>
-              </a:lvl9pPr>
-            </a:lstStyle>
-            <a:p>
-              <a:pPr algn="ctr"/>
-              <a:r>
-                <a:rPr lang="en-US" altLang="zh-CN" sz="1000" dirty="0" smtClean="0">
-                  <a:latin typeface="Times New Roman" panose="02020603050405020304" pitchFamily="18" charset="0"/>
-                  <a:cs typeface="Times New Roman" panose="02020603050405020304" pitchFamily="18" charset="0"/>
-                </a:rPr>
-                <a:t>Client</a:t>
-              </a:r>
-              <a:endParaRPr lang="zh-CN" altLang="en-US" sz="1000" dirty="0">
-                <a:latin typeface="Times New Roman" panose="02020603050405020304" pitchFamily="18" charset="0"/>
-                <a:cs typeface="Times New Roman" panose="02020603050405020304" pitchFamily="18" charset="0"/>
-              </a:endParaRPr>
-            </a:p>
-          </p:txBody>
-        </p:sp>
-        <p:sp>
-          <p:nvSpPr>
-            <p:cNvPr id="69" name="文本框 37"/>
-            <p:cNvSpPr txBox="1"/>
-            <p:nvPr/>
-          </p:nvSpPr>
-          <p:spPr>
-            <a:xfrm>
-              <a:off x="733265" y="2402840"/>
-              <a:ext cx="272670" cy="246221"/>
-            </a:xfrm>
-            <a:prstGeom prst="rect">
-              <a:avLst/>
-            </a:prstGeom>
-            <a:noFill/>
-          </p:spPr>
-          <p:txBody>
-            <a:bodyPr wrap="square" rtlCol="0">
-              <a:spAutoFit/>
-            </a:bodyPr>
-            <a:lstStyle>
-              <a:defPPr>
-                <a:defRPr lang="zh-CN"/>
-              </a:defPPr>
-              <a:lvl1pPr marL="0" algn="l" defTabSz="914400" rtl="0" eaLnBrk="1" latinLnBrk="0" hangingPunct="1">
-                <a:defRPr sz="1800" kern="1200">
-                  <a:solidFill>
-                    <a:schemeClr val="tx1"/>
-                  </a:solidFill>
-                  <a:latin typeface="+mn-lt"/>
-                  <a:ea typeface="+mn-ea"/>
-                  <a:cs typeface="+mn-cs"/>
-                </a:defRPr>
-              </a:lvl1pPr>
-              <a:lvl2pPr marL="457200" algn="l" defTabSz="914400" rtl="0" eaLnBrk="1" latinLnBrk="0" hangingPunct="1">
-                <a:defRPr sz="1800" kern="1200">
-                  <a:solidFill>
-                    <a:schemeClr val="tx1"/>
-                  </a:solidFill>
-                  <a:latin typeface="+mn-lt"/>
-                  <a:ea typeface="+mn-ea"/>
-                  <a:cs typeface="+mn-cs"/>
-                </a:defRPr>
-              </a:lvl2pPr>
-              <a:lvl3pPr marL="914400" algn="l" defTabSz="914400" rtl="0" eaLnBrk="1" latinLnBrk="0" hangingPunct="1">
-                <a:defRPr sz="1800" kern="1200">
-                  <a:solidFill>
-                    <a:schemeClr val="tx1"/>
-                  </a:solidFill>
-                  <a:latin typeface="+mn-lt"/>
-                  <a:ea typeface="+mn-ea"/>
-                  <a:cs typeface="+mn-cs"/>
-                </a:defRPr>
-              </a:lvl3pPr>
-              <a:lvl4pPr marL="1371600" algn="l" defTabSz="914400" rtl="0" eaLnBrk="1" latinLnBrk="0" hangingPunct="1">
-                <a:defRPr sz="1800" kern="1200">
-                  <a:solidFill>
-                    <a:schemeClr val="tx1"/>
-                  </a:solidFill>
-                  <a:latin typeface="+mn-lt"/>
-                  <a:ea typeface="+mn-ea"/>
-                  <a:cs typeface="+mn-cs"/>
-                </a:defRPr>
-              </a:lvl4pPr>
-              <a:lvl5pPr marL="1828800" algn="l" defTabSz="914400" rtl="0" eaLnBrk="1" latinLnBrk="0" hangingPunct="1">
-                <a:defRPr sz="1800" kern="1200">
-                  <a:solidFill>
-                    <a:schemeClr val="tx1"/>
-                  </a:solidFill>
-                  <a:latin typeface="+mn-lt"/>
-                  <a:ea typeface="+mn-ea"/>
-                  <a:cs typeface="+mn-cs"/>
-                </a:defRPr>
-              </a:lvl5pPr>
-              <a:lvl6pPr marL="2286000" algn="l" defTabSz="914400" rtl="0" eaLnBrk="1" latinLnBrk="0" hangingPunct="1">
-                <a:defRPr sz="1800" kern="1200">
-                  <a:solidFill>
-                    <a:schemeClr val="tx1"/>
-                  </a:solidFill>
-                  <a:latin typeface="+mn-lt"/>
-                  <a:ea typeface="+mn-ea"/>
-                  <a:cs typeface="+mn-cs"/>
-                </a:defRPr>
-              </a:lvl6pPr>
-              <a:lvl7pPr marL="2743200" algn="l" defTabSz="914400" rtl="0" eaLnBrk="1" latinLnBrk="0" hangingPunct="1">
-                <a:defRPr sz="1800" kern="1200">
-                  <a:solidFill>
-                    <a:schemeClr val="tx1"/>
-                  </a:solidFill>
-                  <a:latin typeface="+mn-lt"/>
-                  <a:ea typeface="+mn-ea"/>
-                  <a:cs typeface="+mn-cs"/>
-                </a:defRPr>
-              </a:lvl7pPr>
-              <a:lvl8pPr marL="3200400" algn="l" defTabSz="914400" rtl="0" eaLnBrk="1" latinLnBrk="0" hangingPunct="1">
-                <a:defRPr sz="1800" kern="1200">
-                  <a:solidFill>
-                    <a:schemeClr val="tx1"/>
-                  </a:solidFill>
-                  <a:latin typeface="+mn-lt"/>
-                  <a:ea typeface="+mn-ea"/>
-                  <a:cs typeface="+mn-cs"/>
-                </a:defRPr>
-              </a:lvl8pPr>
-              <a:lvl9pPr marL="3657600" algn="l" defTabSz="914400" rtl="0" eaLnBrk="1" latinLnBrk="0" hangingPunct="1">
-                <a:defRPr sz="1800" kern="1200">
-                  <a:solidFill>
-                    <a:schemeClr val="tx1"/>
-                  </a:solidFill>
-                  <a:latin typeface="+mn-lt"/>
-                  <a:ea typeface="+mn-ea"/>
-                  <a:cs typeface="+mn-cs"/>
-                </a:defRPr>
-              </a:lvl9pPr>
-            </a:lstStyle>
-            <a:p>
-              <a:r>
-                <a:rPr lang="en-US" altLang="zh-CN" sz="1000" dirty="0" smtClean="0">
-                  <a:latin typeface="Times New Roman" panose="02020603050405020304" pitchFamily="18" charset="0"/>
-                  <a:cs typeface="Times New Roman" panose="02020603050405020304" pitchFamily="18" charset="0"/>
-                </a:rPr>
-                <a:t>1</a:t>
-              </a:r>
-              <a:endParaRPr lang="zh-CN" altLang="en-US" sz="1000" dirty="0">
-                <a:latin typeface="Times New Roman" panose="02020603050405020304" pitchFamily="18" charset="0"/>
-                <a:cs typeface="Times New Roman" panose="02020603050405020304" pitchFamily="18" charset="0"/>
-              </a:endParaRPr>
-            </a:p>
-          </p:txBody>
-        </p:sp>
-        <p:cxnSp>
-          <p:nvCxnSpPr>
-            <p:cNvPr id="70" name="曲线连接符 69"/>
-            <p:cNvCxnSpPr>
-              <a:stCxn id="76" idx="2"/>
-              <a:endCxn id="80" idx="0"/>
-            </p:cNvCxnSpPr>
-            <p:nvPr/>
-          </p:nvCxnSpPr>
-          <p:spPr>
-            <a:xfrm rot="16200000" flipH="1">
-              <a:off x="2283311" y="2987519"/>
-              <a:ext cx="684064" cy="643890"/>
-            </a:xfrm>
-            <a:prstGeom prst="curvedConnector3">
-              <a:avLst/>
-            </a:prstGeom>
-            <a:ln>
-              <a:prstDash val="sysDash"/>
-              <a:tailEnd type="triangle"/>
-            </a:ln>
-          </p:spPr>
-          <p:style>
-            <a:lnRef idx="1">
-              <a:schemeClr val="dk1"/>
-            </a:lnRef>
-            <a:fillRef idx="0">
-              <a:schemeClr val="dk1"/>
-            </a:fillRef>
-            <a:effectRef idx="0">
-              <a:schemeClr val="dk1"/>
-            </a:effectRef>
-            <a:fontRef idx="minor">
-              <a:schemeClr val="tx1"/>
-            </a:fontRef>
-          </p:style>
-        </p:cxnSp>
-        <p:cxnSp>
-          <p:nvCxnSpPr>
-            <p:cNvPr id="71" name="曲线连接符 70"/>
-            <p:cNvCxnSpPr>
-              <a:stCxn id="76" idx="2"/>
-              <a:endCxn id="79" idx="0"/>
-            </p:cNvCxnSpPr>
-            <p:nvPr/>
-          </p:nvCxnSpPr>
-          <p:spPr>
-            <a:xfrm rot="5400000">
-              <a:off x="1961366" y="3309464"/>
-              <a:ext cx="684064" cy="12700"/>
-            </a:xfrm>
-            <a:prstGeom prst="curvedConnector3">
-              <a:avLst/>
-            </a:prstGeom>
-            <a:ln>
-              <a:prstDash val="sysDash"/>
-              <a:tailEnd type="triangle"/>
-            </a:ln>
-          </p:spPr>
-          <p:style>
-            <a:lnRef idx="1">
-              <a:schemeClr val="dk1"/>
-            </a:lnRef>
-            <a:fillRef idx="0">
-              <a:schemeClr val="dk1"/>
-            </a:fillRef>
-            <a:effectRef idx="0">
-              <a:schemeClr val="dk1"/>
-            </a:effectRef>
-            <a:fontRef idx="minor">
-              <a:schemeClr val="tx1"/>
-            </a:fontRef>
-          </p:style>
-        </p:cxnSp>
-        <p:sp>
-          <p:nvSpPr>
-            <p:cNvPr id="72" name="文本框 29"/>
-            <p:cNvSpPr txBox="1"/>
-            <p:nvPr/>
-          </p:nvSpPr>
-          <p:spPr>
-            <a:xfrm>
-              <a:off x="1262760" y="3287942"/>
-              <a:ext cx="272670" cy="246221"/>
-            </a:xfrm>
-            <a:prstGeom prst="rect">
-              <a:avLst/>
-            </a:prstGeom>
-            <a:noFill/>
-          </p:spPr>
-          <p:txBody>
-            <a:bodyPr wrap="square" rtlCol="0">
-              <a:spAutoFit/>
-            </a:bodyPr>
-            <a:lstStyle>
-              <a:defPPr>
-                <a:defRPr lang="zh-CN"/>
-              </a:defPPr>
-              <a:lvl1pPr marL="0" algn="l" defTabSz="914400" rtl="0" eaLnBrk="1" latinLnBrk="0" hangingPunct="1">
-                <a:defRPr sz="1800" kern="1200">
-                  <a:solidFill>
-                    <a:schemeClr val="tx1"/>
-                  </a:solidFill>
-                  <a:latin typeface="+mn-lt"/>
-                  <a:ea typeface="+mn-ea"/>
-                  <a:cs typeface="+mn-cs"/>
-                </a:defRPr>
-              </a:lvl1pPr>
-              <a:lvl2pPr marL="457200" algn="l" defTabSz="914400" rtl="0" eaLnBrk="1" latinLnBrk="0" hangingPunct="1">
-                <a:defRPr sz="1800" kern="1200">
-                  <a:solidFill>
-                    <a:schemeClr val="tx1"/>
-                  </a:solidFill>
-                  <a:latin typeface="+mn-lt"/>
-                  <a:ea typeface="+mn-ea"/>
-                  <a:cs typeface="+mn-cs"/>
-                </a:defRPr>
-              </a:lvl2pPr>
-              <a:lvl3pPr marL="914400" algn="l" defTabSz="914400" rtl="0" eaLnBrk="1" latinLnBrk="0" hangingPunct="1">
-                <a:defRPr sz="1800" kern="1200">
-                  <a:solidFill>
-                    <a:schemeClr val="tx1"/>
-                  </a:solidFill>
-                  <a:latin typeface="+mn-lt"/>
-                  <a:ea typeface="+mn-ea"/>
-                  <a:cs typeface="+mn-cs"/>
-                </a:defRPr>
-              </a:lvl3pPr>
-              <a:lvl4pPr marL="1371600" algn="l" defTabSz="914400" rtl="0" eaLnBrk="1" latinLnBrk="0" hangingPunct="1">
-                <a:defRPr sz="1800" kern="1200">
-                  <a:solidFill>
-                    <a:schemeClr val="tx1"/>
-                  </a:solidFill>
-                  <a:latin typeface="+mn-lt"/>
-                  <a:ea typeface="+mn-ea"/>
-                  <a:cs typeface="+mn-cs"/>
-                </a:defRPr>
-              </a:lvl4pPr>
-              <a:lvl5pPr marL="1828800" algn="l" defTabSz="914400" rtl="0" eaLnBrk="1" latinLnBrk="0" hangingPunct="1">
-                <a:defRPr sz="1800" kern="1200">
-                  <a:solidFill>
-                    <a:schemeClr val="tx1"/>
-                  </a:solidFill>
-                  <a:latin typeface="+mn-lt"/>
-                  <a:ea typeface="+mn-ea"/>
-                  <a:cs typeface="+mn-cs"/>
-                </a:defRPr>
-              </a:lvl5pPr>
-              <a:lvl6pPr marL="2286000" algn="l" defTabSz="914400" rtl="0" eaLnBrk="1" latinLnBrk="0" hangingPunct="1">
-                <a:defRPr sz="1800" kern="1200">
-                  <a:solidFill>
-                    <a:schemeClr val="tx1"/>
-                  </a:solidFill>
-                  <a:latin typeface="+mn-lt"/>
-                  <a:ea typeface="+mn-ea"/>
-                  <a:cs typeface="+mn-cs"/>
-                </a:defRPr>
-              </a:lvl6pPr>
-              <a:lvl7pPr marL="2743200" algn="l" defTabSz="914400" rtl="0" eaLnBrk="1" latinLnBrk="0" hangingPunct="1">
-                <a:defRPr sz="1800" kern="1200">
-                  <a:solidFill>
-                    <a:schemeClr val="tx1"/>
-                  </a:solidFill>
-                  <a:latin typeface="+mn-lt"/>
-                  <a:ea typeface="+mn-ea"/>
-                  <a:cs typeface="+mn-cs"/>
-                </a:defRPr>
-              </a:lvl7pPr>
-              <a:lvl8pPr marL="3200400" algn="l" defTabSz="914400" rtl="0" eaLnBrk="1" latinLnBrk="0" hangingPunct="1">
-                <a:defRPr sz="1800" kern="1200">
-                  <a:solidFill>
-                    <a:schemeClr val="tx1"/>
-                  </a:solidFill>
-                  <a:latin typeface="+mn-lt"/>
-                  <a:ea typeface="+mn-ea"/>
-                  <a:cs typeface="+mn-cs"/>
-                </a:defRPr>
-              </a:lvl8pPr>
-              <a:lvl9pPr marL="3657600" algn="l" defTabSz="914400" rtl="0" eaLnBrk="1" latinLnBrk="0" hangingPunct="1">
-                <a:defRPr sz="1800" kern="1200">
-                  <a:solidFill>
-                    <a:schemeClr val="tx1"/>
-                  </a:solidFill>
-                  <a:latin typeface="+mn-lt"/>
-                  <a:ea typeface="+mn-ea"/>
-                  <a:cs typeface="+mn-cs"/>
-                </a:defRPr>
-              </a:lvl9pPr>
-            </a:lstStyle>
-            <a:p>
-              <a:r>
-                <a:rPr lang="en-US" altLang="zh-CN" sz="1000" dirty="0" smtClean="0">
-                  <a:latin typeface="Times New Roman" panose="02020603050405020304" pitchFamily="18" charset="0"/>
-                  <a:cs typeface="Times New Roman" panose="02020603050405020304" pitchFamily="18" charset="0"/>
-                </a:rPr>
-                <a:t>2</a:t>
-              </a:r>
-              <a:endParaRPr lang="zh-CN" altLang="en-US" sz="1000" dirty="0">
-                <a:latin typeface="Times New Roman" panose="02020603050405020304" pitchFamily="18" charset="0"/>
-                <a:cs typeface="Times New Roman" panose="02020603050405020304" pitchFamily="18" charset="0"/>
-              </a:endParaRPr>
-            </a:p>
-          </p:txBody>
-        </p:sp>
-        <p:cxnSp>
-          <p:nvCxnSpPr>
-            <p:cNvPr id="73" name="直接箭头连接符 72"/>
-            <p:cNvCxnSpPr>
-              <a:stCxn id="68" idx="6"/>
-              <a:endCxn id="79" idx="1"/>
-            </p:cNvCxnSpPr>
-            <p:nvPr/>
-          </p:nvCxnSpPr>
-          <p:spPr>
-            <a:xfrm>
-              <a:off x="1117982" y="3050595"/>
-              <a:ext cx="880616" cy="720916"/>
-            </a:xfrm>
-            <a:prstGeom prst="straightConnector1">
-              <a:avLst/>
-            </a:prstGeom>
-            <a:ln>
-              <a:tailEnd type="triangle"/>
-            </a:ln>
-          </p:spPr>
-          <p:style>
-            <a:lnRef idx="1">
-              <a:schemeClr val="dk1"/>
-            </a:lnRef>
-            <a:fillRef idx="0">
-              <a:schemeClr val="dk1"/>
-            </a:fillRef>
-            <a:effectRef idx="0">
-              <a:schemeClr val="dk1"/>
-            </a:effectRef>
-            <a:fontRef idx="minor">
-              <a:schemeClr val="tx1"/>
-            </a:fontRef>
-          </p:style>
-        </p:cxnSp>
-        <p:cxnSp>
-          <p:nvCxnSpPr>
-            <p:cNvPr id="74" name="直接箭头连接符 73"/>
-            <p:cNvCxnSpPr>
-              <a:stCxn id="82" idx="2"/>
-              <a:endCxn id="76" idx="0"/>
-            </p:cNvCxnSpPr>
-            <p:nvPr/>
-          </p:nvCxnSpPr>
-          <p:spPr>
-            <a:xfrm flipH="1">
-              <a:off x="2303398" y="2093037"/>
-              <a:ext cx="133541" cy="634365"/>
-            </a:xfrm>
-            <a:prstGeom prst="straightConnector1">
-              <a:avLst/>
-            </a:prstGeom>
-            <a:ln>
-              <a:tailEnd type="triangle"/>
-            </a:ln>
-          </p:spPr>
-          <p:style>
-            <a:lnRef idx="1">
-              <a:schemeClr val="dk1"/>
-            </a:lnRef>
-            <a:fillRef idx="0">
-              <a:schemeClr val="dk1"/>
-            </a:fillRef>
-            <a:effectRef idx="0">
-              <a:schemeClr val="dk1"/>
-            </a:effectRef>
-            <a:fontRef idx="minor">
-              <a:schemeClr val="tx1"/>
-            </a:fontRef>
-          </p:style>
-        </p:cxnSp>
-      </p:grpSp>
-      <p:grpSp>
-        <p:nvGrpSpPr>
           <p:cNvPr id="83" name="组合 82"/>
           <p:cNvGrpSpPr/>
           <p:nvPr/>
@@ -9214,6 +7297,2087 @@
           </a:fontRef>
         </p:style>
       </p:cxnSp>
+      <p:grpSp>
+        <p:nvGrpSpPr>
+          <p:cNvPr id="4" name="组合 3"/>
+          <p:cNvGrpSpPr/>
+          <p:nvPr/>
+        </p:nvGrpSpPr>
+        <p:grpSpPr>
+          <a:xfrm>
+            <a:off x="4720964" y="437055"/>
+            <a:ext cx="2985388" cy="2410304"/>
+            <a:chOff x="4720964" y="437055"/>
+            <a:chExt cx="2985388" cy="2410304"/>
+          </a:xfrm>
+        </p:grpSpPr>
+        <p:grpSp>
+          <p:nvGrpSpPr>
+            <p:cNvPr id="63" name="组合 62"/>
+            <p:cNvGrpSpPr/>
+            <p:nvPr/>
+          </p:nvGrpSpPr>
+          <p:grpSpPr>
+            <a:xfrm>
+              <a:off x="6338753" y="456415"/>
+              <a:ext cx="906780" cy="586740"/>
+              <a:chOff x="2034540" y="1504950"/>
+              <a:chExt cx="906780" cy="586740"/>
+            </a:xfrm>
+          </p:grpSpPr>
+          <p:sp>
+            <p:nvSpPr>
+              <p:cNvPr id="81" name="圆角矩形 80"/>
+              <p:cNvSpPr/>
+              <p:nvPr/>
+            </p:nvSpPr>
+            <p:spPr>
+              <a:xfrm>
+                <a:off x="2034540" y="1504950"/>
+                <a:ext cx="906780" cy="586740"/>
+              </a:xfrm>
+              <a:prstGeom prst="roundRect">
+                <a:avLst/>
+              </a:prstGeom>
+            </p:spPr>
+            <p:style>
+              <a:lnRef idx="2">
+                <a:schemeClr val="dk1"/>
+              </a:lnRef>
+              <a:fillRef idx="1">
+                <a:schemeClr val="lt1"/>
+              </a:fillRef>
+              <a:effectRef idx="0">
+                <a:schemeClr val="dk1"/>
+              </a:effectRef>
+              <a:fontRef idx="minor">
+                <a:schemeClr val="dk1"/>
+              </a:fontRef>
+            </p:style>
+            <p:txBody>
+              <a:bodyPr rot="0" spcFirstLastPara="0" vert="horz" wrap="square" lIns="91440" tIns="45720" rIns="91440" bIns="45720" numCol="1" spcCol="0" rtlCol="0" fromWordArt="0" anchor="t" anchorCtr="0" forceAA="0" compatLnSpc="1">
+                <a:prstTxWarp prst="textNoShape">
+                  <a:avLst/>
+                </a:prstTxWarp>
+                <a:noAutofit/>
+              </a:bodyPr>
+              <a:lstStyle>
+                <a:defPPr>
+                  <a:defRPr lang="zh-CN"/>
+                </a:defPPr>
+                <a:lvl1pPr marL="0" algn="l" defTabSz="914400" rtl="0" eaLnBrk="1" latinLnBrk="0" hangingPunct="1">
+                  <a:defRPr sz="1800" kern="1200">
+                    <a:solidFill>
+                      <a:schemeClr val="dk1"/>
+                    </a:solidFill>
+                    <a:latin typeface="+mn-lt"/>
+                    <a:ea typeface="+mn-ea"/>
+                    <a:cs typeface="+mn-cs"/>
+                  </a:defRPr>
+                </a:lvl1pPr>
+                <a:lvl2pPr marL="457200" algn="l" defTabSz="914400" rtl="0" eaLnBrk="1" latinLnBrk="0" hangingPunct="1">
+                  <a:defRPr sz="1800" kern="1200">
+                    <a:solidFill>
+                      <a:schemeClr val="dk1"/>
+                    </a:solidFill>
+                    <a:latin typeface="+mn-lt"/>
+                    <a:ea typeface="+mn-ea"/>
+                    <a:cs typeface="+mn-cs"/>
+                  </a:defRPr>
+                </a:lvl2pPr>
+                <a:lvl3pPr marL="914400" algn="l" defTabSz="914400" rtl="0" eaLnBrk="1" latinLnBrk="0" hangingPunct="1">
+                  <a:defRPr sz="1800" kern="1200">
+                    <a:solidFill>
+                      <a:schemeClr val="dk1"/>
+                    </a:solidFill>
+                    <a:latin typeface="+mn-lt"/>
+                    <a:ea typeface="+mn-ea"/>
+                    <a:cs typeface="+mn-cs"/>
+                  </a:defRPr>
+                </a:lvl3pPr>
+                <a:lvl4pPr marL="1371600" algn="l" defTabSz="914400" rtl="0" eaLnBrk="1" latinLnBrk="0" hangingPunct="1">
+                  <a:defRPr sz="1800" kern="1200">
+                    <a:solidFill>
+                      <a:schemeClr val="dk1"/>
+                    </a:solidFill>
+                    <a:latin typeface="+mn-lt"/>
+                    <a:ea typeface="+mn-ea"/>
+                    <a:cs typeface="+mn-cs"/>
+                  </a:defRPr>
+                </a:lvl4pPr>
+                <a:lvl5pPr marL="1828800" algn="l" defTabSz="914400" rtl="0" eaLnBrk="1" latinLnBrk="0" hangingPunct="1">
+                  <a:defRPr sz="1800" kern="1200">
+                    <a:solidFill>
+                      <a:schemeClr val="dk1"/>
+                    </a:solidFill>
+                    <a:latin typeface="+mn-lt"/>
+                    <a:ea typeface="+mn-ea"/>
+                    <a:cs typeface="+mn-cs"/>
+                  </a:defRPr>
+                </a:lvl5pPr>
+                <a:lvl6pPr marL="2286000" algn="l" defTabSz="914400" rtl="0" eaLnBrk="1" latinLnBrk="0" hangingPunct="1">
+                  <a:defRPr sz="1800" kern="1200">
+                    <a:solidFill>
+                      <a:schemeClr val="dk1"/>
+                    </a:solidFill>
+                    <a:latin typeface="+mn-lt"/>
+                    <a:ea typeface="+mn-ea"/>
+                    <a:cs typeface="+mn-cs"/>
+                  </a:defRPr>
+                </a:lvl6pPr>
+                <a:lvl7pPr marL="2743200" algn="l" defTabSz="914400" rtl="0" eaLnBrk="1" latinLnBrk="0" hangingPunct="1">
+                  <a:defRPr sz="1800" kern="1200">
+                    <a:solidFill>
+                      <a:schemeClr val="dk1"/>
+                    </a:solidFill>
+                    <a:latin typeface="+mn-lt"/>
+                    <a:ea typeface="+mn-ea"/>
+                    <a:cs typeface="+mn-cs"/>
+                  </a:defRPr>
+                </a:lvl7pPr>
+                <a:lvl8pPr marL="3200400" algn="l" defTabSz="914400" rtl="0" eaLnBrk="1" latinLnBrk="0" hangingPunct="1">
+                  <a:defRPr sz="1800" kern="1200">
+                    <a:solidFill>
+                      <a:schemeClr val="dk1"/>
+                    </a:solidFill>
+                    <a:latin typeface="+mn-lt"/>
+                    <a:ea typeface="+mn-ea"/>
+                    <a:cs typeface="+mn-cs"/>
+                  </a:defRPr>
+                </a:lvl8pPr>
+                <a:lvl9pPr marL="3657600" algn="l" defTabSz="914400" rtl="0" eaLnBrk="1" latinLnBrk="0" hangingPunct="1">
+                  <a:defRPr sz="1800" kern="1200">
+                    <a:solidFill>
+                      <a:schemeClr val="dk1"/>
+                    </a:solidFill>
+                    <a:latin typeface="+mn-lt"/>
+                    <a:ea typeface="+mn-ea"/>
+                    <a:cs typeface="+mn-cs"/>
+                  </a:defRPr>
+                </a:lvl9pPr>
+              </a:lstStyle>
+              <a:p>
+                <a:pPr algn="ctr"/>
+                <a:r>
+                  <a:rPr lang="en-US" altLang="zh-CN" sz="1200" dirty="0" smtClean="0"/>
+                  <a:t>RM</a:t>
+                </a:r>
+              </a:p>
+            </p:txBody>
+          </p:sp>
+          <p:sp>
+            <p:nvSpPr>
+              <p:cNvPr id="82" name="矩形 81"/>
+              <p:cNvSpPr/>
+              <p:nvPr/>
+            </p:nvSpPr>
+            <p:spPr>
+              <a:xfrm>
+                <a:off x="2202180" y="1798320"/>
+                <a:ext cx="609600" cy="240030"/>
+              </a:xfrm>
+              <a:prstGeom prst="rect">
+                <a:avLst/>
+              </a:prstGeom>
+            </p:spPr>
+            <p:style>
+              <a:lnRef idx="2">
+                <a:schemeClr val="dk1"/>
+              </a:lnRef>
+              <a:fillRef idx="1">
+                <a:schemeClr val="lt1"/>
+              </a:fillRef>
+              <a:effectRef idx="0">
+                <a:schemeClr val="dk1"/>
+              </a:effectRef>
+              <a:fontRef idx="minor">
+                <a:schemeClr val="dk1"/>
+              </a:fontRef>
+            </p:style>
+            <p:txBody>
+              <a:bodyPr rot="0" spcFirstLastPara="0" vert="horz" wrap="square" lIns="91440" tIns="45720" rIns="91440" bIns="45720" numCol="1" spcCol="0" rtlCol="0" fromWordArt="0" anchor="ctr" anchorCtr="0" forceAA="0" compatLnSpc="1">
+                <a:prstTxWarp prst="textNoShape">
+                  <a:avLst/>
+                </a:prstTxWarp>
+                <a:noAutofit/>
+              </a:bodyPr>
+              <a:lstStyle>
+                <a:defPPr>
+                  <a:defRPr lang="zh-CN"/>
+                </a:defPPr>
+                <a:lvl1pPr marL="0" algn="l" defTabSz="914400" rtl="0" eaLnBrk="1" latinLnBrk="0" hangingPunct="1">
+                  <a:defRPr sz="1800" kern="1200">
+                    <a:solidFill>
+                      <a:schemeClr val="dk1"/>
+                    </a:solidFill>
+                    <a:latin typeface="+mn-lt"/>
+                    <a:ea typeface="+mn-ea"/>
+                    <a:cs typeface="+mn-cs"/>
+                  </a:defRPr>
+                </a:lvl1pPr>
+                <a:lvl2pPr marL="457200" algn="l" defTabSz="914400" rtl="0" eaLnBrk="1" latinLnBrk="0" hangingPunct="1">
+                  <a:defRPr sz="1800" kern="1200">
+                    <a:solidFill>
+                      <a:schemeClr val="dk1"/>
+                    </a:solidFill>
+                    <a:latin typeface="+mn-lt"/>
+                    <a:ea typeface="+mn-ea"/>
+                    <a:cs typeface="+mn-cs"/>
+                  </a:defRPr>
+                </a:lvl2pPr>
+                <a:lvl3pPr marL="914400" algn="l" defTabSz="914400" rtl="0" eaLnBrk="1" latinLnBrk="0" hangingPunct="1">
+                  <a:defRPr sz="1800" kern="1200">
+                    <a:solidFill>
+                      <a:schemeClr val="dk1"/>
+                    </a:solidFill>
+                    <a:latin typeface="+mn-lt"/>
+                    <a:ea typeface="+mn-ea"/>
+                    <a:cs typeface="+mn-cs"/>
+                  </a:defRPr>
+                </a:lvl3pPr>
+                <a:lvl4pPr marL="1371600" algn="l" defTabSz="914400" rtl="0" eaLnBrk="1" latinLnBrk="0" hangingPunct="1">
+                  <a:defRPr sz="1800" kern="1200">
+                    <a:solidFill>
+                      <a:schemeClr val="dk1"/>
+                    </a:solidFill>
+                    <a:latin typeface="+mn-lt"/>
+                    <a:ea typeface="+mn-ea"/>
+                    <a:cs typeface="+mn-cs"/>
+                  </a:defRPr>
+                </a:lvl4pPr>
+                <a:lvl5pPr marL="1828800" algn="l" defTabSz="914400" rtl="0" eaLnBrk="1" latinLnBrk="0" hangingPunct="1">
+                  <a:defRPr sz="1800" kern="1200">
+                    <a:solidFill>
+                      <a:schemeClr val="dk1"/>
+                    </a:solidFill>
+                    <a:latin typeface="+mn-lt"/>
+                    <a:ea typeface="+mn-ea"/>
+                    <a:cs typeface="+mn-cs"/>
+                  </a:defRPr>
+                </a:lvl5pPr>
+                <a:lvl6pPr marL="2286000" algn="l" defTabSz="914400" rtl="0" eaLnBrk="1" latinLnBrk="0" hangingPunct="1">
+                  <a:defRPr sz="1800" kern="1200">
+                    <a:solidFill>
+                      <a:schemeClr val="dk1"/>
+                    </a:solidFill>
+                    <a:latin typeface="+mn-lt"/>
+                    <a:ea typeface="+mn-ea"/>
+                    <a:cs typeface="+mn-cs"/>
+                  </a:defRPr>
+                </a:lvl6pPr>
+                <a:lvl7pPr marL="2743200" algn="l" defTabSz="914400" rtl="0" eaLnBrk="1" latinLnBrk="0" hangingPunct="1">
+                  <a:defRPr sz="1800" kern="1200">
+                    <a:solidFill>
+                      <a:schemeClr val="dk1"/>
+                    </a:solidFill>
+                    <a:latin typeface="+mn-lt"/>
+                    <a:ea typeface="+mn-ea"/>
+                    <a:cs typeface="+mn-cs"/>
+                  </a:defRPr>
+                </a:lvl7pPr>
+                <a:lvl8pPr marL="3200400" algn="l" defTabSz="914400" rtl="0" eaLnBrk="1" latinLnBrk="0" hangingPunct="1">
+                  <a:defRPr sz="1800" kern="1200">
+                    <a:solidFill>
+                      <a:schemeClr val="dk1"/>
+                    </a:solidFill>
+                    <a:latin typeface="+mn-lt"/>
+                    <a:ea typeface="+mn-ea"/>
+                    <a:cs typeface="+mn-cs"/>
+                  </a:defRPr>
+                </a:lvl8pPr>
+                <a:lvl9pPr marL="3657600" algn="l" defTabSz="914400" rtl="0" eaLnBrk="1" latinLnBrk="0" hangingPunct="1">
+                  <a:defRPr sz="1800" kern="1200">
+                    <a:solidFill>
+                      <a:schemeClr val="dk1"/>
+                    </a:solidFill>
+                    <a:latin typeface="+mn-lt"/>
+                    <a:ea typeface="+mn-ea"/>
+                    <a:cs typeface="+mn-cs"/>
+                  </a:defRPr>
+                </a:lvl9pPr>
+              </a:lstStyle>
+              <a:p>
+                <a:pPr algn="ctr"/>
+                <a:r>
+                  <a:rPr lang="en-US" altLang="zh-CN" sz="800" dirty="0" smtClean="0"/>
+                  <a:t>Resource Scheduler</a:t>
+                </a:r>
+                <a:endParaRPr lang="zh-CN" altLang="en-US" sz="800" dirty="0"/>
+              </a:p>
+            </p:txBody>
+          </p:sp>
+        </p:grpSp>
+        <p:grpSp>
+          <p:nvGrpSpPr>
+            <p:cNvPr id="64" name="组合 63"/>
+            <p:cNvGrpSpPr/>
+            <p:nvPr/>
+          </p:nvGrpSpPr>
+          <p:grpSpPr>
+            <a:xfrm>
+              <a:off x="6327132" y="2260619"/>
+              <a:ext cx="1379220" cy="586740"/>
+              <a:chOff x="3749040" y="1211580"/>
+              <a:chExt cx="1379220" cy="586740"/>
+            </a:xfrm>
+          </p:grpSpPr>
+          <p:sp>
+            <p:nvSpPr>
+              <p:cNvPr id="78" name="圆角矩形 77"/>
+              <p:cNvSpPr/>
+              <p:nvPr/>
+            </p:nvSpPr>
+            <p:spPr>
+              <a:xfrm>
+                <a:off x="3749040" y="1211580"/>
+                <a:ext cx="1379220" cy="586740"/>
+              </a:xfrm>
+              <a:prstGeom prst="roundRect">
+                <a:avLst/>
+              </a:prstGeom>
+            </p:spPr>
+            <p:style>
+              <a:lnRef idx="2">
+                <a:schemeClr val="dk1"/>
+              </a:lnRef>
+              <a:fillRef idx="1">
+                <a:schemeClr val="lt1"/>
+              </a:fillRef>
+              <a:effectRef idx="0">
+                <a:schemeClr val="dk1"/>
+              </a:effectRef>
+              <a:fontRef idx="minor">
+                <a:schemeClr val="dk1"/>
+              </a:fontRef>
+            </p:style>
+            <p:txBody>
+              <a:bodyPr rot="0" spcFirstLastPara="0" vert="horz" wrap="square" lIns="91440" tIns="45720" rIns="91440" bIns="45720" numCol="1" spcCol="0" rtlCol="0" fromWordArt="0" anchor="t" anchorCtr="0" forceAA="0" compatLnSpc="1">
+                <a:prstTxWarp prst="textNoShape">
+                  <a:avLst/>
+                </a:prstTxWarp>
+                <a:noAutofit/>
+              </a:bodyPr>
+              <a:lstStyle>
+                <a:defPPr>
+                  <a:defRPr lang="zh-CN"/>
+                </a:defPPr>
+                <a:lvl1pPr marL="0" algn="l" defTabSz="914400" rtl="0" eaLnBrk="1" latinLnBrk="0" hangingPunct="1">
+                  <a:defRPr sz="1800" kern="1200">
+                    <a:solidFill>
+                      <a:schemeClr val="dk1"/>
+                    </a:solidFill>
+                    <a:latin typeface="+mn-lt"/>
+                    <a:ea typeface="+mn-ea"/>
+                    <a:cs typeface="+mn-cs"/>
+                  </a:defRPr>
+                </a:lvl1pPr>
+                <a:lvl2pPr marL="457200" algn="l" defTabSz="914400" rtl="0" eaLnBrk="1" latinLnBrk="0" hangingPunct="1">
+                  <a:defRPr sz="1800" kern="1200">
+                    <a:solidFill>
+                      <a:schemeClr val="dk1"/>
+                    </a:solidFill>
+                    <a:latin typeface="+mn-lt"/>
+                    <a:ea typeface="+mn-ea"/>
+                    <a:cs typeface="+mn-cs"/>
+                  </a:defRPr>
+                </a:lvl2pPr>
+                <a:lvl3pPr marL="914400" algn="l" defTabSz="914400" rtl="0" eaLnBrk="1" latinLnBrk="0" hangingPunct="1">
+                  <a:defRPr sz="1800" kern="1200">
+                    <a:solidFill>
+                      <a:schemeClr val="dk1"/>
+                    </a:solidFill>
+                    <a:latin typeface="+mn-lt"/>
+                    <a:ea typeface="+mn-ea"/>
+                    <a:cs typeface="+mn-cs"/>
+                  </a:defRPr>
+                </a:lvl3pPr>
+                <a:lvl4pPr marL="1371600" algn="l" defTabSz="914400" rtl="0" eaLnBrk="1" latinLnBrk="0" hangingPunct="1">
+                  <a:defRPr sz="1800" kern="1200">
+                    <a:solidFill>
+                      <a:schemeClr val="dk1"/>
+                    </a:solidFill>
+                    <a:latin typeface="+mn-lt"/>
+                    <a:ea typeface="+mn-ea"/>
+                    <a:cs typeface="+mn-cs"/>
+                  </a:defRPr>
+                </a:lvl4pPr>
+                <a:lvl5pPr marL="1828800" algn="l" defTabSz="914400" rtl="0" eaLnBrk="1" latinLnBrk="0" hangingPunct="1">
+                  <a:defRPr sz="1800" kern="1200">
+                    <a:solidFill>
+                      <a:schemeClr val="dk1"/>
+                    </a:solidFill>
+                    <a:latin typeface="+mn-lt"/>
+                    <a:ea typeface="+mn-ea"/>
+                    <a:cs typeface="+mn-cs"/>
+                  </a:defRPr>
+                </a:lvl5pPr>
+                <a:lvl6pPr marL="2286000" algn="l" defTabSz="914400" rtl="0" eaLnBrk="1" latinLnBrk="0" hangingPunct="1">
+                  <a:defRPr sz="1800" kern="1200">
+                    <a:solidFill>
+                      <a:schemeClr val="dk1"/>
+                    </a:solidFill>
+                    <a:latin typeface="+mn-lt"/>
+                    <a:ea typeface="+mn-ea"/>
+                    <a:cs typeface="+mn-cs"/>
+                  </a:defRPr>
+                </a:lvl6pPr>
+                <a:lvl7pPr marL="2743200" algn="l" defTabSz="914400" rtl="0" eaLnBrk="1" latinLnBrk="0" hangingPunct="1">
+                  <a:defRPr sz="1800" kern="1200">
+                    <a:solidFill>
+                      <a:schemeClr val="dk1"/>
+                    </a:solidFill>
+                    <a:latin typeface="+mn-lt"/>
+                    <a:ea typeface="+mn-ea"/>
+                    <a:cs typeface="+mn-cs"/>
+                  </a:defRPr>
+                </a:lvl7pPr>
+                <a:lvl8pPr marL="3200400" algn="l" defTabSz="914400" rtl="0" eaLnBrk="1" latinLnBrk="0" hangingPunct="1">
+                  <a:defRPr sz="1800" kern="1200">
+                    <a:solidFill>
+                      <a:schemeClr val="dk1"/>
+                    </a:solidFill>
+                    <a:latin typeface="+mn-lt"/>
+                    <a:ea typeface="+mn-ea"/>
+                    <a:cs typeface="+mn-cs"/>
+                  </a:defRPr>
+                </a:lvl8pPr>
+                <a:lvl9pPr marL="3657600" algn="l" defTabSz="914400" rtl="0" eaLnBrk="1" latinLnBrk="0" hangingPunct="1">
+                  <a:defRPr sz="1800" kern="1200">
+                    <a:solidFill>
+                      <a:schemeClr val="dk1"/>
+                    </a:solidFill>
+                    <a:latin typeface="+mn-lt"/>
+                    <a:ea typeface="+mn-ea"/>
+                    <a:cs typeface="+mn-cs"/>
+                  </a:defRPr>
+                </a:lvl9pPr>
+              </a:lstStyle>
+              <a:p>
+                <a:pPr algn="ctr"/>
+                <a:r>
+                  <a:rPr lang="en-US" altLang="zh-CN" sz="1200" dirty="0" smtClean="0"/>
+                  <a:t>NM</a:t>
+                </a:r>
+              </a:p>
+            </p:txBody>
+          </p:sp>
+          <p:sp>
+            <p:nvSpPr>
+              <p:cNvPr id="79" name="矩形 78"/>
+              <p:cNvSpPr/>
+              <p:nvPr/>
+            </p:nvSpPr>
+            <p:spPr>
+              <a:xfrm>
+                <a:off x="3794760" y="1499235"/>
+                <a:ext cx="609600" cy="240030"/>
+              </a:xfrm>
+              <a:prstGeom prst="rect">
+                <a:avLst/>
+              </a:prstGeom>
+            </p:spPr>
+            <p:style>
+              <a:lnRef idx="2">
+                <a:schemeClr val="dk1"/>
+              </a:lnRef>
+              <a:fillRef idx="1">
+                <a:schemeClr val="lt1"/>
+              </a:fillRef>
+              <a:effectRef idx="0">
+                <a:schemeClr val="dk1"/>
+              </a:effectRef>
+              <a:fontRef idx="minor">
+                <a:schemeClr val="dk1"/>
+              </a:fontRef>
+            </p:style>
+            <p:txBody>
+              <a:bodyPr rot="0" spcFirstLastPara="0" vert="horz" wrap="square" lIns="91440" tIns="45720" rIns="91440" bIns="45720" numCol="1" spcCol="0" rtlCol="0" fromWordArt="0" anchor="ctr" anchorCtr="0" forceAA="0" compatLnSpc="1">
+                <a:prstTxWarp prst="textNoShape">
+                  <a:avLst/>
+                </a:prstTxWarp>
+                <a:noAutofit/>
+              </a:bodyPr>
+              <a:lstStyle>
+                <a:defPPr>
+                  <a:defRPr lang="zh-CN"/>
+                </a:defPPr>
+                <a:lvl1pPr marL="0" algn="l" defTabSz="914400" rtl="0" eaLnBrk="1" latinLnBrk="0" hangingPunct="1">
+                  <a:defRPr sz="1800" kern="1200">
+                    <a:solidFill>
+                      <a:schemeClr val="dk1"/>
+                    </a:solidFill>
+                    <a:latin typeface="+mn-lt"/>
+                    <a:ea typeface="+mn-ea"/>
+                    <a:cs typeface="+mn-cs"/>
+                  </a:defRPr>
+                </a:lvl1pPr>
+                <a:lvl2pPr marL="457200" algn="l" defTabSz="914400" rtl="0" eaLnBrk="1" latinLnBrk="0" hangingPunct="1">
+                  <a:defRPr sz="1800" kern="1200">
+                    <a:solidFill>
+                      <a:schemeClr val="dk1"/>
+                    </a:solidFill>
+                    <a:latin typeface="+mn-lt"/>
+                    <a:ea typeface="+mn-ea"/>
+                    <a:cs typeface="+mn-cs"/>
+                  </a:defRPr>
+                </a:lvl2pPr>
+                <a:lvl3pPr marL="914400" algn="l" defTabSz="914400" rtl="0" eaLnBrk="1" latinLnBrk="0" hangingPunct="1">
+                  <a:defRPr sz="1800" kern="1200">
+                    <a:solidFill>
+                      <a:schemeClr val="dk1"/>
+                    </a:solidFill>
+                    <a:latin typeface="+mn-lt"/>
+                    <a:ea typeface="+mn-ea"/>
+                    <a:cs typeface="+mn-cs"/>
+                  </a:defRPr>
+                </a:lvl3pPr>
+                <a:lvl4pPr marL="1371600" algn="l" defTabSz="914400" rtl="0" eaLnBrk="1" latinLnBrk="0" hangingPunct="1">
+                  <a:defRPr sz="1800" kern="1200">
+                    <a:solidFill>
+                      <a:schemeClr val="dk1"/>
+                    </a:solidFill>
+                    <a:latin typeface="+mn-lt"/>
+                    <a:ea typeface="+mn-ea"/>
+                    <a:cs typeface="+mn-cs"/>
+                  </a:defRPr>
+                </a:lvl4pPr>
+                <a:lvl5pPr marL="1828800" algn="l" defTabSz="914400" rtl="0" eaLnBrk="1" latinLnBrk="0" hangingPunct="1">
+                  <a:defRPr sz="1800" kern="1200">
+                    <a:solidFill>
+                      <a:schemeClr val="dk1"/>
+                    </a:solidFill>
+                    <a:latin typeface="+mn-lt"/>
+                    <a:ea typeface="+mn-ea"/>
+                    <a:cs typeface="+mn-cs"/>
+                  </a:defRPr>
+                </a:lvl5pPr>
+                <a:lvl6pPr marL="2286000" algn="l" defTabSz="914400" rtl="0" eaLnBrk="1" latinLnBrk="0" hangingPunct="1">
+                  <a:defRPr sz="1800" kern="1200">
+                    <a:solidFill>
+                      <a:schemeClr val="dk1"/>
+                    </a:solidFill>
+                    <a:latin typeface="+mn-lt"/>
+                    <a:ea typeface="+mn-ea"/>
+                    <a:cs typeface="+mn-cs"/>
+                  </a:defRPr>
+                </a:lvl6pPr>
+                <a:lvl7pPr marL="2743200" algn="l" defTabSz="914400" rtl="0" eaLnBrk="1" latinLnBrk="0" hangingPunct="1">
+                  <a:defRPr sz="1800" kern="1200">
+                    <a:solidFill>
+                      <a:schemeClr val="dk1"/>
+                    </a:solidFill>
+                    <a:latin typeface="+mn-lt"/>
+                    <a:ea typeface="+mn-ea"/>
+                    <a:cs typeface="+mn-cs"/>
+                  </a:defRPr>
+                </a:lvl7pPr>
+                <a:lvl8pPr marL="3200400" algn="l" defTabSz="914400" rtl="0" eaLnBrk="1" latinLnBrk="0" hangingPunct="1">
+                  <a:defRPr sz="1800" kern="1200">
+                    <a:solidFill>
+                      <a:schemeClr val="dk1"/>
+                    </a:solidFill>
+                    <a:latin typeface="+mn-lt"/>
+                    <a:ea typeface="+mn-ea"/>
+                    <a:cs typeface="+mn-cs"/>
+                  </a:defRPr>
+                </a:lvl8pPr>
+                <a:lvl9pPr marL="3657600" algn="l" defTabSz="914400" rtl="0" eaLnBrk="1" latinLnBrk="0" hangingPunct="1">
+                  <a:defRPr sz="1800" kern="1200">
+                    <a:solidFill>
+                      <a:schemeClr val="dk1"/>
+                    </a:solidFill>
+                    <a:latin typeface="+mn-lt"/>
+                    <a:ea typeface="+mn-ea"/>
+                    <a:cs typeface="+mn-cs"/>
+                  </a:defRPr>
+                </a:lvl9pPr>
+              </a:lstStyle>
+              <a:p>
+                <a:pPr algn="ctr"/>
+                <a:r>
+                  <a:rPr lang="en-US" altLang="zh-CN" sz="800" dirty="0" smtClean="0"/>
+                  <a:t>Container</a:t>
+                </a:r>
+                <a:endParaRPr lang="zh-CN" altLang="en-US" sz="800" dirty="0"/>
+              </a:p>
+            </p:txBody>
+          </p:sp>
+          <p:sp>
+            <p:nvSpPr>
+              <p:cNvPr id="80" name="矩形 79"/>
+              <p:cNvSpPr/>
+              <p:nvPr/>
+            </p:nvSpPr>
+            <p:spPr>
+              <a:xfrm>
+                <a:off x="4438650" y="1499235"/>
+                <a:ext cx="609600" cy="240030"/>
+              </a:xfrm>
+              <a:prstGeom prst="rect">
+                <a:avLst/>
+              </a:prstGeom>
+            </p:spPr>
+            <p:style>
+              <a:lnRef idx="2">
+                <a:schemeClr val="dk1"/>
+              </a:lnRef>
+              <a:fillRef idx="1">
+                <a:schemeClr val="lt1"/>
+              </a:fillRef>
+              <a:effectRef idx="0">
+                <a:schemeClr val="dk1"/>
+              </a:effectRef>
+              <a:fontRef idx="minor">
+                <a:schemeClr val="dk1"/>
+              </a:fontRef>
+            </p:style>
+            <p:txBody>
+              <a:bodyPr rot="0" spcFirstLastPara="0" vert="horz" wrap="square" lIns="91440" tIns="45720" rIns="91440" bIns="45720" numCol="1" spcCol="0" rtlCol="0" fromWordArt="0" anchor="ctr" anchorCtr="0" forceAA="0" compatLnSpc="1">
+                <a:prstTxWarp prst="textNoShape">
+                  <a:avLst/>
+                </a:prstTxWarp>
+                <a:noAutofit/>
+              </a:bodyPr>
+              <a:lstStyle>
+                <a:defPPr>
+                  <a:defRPr lang="zh-CN"/>
+                </a:defPPr>
+                <a:lvl1pPr marL="0" algn="l" defTabSz="914400" rtl="0" eaLnBrk="1" latinLnBrk="0" hangingPunct="1">
+                  <a:defRPr sz="1800" kern="1200">
+                    <a:solidFill>
+                      <a:schemeClr val="dk1"/>
+                    </a:solidFill>
+                    <a:latin typeface="+mn-lt"/>
+                    <a:ea typeface="+mn-ea"/>
+                    <a:cs typeface="+mn-cs"/>
+                  </a:defRPr>
+                </a:lvl1pPr>
+                <a:lvl2pPr marL="457200" algn="l" defTabSz="914400" rtl="0" eaLnBrk="1" latinLnBrk="0" hangingPunct="1">
+                  <a:defRPr sz="1800" kern="1200">
+                    <a:solidFill>
+                      <a:schemeClr val="dk1"/>
+                    </a:solidFill>
+                    <a:latin typeface="+mn-lt"/>
+                    <a:ea typeface="+mn-ea"/>
+                    <a:cs typeface="+mn-cs"/>
+                  </a:defRPr>
+                </a:lvl2pPr>
+                <a:lvl3pPr marL="914400" algn="l" defTabSz="914400" rtl="0" eaLnBrk="1" latinLnBrk="0" hangingPunct="1">
+                  <a:defRPr sz="1800" kern="1200">
+                    <a:solidFill>
+                      <a:schemeClr val="dk1"/>
+                    </a:solidFill>
+                    <a:latin typeface="+mn-lt"/>
+                    <a:ea typeface="+mn-ea"/>
+                    <a:cs typeface="+mn-cs"/>
+                  </a:defRPr>
+                </a:lvl3pPr>
+                <a:lvl4pPr marL="1371600" algn="l" defTabSz="914400" rtl="0" eaLnBrk="1" latinLnBrk="0" hangingPunct="1">
+                  <a:defRPr sz="1800" kern="1200">
+                    <a:solidFill>
+                      <a:schemeClr val="dk1"/>
+                    </a:solidFill>
+                    <a:latin typeface="+mn-lt"/>
+                    <a:ea typeface="+mn-ea"/>
+                    <a:cs typeface="+mn-cs"/>
+                  </a:defRPr>
+                </a:lvl4pPr>
+                <a:lvl5pPr marL="1828800" algn="l" defTabSz="914400" rtl="0" eaLnBrk="1" latinLnBrk="0" hangingPunct="1">
+                  <a:defRPr sz="1800" kern="1200">
+                    <a:solidFill>
+                      <a:schemeClr val="dk1"/>
+                    </a:solidFill>
+                    <a:latin typeface="+mn-lt"/>
+                    <a:ea typeface="+mn-ea"/>
+                    <a:cs typeface="+mn-cs"/>
+                  </a:defRPr>
+                </a:lvl5pPr>
+                <a:lvl6pPr marL="2286000" algn="l" defTabSz="914400" rtl="0" eaLnBrk="1" latinLnBrk="0" hangingPunct="1">
+                  <a:defRPr sz="1800" kern="1200">
+                    <a:solidFill>
+                      <a:schemeClr val="dk1"/>
+                    </a:solidFill>
+                    <a:latin typeface="+mn-lt"/>
+                    <a:ea typeface="+mn-ea"/>
+                    <a:cs typeface="+mn-cs"/>
+                  </a:defRPr>
+                </a:lvl6pPr>
+                <a:lvl7pPr marL="2743200" algn="l" defTabSz="914400" rtl="0" eaLnBrk="1" latinLnBrk="0" hangingPunct="1">
+                  <a:defRPr sz="1800" kern="1200">
+                    <a:solidFill>
+                      <a:schemeClr val="dk1"/>
+                    </a:solidFill>
+                    <a:latin typeface="+mn-lt"/>
+                    <a:ea typeface="+mn-ea"/>
+                    <a:cs typeface="+mn-cs"/>
+                  </a:defRPr>
+                </a:lvl7pPr>
+                <a:lvl8pPr marL="3200400" algn="l" defTabSz="914400" rtl="0" eaLnBrk="1" latinLnBrk="0" hangingPunct="1">
+                  <a:defRPr sz="1800" kern="1200">
+                    <a:solidFill>
+                      <a:schemeClr val="dk1"/>
+                    </a:solidFill>
+                    <a:latin typeface="+mn-lt"/>
+                    <a:ea typeface="+mn-ea"/>
+                    <a:cs typeface="+mn-cs"/>
+                  </a:defRPr>
+                </a:lvl8pPr>
+                <a:lvl9pPr marL="3657600" algn="l" defTabSz="914400" rtl="0" eaLnBrk="1" latinLnBrk="0" hangingPunct="1">
+                  <a:defRPr sz="1800" kern="1200">
+                    <a:solidFill>
+                      <a:schemeClr val="dk1"/>
+                    </a:solidFill>
+                    <a:latin typeface="+mn-lt"/>
+                    <a:ea typeface="+mn-ea"/>
+                    <a:cs typeface="+mn-cs"/>
+                  </a:defRPr>
+                </a:lvl9pPr>
+              </a:lstStyle>
+              <a:p>
+                <a:pPr algn="ctr"/>
+                <a:r>
+                  <a:rPr lang="en-US" altLang="zh-CN" sz="800" dirty="0" smtClean="0"/>
+                  <a:t>Container</a:t>
+                </a:r>
+                <a:endParaRPr lang="zh-CN" altLang="en-US" sz="800" dirty="0"/>
+              </a:p>
+            </p:txBody>
+          </p:sp>
+        </p:grpSp>
+        <p:grpSp>
+          <p:nvGrpSpPr>
+            <p:cNvPr id="65" name="组合 64"/>
+            <p:cNvGrpSpPr/>
+            <p:nvPr/>
+          </p:nvGrpSpPr>
+          <p:grpSpPr>
+            <a:xfrm>
+              <a:off x="6327132" y="1336525"/>
+              <a:ext cx="1379220" cy="586740"/>
+              <a:chOff x="3459480" y="3543300"/>
+              <a:chExt cx="1379220" cy="586740"/>
+            </a:xfrm>
+          </p:grpSpPr>
+          <p:sp>
+            <p:nvSpPr>
+              <p:cNvPr id="75" name="圆角矩形 74"/>
+              <p:cNvSpPr/>
+              <p:nvPr/>
+            </p:nvSpPr>
+            <p:spPr>
+              <a:xfrm>
+                <a:off x="3459480" y="3543300"/>
+                <a:ext cx="1379220" cy="586740"/>
+              </a:xfrm>
+              <a:prstGeom prst="roundRect">
+                <a:avLst/>
+              </a:prstGeom>
+            </p:spPr>
+            <p:style>
+              <a:lnRef idx="2">
+                <a:schemeClr val="dk1"/>
+              </a:lnRef>
+              <a:fillRef idx="1">
+                <a:schemeClr val="lt1"/>
+              </a:fillRef>
+              <a:effectRef idx="0">
+                <a:schemeClr val="dk1"/>
+              </a:effectRef>
+              <a:fontRef idx="minor">
+                <a:schemeClr val="dk1"/>
+              </a:fontRef>
+            </p:style>
+            <p:txBody>
+              <a:bodyPr rot="0" spcFirstLastPara="0" vert="horz" wrap="square" lIns="91440" tIns="45720" rIns="91440" bIns="45720" numCol="1" spcCol="0" rtlCol="0" fromWordArt="0" anchor="t" anchorCtr="0" forceAA="0" compatLnSpc="1">
+                <a:prstTxWarp prst="textNoShape">
+                  <a:avLst/>
+                </a:prstTxWarp>
+                <a:noAutofit/>
+              </a:bodyPr>
+              <a:lstStyle>
+                <a:defPPr>
+                  <a:defRPr lang="zh-CN"/>
+                </a:defPPr>
+                <a:lvl1pPr marL="0" algn="l" defTabSz="914400" rtl="0" eaLnBrk="1" latinLnBrk="0" hangingPunct="1">
+                  <a:defRPr sz="1800" kern="1200">
+                    <a:solidFill>
+                      <a:schemeClr val="dk1"/>
+                    </a:solidFill>
+                    <a:latin typeface="+mn-lt"/>
+                    <a:ea typeface="+mn-ea"/>
+                    <a:cs typeface="+mn-cs"/>
+                  </a:defRPr>
+                </a:lvl1pPr>
+                <a:lvl2pPr marL="457200" algn="l" defTabSz="914400" rtl="0" eaLnBrk="1" latinLnBrk="0" hangingPunct="1">
+                  <a:defRPr sz="1800" kern="1200">
+                    <a:solidFill>
+                      <a:schemeClr val="dk1"/>
+                    </a:solidFill>
+                    <a:latin typeface="+mn-lt"/>
+                    <a:ea typeface="+mn-ea"/>
+                    <a:cs typeface="+mn-cs"/>
+                  </a:defRPr>
+                </a:lvl2pPr>
+                <a:lvl3pPr marL="914400" algn="l" defTabSz="914400" rtl="0" eaLnBrk="1" latinLnBrk="0" hangingPunct="1">
+                  <a:defRPr sz="1800" kern="1200">
+                    <a:solidFill>
+                      <a:schemeClr val="dk1"/>
+                    </a:solidFill>
+                    <a:latin typeface="+mn-lt"/>
+                    <a:ea typeface="+mn-ea"/>
+                    <a:cs typeface="+mn-cs"/>
+                  </a:defRPr>
+                </a:lvl3pPr>
+                <a:lvl4pPr marL="1371600" algn="l" defTabSz="914400" rtl="0" eaLnBrk="1" latinLnBrk="0" hangingPunct="1">
+                  <a:defRPr sz="1800" kern="1200">
+                    <a:solidFill>
+                      <a:schemeClr val="dk1"/>
+                    </a:solidFill>
+                    <a:latin typeface="+mn-lt"/>
+                    <a:ea typeface="+mn-ea"/>
+                    <a:cs typeface="+mn-cs"/>
+                  </a:defRPr>
+                </a:lvl4pPr>
+                <a:lvl5pPr marL="1828800" algn="l" defTabSz="914400" rtl="0" eaLnBrk="1" latinLnBrk="0" hangingPunct="1">
+                  <a:defRPr sz="1800" kern="1200">
+                    <a:solidFill>
+                      <a:schemeClr val="dk1"/>
+                    </a:solidFill>
+                    <a:latin typeface="+mn-lt"/>
+                    <a:ea typeface="+mn-ea"/>
+                    <a:cs typeface="+mn-cs"/>
+                  </a:defRPr>
+                </a:lvl5pPr>
+                <a:lvl6pPr marL="2286000" algn="l" defTabSz="914400" rtl="0" eaLnBrk="1" latinLnBrk="0" hangingPunct="1">
+                  <a:defRPr sz="1800" kern="1200">
+                    <a:solidFill>
+                      <a:schemeClr val="dk1"/>
+                    </a:solidFill>
+                    <a:latin typeface="+mn-lt"/>
+                    <a:ea typeface="+mn-ea"/>
+                    <a:cs typeface="+mn-cs"/>
+                  </a:defRPr>
+                </a:lvl6pPr>
+                <a:lvl7pPr marL="2743200" algn="l" defTabSz="914400" rtl="0" eaLnBrk="1" latinLnBrk="0" hangingPunct="1">
+                  <a:defRPr sz="1800" kern="1200">
+                    <a:solidFill>
+                      <a:schemeClr val="dk1"/>
+                    </a:solidFill>
+                    <a:latin typeface="+mn-lt"/>
+                    <a:ea typeface="+mn-ea"/>
+                    <a:cs typeface="+mn-cs"/>
+                  </a:defRPr>
+                </a:lvl7pPr>
+                <a:lvl8pPr marL="3200400" algn="l" defTabSz="914400" rtl="0" eaLnBrk="1" latinLnBrk="0" hangingPunct="1">
+                  <a:defRPr sz="1800" kern="1200">
+                    <a:solidFill>
+                      <a:schemeClr val="dk1"/>
+                    </a:solidFill>
+                    <a:latin typeface="+mn-lt"/>
+                    <a:ea typeface="+mn-ea"/>
+                    <a:cs typeface="+mn-cs"/>
+                  </a:defRPr>
+                </a:lvl8pPr>
+                <a:lvl9pPr marL="3657600" algn="l" defTabSz="914400" rtl="0" eaLnBrk="1" latinLnBrk="0" hangingPunct="1">
+                  <a:defRPr sz="1800" kern="1200">
+                    <a:solidFill>
+                      <a:schemeClr val="dk1"/>
+                    </a:solidFill>
+                    <a:latin typeface="+mn-lt"/>
+                    <a:ea typeface="+mn-ea"/>
+                    <a:cs typeface="+mn-cs"/>
+                  </a:defRPr>
+                </a:lvl9pPr>
+              </a:lstStyle>
+              <a:p>
+                <a:pPr algn="ctr"/>
+                <a:r>
+                  <a:rPr lang="en-US" altLang="zh-CN" sz="1200" dirty="0" smtClean="0"/>
+                  <a:t>NM</a:t>
+                </a:r>
+              </a:p>
+            </p:txBody>
+          </p:sp>
+          <p:sp>
+            <p:nvSpPr>
+              <p:cNvPr id="76" name="矩形 75"/>
+              <p:cNvSpPr/>
+              <p:nvPr/>
+            </p:nvSpPr>
+            <p:spPr>
+              <a:xfrm>
+                <a:off x="3505200" y="3830955"/>
+                <a:ext cx="609600" cy="240030"/>
+              </a:xfrm>
+              <a:prstGeom prst="rect">
+                <a:avLst/>
+              </a:prstGeom>
+            </p:spPr>
+            <p:style>
+              <a:lnRef idx="2">
+                <a:schemeClr val="dk1"/>
+              </a:lnRef>
+              <a:fillRef idx="1">
+                <a:schemeClr val="lt1"/>
+              </a:fillRef>
+              <a:effectRef idx="0">
+                <a:schemeClr val="dk1"/>
+              </a:effectRef>
+              <a:fontRef idx="minor">
+                <a:schemeClr val="dk1"/>
+              </a:fontRef>
+            </p:style>
+            <p:txBody>
+              <a:bodyPr rot="0" spcFirstLastPara="0" vert="horz" wrap="square" lIns="91440" tIns="45720" rIns="91440" bIns="45720" numCol="1" spcCol="0" rtlCol="0" fromWordArt="0" anchor="ctr" anchorCtr="0" forceAA="0" compatLnSpc="1">
+                <a:prstTxWarp prst="textNoShape">
+                  <a:avLst/>
+                </a:prstTxWarp>
+                <a:noAutofit/>
+              </a:bodyPr>
+              <a:lstStyle>
+                <a:defPPr>
+                  <a:defRPr lang="zh-CN"/>
+                </a:defPPr>
+                <a:lvl1pPr marL="0" algn="l" defTabSz="914400" rtl="0" eaLnBrk="1" latinLnBrk="0" hangingPunct="1">
+                  <a:defRPr sz="1800" kern="1200">
+                    <a:solidFill>
+                      <a:schemeClr val="dk1"/>
+                    </a:solidFill>
+                    <a:latin typeface="+mn-lt"/>
+                    <a:ea typeface="+mn-ea"/>
+                    <a:cs typeface="+mn-cs"/>
+                  </a:defRPr>
+                </a:lvl1pPr>
+                <a:lvl2pPr marL="457200" algn="l" defTabSz="914400" rtl="0" eaLnBrk="1" latinLnBrk="0" hangingPunct="1">
+                  <a:defRPr sz="1800" kern="1200">
+                    <a:solidFill>
+                      <a:schemeClr val="dk1"/>
+                    </a:solidFill>
+                    <a:latin typeface="+mn-lt"/>
+                    <a:ea typeface="+mn-ea"/>
+                    <a:cs typeface="+mn-cs"/>
+                  </a:defRPr>
+                </a:lvl2pPr>
+                <a:lvl3pPr marL="914400" algn="l" defTabSz="914400" rtl="0" eaLnBrk="1" latinLnBrk="0" hangingPunct="1">
+                  <a:defRPr sz="1800" kern="1200">
+                    <a:solidFill>
+                      <a:schemeClr val="dk1"/>
+                    </a:solidFill>
+                    <a:latin typeface="+mn-lt"/>
+                    <a:ea typeface="+mn-ea"/>
+                    <a:cs typeface="+mn-cs"/>
+                  </a:defRPr>
+                </a:lvl3pPr>
+                <a:lvl4pPr marL="1371600" algn="l" defTabSz="914400" rtl="0" eaLnBrk="1" latinLnBrk="0" hangingPunct="1">
+                  <a:defRPr sz="1800" kern="1200">
+                    <a:solidFill>
+                      <a:schemeClr val="dk1"/>
+                    </a:solidFill>
+                    <a:latin typeface="+mn-lt"/>
+                    <a:ea typeface="+mn-ea"/>
+                    <a:cs typeface="+mn-cs"/>
+                  </a:defRPr>
+                </a:lvl4pPr>
+                <a:lvl5pPr marL="1828800" algn="l" defTabSz="914400" rtl="0" eaLnBrk="1" latinLnBrk="0" hangingPunct="1">
+                  <a:defRPr sz="1800" kern="1200">
+                    <a:solidFill>
+                      <a:schemeClr val="dk1"/>
+                    </a:solidFill>
+                    <a:latin typeface="+mn-lt"/>
+                    <a:ea typeface="+mn-ea"/>
+                    <a:cs typeface="+mn-cs"/>
+                  </a:defRPr>
+                </a:lvl5pPr>
+                <a:lvl6pPr marL="2286000" algn="l" defTabSz="914400" rtl="0" eaLnBrk="1" latinLnBrk="0" hangingPunct="1">
+                  <a:defRPr sz="1800" kern="1200">
+                    <a:solidFill>
+                      <a:schemeClr val="dk1"/>
+                    </a:solidFill>
+                    <a:latin typeface="+mn-lt"/>
+                    <a:ea typeface="+mn-ea"/>
+                    <a:cs typeface="+mn-cs"/>
+                  </a:defRPr>
+                </a:lvl6pPr>
+                <a:lvl7pPr marL="2743200" algn="l" defTabSz="914400" rtl="0" eaLnBrk="1" latinLnBrk="0" hangingPunct="1">
+                  <a:defRPr sz="1800" kern="1200">
+                    <a:solidFill>
+                      <a:schemeClr val="dk1"/>
+                    </a:solidFill>
+                    <a:latin typeface="+mn-lt"/>
+                    <a:ea typeface="+mn-ea"/>
+                    <a:cs typeface="+mn-cs"/>
+                  </a:defRPr>
+                </a:lvl7pPr>
+                <a:lvl8pPr marL="3200400" algn="l" defTabSz="914400" rtl="0" eaLnBrk="1" latinLnBrk="0" hangingPunct="1">
+                  <a:defRPr sz="1800" kern="1200">
+                    <a:solidFill>
+                      <a:schemeClr val="dk1"/>
+                    </a:solidFill>
+                    <a:latin typeface="+mn-lt"/>
+                    <a:ea typeface="+mn-ea"/>
+                    <a:cs typeface="+mn-cs"/>
+                  </a:defRPr>
+                </a:lvl8pPr>
+                <a:lvl9pPr marL="3657600" algn="l" defTabSz="914400" rtl="0" eaLnBrk="1" latinLnBrk="0" hangingPunct="1">
+                  <a:defRPr sz="1800" kern="1200">
+                    <a:solidFill>
+                      <a:schemeClr val="dk1"/>
+                    </a:solidFill>
+                    <a:latin typeface="+mn-lt"/>
+                    <a:ea typeface="+mn-ea"/>
+                    <a:cs typeface="+mn-cs"/>
+                  </a:defRPr>
+                </a:lvl9pPr>
+              </a:lstStyle>
+              <a:p>
+                <a:pPr algn="ctr"/>
+                <a:r>
+                  <a:rPr lang="en-US" altLang="zh-CN" sz="800" dirty="0" err="1" smtClean="0"/>
+                  <a:t>AppMstr</a:t>
+                </a:r>
+                <a:endParaRPr lang="zh-CN" altLang="en-US" sz="800" dirty="0"/>
+              </a:p>
+            </p:txBody>
+          </p:sp>
+          <p:sp>
+            <p:nvSpPr>
+              <p:cNvPr id="77" name="矩形 76"/>
+              <p:cNvSpPr/>
+              <p:nvPr/>
+            </p:nvSpPr>
+            <p:spPr>
+              <a:xfrm>
+                <a:off x="4149090" y="3830955"/>
+                <a:ext cx="609600" cy="240030"/>
+              </a:xfrm>
+              <a:prstGeom prst="rect">
+                <a:avLst/>
+              </a:prstGeom>
+            </p:spPr>
+            <p:style>
+              <a:lnRef idx="2">
+                <a:schemeClr val="dk1"/>
+              </a:lnRef>
+              <a:fillRef idx="1">
+                <a:schemeClr val="lt1"/>
+              </a:fillRef>
+              <a:effectRef idx="0">
+                <a:schemeClr val="dk1"/>
+              </a:effectRef>
+              <a:fontRef idx="minor">
+                <a:schemeClr val="dk1"/>
+              </a:fontRef>
+            </p:style>
+            <p:txBody>
+              <a:bodyPr rot="0" spcFirstLastPara="0" vert="horz" wrap="square" lIns="91440" tIns="45720" rIns="91440" bIns="45720" numCol="1" spcCol="0" rtlCol="0" fromWordArt="0" anchor="ctr" anchorCtr="0" forceAA="0" compatLnSpc="1">
+                <a:prstTxWarp prst="textNoShape">
+                  <a:avLst/>
+                </a:prstTxWarp>
+                <a:noAutofit/>
+              </a:bodyPr>
+              <a:lstStyle>
+                <a:defPPr>
+                  <a:defRPr lang="zh-CN"/>
+                </a:defPPr>
+                <a:lvl1pPr marL="0" algn="l" defTabSz="914400" rtl="0" eaLnBrk="1" latinLnBrk="0" hangingPunct="1">
+                  <a:defRPr sz="1800" kern="1200">
+                    <a:solidFill>
+                      <a:schemeClr val="dk1"/>
+                    </a:solidFill>
+                    <a:latin typeface="+mn-lt"/>
+                    <a:ea typeface="+mn-ea"/>
+                    <a:cs typeface="+mn-cs"/>
+                  </a:defRPr>
+                </a:lvl1pPr>
+                <a:lvl2pPr marL="457200" algn="l" defTabSz="914400" rtl="0" eaLnBrk="1" latinLnBrk="0" hangingPunct="1">
+                  <a:defRPr sz="1800" kern="1200">
+                    <a:solidFill>
+                      <a:schemeClr val="dk1"/>
+                    </a:solidFill>
+                    <a:latin typeface="+mn-lt"/>
+                    <a:ea typeface="+mn-ea"/>
+                    <a:cs typeface="+mn-cs"/>
+                  </a:defRPr>
+                </a:lvl2pPr>
+                <a:lvl3pPr marL="914400" algn="l" defTabSz="914400" rtl="0" eaLnBrk="1" latinLnBrk="0" hangingPunct="1">
+                  <a:defRPr sz="1800" kern="1200">
+                    <a:solidFill>
+                      <a:schemeClr val="dk1"/>
+                    </a:solidFill>
+                    <a:latin typeface="+mn-lt"/>
+                    <a:ea typeface="+mn-ea"/>
+                    <a:cs typeface="+mn-cs"/>
+                  </a:defRPr>
+                </a:lvl3pPr>
+                <a:lvl4pPr marL="1371600" algn="l" defTabSz="914400" rtl="0" eaLnBrk="1" latinLnBrk="0" hangingPunct="1">
+                  <a:defRPr sz="1800" kern="1200">
+                    <a:solidFill>
+                      <a:schemeClr val="dk1"/>
+                    </a:solidFill>
+                    <a:latin typeface="+mn-lt"/>
+                    <a:ea typeface="+mn-ea"/>
+                    <a:cs typeface="+mn-cs"/>
+                  </a:defRPr>
+                </a:lvl4pPr>
+                <a:lvl5pPr marL="1828800" algn="l" defTabSz="914400" rtl="0" eaLnBrk="1" latinLnBrk="0" hangingPunct="1">
+                  <a:defRPr sz="1800" kern="1200">
+                    <a:solidFill>
+                      <a:schemeClr val="dk1"/>
+                    </a:solidFill>
+                    <a:latin typeface="+mn-lt"/>
+                    <a:ea typeface="+mn-ea"/>
+                    <a:cs typeface="+mn-cs"/>
+                  </a:defRPr>
+                </a:lvl5pPr>
+                <a:lvl6pPr marL="2286000" algn="l" defTabSz="914400" rtl="0" eaLnBrk="1" latinLnBrk="0" hangingPunct="1">
+                  <a:defRPr sz="1800" kern="1200">
+                    <a:solidFill>
+                      <a:schemeClr val="dk1"/>
+                    </a:solidFill>
+                    <a:latin typeface="+mn-lt"/>
+                    <a:ea typeface="+mn-ea"/>
+                    <a:cs typeface="+mn-cs"/>
+                  </a:defRPr>
+                </a:lvl6pPr>
+                <a:lvl7pPr marL="2743200" algn="l" defTabSz="914400" rtl="0" eaLnBrk="1" latinLnBrk="0" hangingPunct="1">
+                  <a:defRPr sz="1800" kern="1200">
+                    <a:solidFill>
+                      <a:schemeClr val="dk1"/>
+                    </a:solidFill>
+                    <a:latin typeface="+mn-lt"/>
+                    <a:ea typeface="+mn-ea"/>
+                    <a:cs typeface="+mn-cs"/>
+                  </a:defRPr>
+                </a:lvl7pPr>
+                <a:lvl8pPr marL="3200400" algn="l" defTabSz="914400" rtl="0" eaLnBrk="1" latinLnBrk="0" hangingPunct="1">
+                  <a:defRPr sz="1800" kern="1200">
+                    <a:solidFill>
+                      <a:schemeClr val="dk1"/>
+                    </a:solidFill>
+                    <a:latin typeface="+mn-lt"/>
+                    <a:ea typeface="+mn-ea"/>
+                    <a:cs typeface="+mn-cs"/>
+                  </a:defRPr>
+                </a:lvl8pPr>
+                <a:lvl9pPr marL="3657600" algn="l" defTabSz="914400" rtl="0" eaLnBrk="1" latinLnBrk="0" hangingPunct="1">
+                  <a:defRPr sz="1800" kern="1200">
+                    <a:solidFill>
+                      <a:schemeClr val="dk1"/>
+                    </a:solidFill>
+                    <a:latin typeface="+mn-lt"/>
+                    <a:ea typeface="+mn-ea"/>
+                    <a:cs typeface="+mn-cs"/>
+                  </a:defRPr>
+                </a:lvl9pPr>
+              </a:lstStyle>
+              <a:p>
+                <a:pPr algn="ctr"/>
+                <a:r>
+                  <a:rPr lang="en-US" altLang="zh-CN" sz="800" dirty="0" smtClean="0"/>
+                  <a:t>Container</a:t>
+                </a:r>
+                <a:endParaRPr lang="zh-CN" altLang="en-US" sz="800" dirty="0"/>
+              </a:p>
+            </p:txBody>
+          </p:sp>
+        </p:grpSp>
+        <p:sp>
+          <p:nvSpPr>
+            <p:cNvPr id="66" name="圆角矩形 65"/>
+            <p:cNvSpPr/>
+            <p:nvPr/>
+          </p:nvSpPr>
+          <p:spPr>
+            <a:xfrm>
+              <a:off x="4720964" y="437055"/>
+              <a:ext cx="982980" cy="685242"/>
+            </a:xfrm>
+            <a:prstGeom prst="roundRect">
+              <a:avLst/>
+            </a:prstGeom>
+          </p:spPr>
+          <p:style>
+            <a:lnRef idx="2">
+              <a:schemeClr val="dk1"/>
+            </a:lnRef>
+            <a:fillRef idx="1">
+              <a:schemeClr val="lt1"/>
+            </a:fillRef>
+            <a:effectRef idx="0">
+              <a:schemeClr val="dk1"/>
+            </a:effectRef>
+            <a:fontRef idx="minor">
+              <a:schemeClr val="dk1"/>
+            </a:fontRef>
+          </p:style>
+          <p:txBody>
+            <a:bodyPr rot="0" spcFirstLastPara="0" vert="horz" wrap="square" lIns="91440" tIns="45720" rIns="91440" bIns="45720" numCol="1" spcCol="0" rtlCol="0" fromWordArt="0" anchor="ctr" anchorCtr="0" forceAA="0" compatLnSpc="1">
+              <a:prstTxWarp prst="textNoShape">
+                <a:avLst/>
+              </a:prstTxWarp>
+              <a:noAutofit/>
+            </a:bodyPr>
+            <a:lstStyle>
+              <a:defPPr>
+                <a:defRPr lang="zh-CN"/>
+              </a:defPPr>
+              <a:lvl1pPr marL="0" algn="l" defTabSz="914400" rtl="0" eaLnBrk="1" latinLnBrk="0" hangingPunct="1">
+                <a:defRPr sz="1800" kern="1200">
+                  <a:solidFill>
+                    <a:schemeClr val="dk1"/>
+                  </a:solidFill>
+                  <a:latin typeface="+mn-lt"/>
+                  <a:ea typeface="+mn-ea"/>
+                  <a:cs typeface="+mn-cs"/>
+                </a:defRPr>
+              </a:lvl1pPr>
+              <a:lvl2pPr marL="457200" algn="l" defTabSz="914400" rtl="0" eaLnBrk="1" latinLnBrk="0" hangingPunct="1">
+                <a:defRPr sz="1800" kern="1200">
+                  <a:solidFill>
+                    <a:schemeClr val="dk1"/>
+                  </a:solidFill>
+                  <a:latin typeface="+mn-lt"/>
+                  <a:ea typeface="+mn-ea"/>
+                  <a:cs typeface="+mn-cs"/>
+                </a:defRPr>
+              </a:lvl2pPr>
+              <a:lvl3pPr marL="914400" algn="l" defTabSz="914400" rtl="0" eaLnBrk="1" latinLnBrk="0" hangingPunct="1">
+                <a:defRPr sz="1800" kern="1200">
+                  <a:solidFill>
+                    <a:schemeClr val="dk1"/>
+                  </a:solidFill>
+                  <a:latin typeface="+mn-lt"/>
+                  <a:ea typeface="+mn-ea"/>
+                  <a:cs typeface="+mn-cs"/>
+                </a:defRPr>
+              </a:lvl3pPr>
+              <a:lvl4pPr marL="1371600" algn="l" defTabSz="914400" rtl="0" eaLnBrk="1" latinLnBrk="0" hangingPunct="1">
+                <a:defRPr sz="1800" kern="1200">
+                  <a:solidFill>
+                    <a:schemeClr val="dk1"/>
+                  </a:solidFill>
+                  <a:latin typeface="+mn-lt"/>
+                  <a:ea typeface="+mn-ea"/>
+                  <a:cs typeface="+mn-cs"/>
+                </a:defRPr>
+              </a:lvl4pPr>
+              <a:lvl5pPr marL="1828800" algn="l" defTabSz="914400" rtl="0" eaLnBrk="1" latinLnBrk="0" hangingPunct="1">
+                <a:defRPr sz="1800" kern="1200">
+                  <a:solidFill>
+                    <a:schemeClr val="dk1"/>
+                  </a:solidFill>
+                  <a:latin typeface="+mn-lt"/>
+                  <a:ea typeface="+mn-ea"/>
+                  <a:cs typeface="+mn-cs"/>
+                </a:defRPr>
+              </a:lvl5pPr>
+              <a:lvl6pPr marL="2286000" algn="l" defTabSz="914400" rtl="0" eaLnBrk="1" latinLnBrk="0" hangingPunct="1">
+                <a:defRPr sz="1800" kern="1200">
+                  <a:solidFill>
+                    <a:schemeClr val="dk1"/>
+                  </a:solidFill>
+                  <a:latin typeface="+mn-lt"/>
+                  <a:ea typeface="+mn-ea"/>
+                  <a:cs typeface="+mn-cs"/>
+                </a:defRPr>
+              </a:lvl6pPr>
+              <a:lvl7pPr marL="2743200" algn="l" defTabSz="914400" rtl="0" eaLnBrk="1" latinLnBrk="0" hangingPunct="1">
+                <a:defRPr sz="1800" kern="1200">
+                  <a:solidFill>
+                    <a:schemeClr val="dk1"/>
+                  </a:solidFill>
+                  <a:latin typeface="+mn-lt"/>
+                  <a:ea typeface="+mn-ea"/>
+                  <a:cs typeface="+mn-cs"/>
+                </a:defRPr>
+              </a:lvl7pPr>
+              <a:lvl8pPr marL="3200400" algn="l" defTabSz="914400" rtl="0" eaLnBrk="1" latinLnBrk="0" hangingPunct="1">
+                <a:defRPr sz="1800" kern="1200">
+                  <a:solidFill>
+                    <a:schemeClr val="dk1"/>
+                  </a:solidFill>
+                  <a:latin typeface="+mn-lt"/>
+                  <a:ea typeface="+mn-ea"/>
+                  <a:cs typeface="+mn-cs"/>
+                </a:defRPr>
+              </a:lvl8pPr>
+              <a:lvl9pPr marL="3657600" algn="l" defTabSz="914400" rtl="0" eaLnBrk="1" latinLnBrk="0" hangingPunct="1">
+                <a:defRPr sz="1800" kern="1200">
+                  <a:solidFill>
+                    <a:schemeClr val="dk1"/>
+                  </a:solidFill>
+                  <a:latin typeface="+mn-lt"/>
+                  <a:ea typeface="+mn-ea"/>
+                  <a:cs typeface="+mn-cs"/>
+                </a:defRPr>
+              </a:lvl9pPr>
+            </a:lstStyle>
+            <a:p>
+              <a:pPr algn="ctr"/>
+              <a:r>
+                <a:rPr lang="en-US" altLang="zh-CN" sz="1000" dirty="0" smtClean="0"/>
+                <a:t>Name Service</a:t>
+              </a:r>
+              <a:endParaRPr lang="zh-CN" altLang="en-US" sz="1000" dirty="0"/>
+            </a:p>
+          </p:txBody>
+        </p:sp>
+        <p:cxnSp>
+          <p:nvCxnSpPr>
+            <p:cNvPr id="67" name="直接箭头连接符 66"/>
+            <p:cNvCxnSpPr>
+              <a:stCxn id="68" idx="0"/>
+              <a:endCxn id="66" idx="2"/>
+            </p:cNvCxnSpPr>
+            <p:nvPr/>
+          </p:nvCxnSpPr>
+          <p:spPr>
+            <a:xfrm flipV="1">
+              <a:off x="5107519" y="1122297"/>
+              <a:ext cx="104935" cy="551871"/>
+            </a:xfrm>
+            <a:prstGeom prst="straightConnector1">
+              <a:avLst/>
+            </a:prstGeom>
+            <a:ln>
+              <a:tailEnd type="triangle"/>
+            </a:ln>
+          </p:spPr>
+          <p:style>
+            <a:lnRef idx="1">
+              <a:schemeClr val="dk1"/>
+            </a:lnRef>
+            <a:fillRef idx="0">
+              <a:schemeClr val="dk1"/>
+            </a:fillRef>
+            <a:effectRef idx="0">
+              <a:schemeClr val="dk1"/>
+            </a:effectRef>
+            <a:fontRef idx="minor">
+              <a:schemeClr val="tx1"/>
+            </a:fontRef>
+          </p:style>
+        </p:cxnSp>
+        <p:sp>
+          <p:nvSpPr>
+            <p:cNvPr id="68" name="椭圆 67"/>
+            <p:cNvSpPr/>
+            <p:nvPr/>
+          </p:nvSpPr>
+          <p:spPr>
+            <a:xfrm>
+              <a:off x="4722802" y="1674168"/>
+              <a:ext cx="769434" cy="546409"/>
+            </a:xfrm>
+            <a:prstGeom prst="ellipse">
+              <a:avLst/>
+            </a:prstGeom>
+          </p:spPr>
+          <p:style>
+            <a:lnRef idx="2">
+              <a:schemeClr val="dk1"/>
+            </a:lnRef>
+            <a:fillRef idx="1">
+              <a:schemeClr val="lt1"/>
+            </a:fillRef>
+            <a:effectRef idx="0">
+              <a:schemeClr val="dk1"/>
+            </a:effectRef>
+            <a:fontRef idx="minor">
+              <a:schemeClr val="dk1"/>
+            </a:fontRef>
+          </p:style>
+          <p:txBody>
+            <a:bodyPr rot="0" spcFirstLastPara="0" vert="horz" wrap="square" lIns="91440" tIns="45720" rIns="91440" bIns="45720" numCol="1" spcCol="0" rtlCol="0" fromWordArt="0" anchor="ctr" anchorCtr="0" forceAA="0" compatLnSpc="1">
+              <a:prstTxWarp prst="textNoShape">
+                <a:avLst/>
+              </a:prstTxWarp>
+              <a:noAutofit/>
+            </a:bodyPr>
+            <a:lstStyle>
+              <a:defPPr>
+                <a:defRPr lang="zh-CN"/>
+              </a:defPPr>
+              <a:lvl1pPr marL="0" algn="l" defTabSz="914400" rtl="0" eaLnBrk="1" latinLnBrk="0" hangingPunct="1">
+                <a:defRPr sz="1800" kern="1200">
+                  <a:solidFill>
+                    <a:schemeClr val="dk1"/>
+                  </a:solidFill>
+                  <a:latin typeface="+mn-lt"/>
+                  <a:ea typeface="+mn-ea"/>
+                  <a:cs typeface="+mn-cs"/>
+                </a:defRPr>
+              </a:lvl1pPr>
+              <a:lvl2pPr marL="457200" algn="l" defTabSz="914400" rtl="0" eaLnBrk="1" latinLnBrk="0" hangingPunct="1">
+                <a:defRPr sz="1800" kern="1200">
+                  <a:solidFill>
+                    <a:schemeClr val="dk1"/>
+                  </a:solidFill>
+                  <a:latin typeface="+mn-lt"/>
+                  <a:ea typeface="+mn-ea"/>
+                  <a:cs typeface="+mn-cs"/>
+                </a:defRPr>
+              </a:lvl2pPr>
+              <a:lvl3pPr marL="914400" algn="l" defTabSz="914400" rtl="0" eaLnBrk="1" latinLnBrk="0" hangingPunct="1">
+                <a:defRPr sz="1800" kern="1200">
+                  <a:solidFill>
+                    <a:schemeClr val="dk1"/>
+                  </a:solidFill>
+                  <a:latin typeface="+mn-lt"/>
+                  <a:ea typeface="+mn-ea"/>
+                  <a:cs typeface="+mn-cs"/>
+                </a:defRPr>
+              </a:lvl3pPr>
+              <a:lvl4pPr marL="1371600" algn="l" defTabSz="914400" rtl="0" eaLnBrk="1" latinLnBrk="0" hangingPunct="1">
+                <a:defRPr sz="1800" kern="1200">
+                  <a:solidFill>
+                    <a:schemeClr val="dk1"/>
+                  </a:solidFill>
+                  <a:latin typeface="+mn-lt"/>
+                  <a:ea typeface="+mn-ea"/>
+                  <a:cs typeface="+mn-cs"/>
+                </a:defRPr>
+              </a:lvl4pPr>
+              <a:lvl5pPr marL="1828800" algn="l" defTabSz="914400" rtl="0" eaLnBrk="1" latinLnBrk="0" hangingPunct="1">
+                <a:defRPr sz="1800" kern="1200">
+                  <a:solidFill>
+                    <a:schemeClr val="dk1"/>
+                  </a:solidFill>
+                  <a:latin typeface="+mn-lt"/>
+                  <a:ea typeface="+mn-ea"/>
+                  <a:cs typeface="+mn-cs"/>
+                </a:defRPr>
+              </a:lvl5pPr>
+              <a:lvl6pPr marL="2286000" algn="l" defTabSz="914400" rtl="0" eaLnBrk="1" latinLnBrk="0" hangingPunct="1">
+                <a:defRPr sz="1800" kern="1200">
+                  <a:solidFill>
+                    <a:schemeClr val="dk1"/>
+                  </a:solidFill>
+                  <a:latin typeface="+mn-lt"/>
+                  <a:ea typeface="+mn-ea"/>
+                  <a:cs typeface="+mn-cs"/>
+                </a:defRPr>
+              </a:lvl6pPr>
+              <a:lvl7pPr marL="2743200" algn="l" defTabSz="914400" rtl="0" eaLnBrk="1" latinLnBrk="0" hangingPunct="1">
+                <a:defRPr sz="1800" kern="1200">
+                  <a:solidFill>
+                    <a:schemeClr val="dk1"/>
+                  </a:solidFill>
+                  <a:latin typeface="+mn-lt"/>
+                  <a:ea typeface="+mn-ea"/>
+                  <a:cs typeface="+mn-cs"/>
+                </a:defRPr>
+              </a:lvl7pPr>
+              <a:lvl8pPr marL="3200400" algn="l" defTabSz="914400" rtl="0" eaLnBrk="1" latinLnBrk="0" hangingPunct="1">
+                <a:defRPr sz="1800" kern="1200">
+                  <a:solidFill>
+                    <a:schemeClr val="dk1"/>
+                  </a:solidFill>
+                  <a:latin typeface="+mn-lt"/>
+                  <a:ea typeface="+mn-ea"/>
+                  <a:cs typeface="+mn-cs"/>
+                </a:defRPr>
+              </a:lvl8pPr>
+              <a:lvl9pPr marL="3657600" algn="l" defTabSz="914400" rtl="0" eaLnBrk="1" latinLnBrk="0" hangingPunct="1">
+                <a:defRPr sz="1800" kern="1200">
+                  <a:solidFill>
+                    <a:schemeClr val="dk1"/>
+                  </a:solidFill>
+                  <a:latin typeface="+mn-lt"/>
+                  <a:ea typeface="+mn-ea"/>
+                  <a:cs typeface="+mn-cs"/>
+                </a:defRPr>
+              </a:lvl9pPr>
+            </a:lstStyle>
+            <a:p>
+              <a:pPr algn="ctr"/>
+              <a:r>
+                <a:rPr lang="en-US" altLang="zh-CN" sz="1000" dirty="0" smtClean="0">
+                  <a:latin typeface="Times New Roman" panose="02020603050405020304" pitchFamily="18" charset="0"/>
+                  <a:cs typeface="Times New Roman" panose="02020603050405020304" pitchFamily="18" charset="0"/>
+                </a:rPr>
+                <a:t>Client</a:t>
+              </a:r>
+              <a:endParaRPr lang="zh-CN" altLang="en-US" sz="1000" dirty="0">
+                <a:latin typeface="Times New Roman" panose="02020603050405020304" pitchFamily="18" charset="0"/>
+                <a:cs typeface="Times New Roman" panose="02020603050405020304" pitchFamily="18" charset="0"/>
+              </a:endParaRPr>
+            </a:p>
+          </p:txBody>
+        </p:sp>
+        <p:sp>
+          <p:nvSpPr>
+            <p:cNvPr id="69" name="文本框 37"/>
+            <p:cNvSpPr txBox="1"/>
+            <p:nvPr/>
+          </p:nvSpPr>
+          <p:spPr>
+            <a:xfrm>
+              <a:off x="5460836" y="1302570"/>
+              <a:ext cx="272670" cy="246221"/>
+            </a:xfrm>
+            <a:prstGeom prst="rect">
+              <a:avLst/>
+            </a:prstGeom>
+            <a:noFill/>
+          </p:spPr>
+          <p:txBody>
+            <a:bodyPr wrap="square" rtlCol="0">
+              <a:spAutoFit/>
+            </a:bodyPr>
+            <a:lstStyle>
+              <a:defPPr>
+                <a:defRPr lang="zh-CN"/>
+              </a:defPPr>
+              <a:lvl1pPr marL="0" algn="l" defTabSz="914400" rtl="0" eaLnBrk="1" latinLnBrk="0" hangingPunct="1">
+                <a:defRPr sz="1800" kern="1200">
+                  <a:solidFill>
+                    <a:schemeClr val="tx1"/>
+                  </a:solidFill>
+                  <a:latin typeface="+mn-lt"/>
+                  <a:ea typeface="+mn-ea"/>
+                  <a:cs typeface="+mn-cs"/>
+                </a:defRPr>
+              </a:lvl1pPr>
+              <a:lvl2pPr marL="457200" algn="l" defTabSz="914400" rtl="0" eaLnBrk="1" latinLnBrk="0" hangingPunct="1">
+                <a:defRPr sz="1800" kern="1200">
+                  <a:solidFill>
+                    <a:schemeClr val="tx1"/>
+                  </a:solidFill>
+                  <a:latin typeface="+mn-lt"/>
+                  <a:ea typeface="+mn-ea"/>
+                  <a:cs typeface="+mn-cs"/>
+                </a:defRPr>
+              </a:lvl2pPr>
+              <a:lvl3pPr marL="914400" algn="l" defTabSz="914400" rtl="0" eaLnBrk="1" latinLnBrk="0" hangingPunct="1">
+                <a:defRPr sz="1800" kern="1200">
+                  <a:solidFill>
+                    <a:schemeClr val="tx1"/>
+                  </a:solidFill>
+                  <a:latin typeface="+mn-lt"/>
+                  <a:ea typeface="+mn-ea"/>
+                  <a:cs typeface="+mn-cs"/>
+                </a:defRPr>
+              </a:lvl3pPr>
+              <a:lvl4pPr marL="1371600" algn="l" defTabSz="914400" rtl="0" eaLnBrk="1" latinLnBrk="0" hangingPunct="1">
+                <a:defRPr sz="1800" kern="1200">
+                  <a:solidFill>
+                    <a:schemeClr val="tx1"/>
+                  </a:solidFill>
+                  <a:latin typeface="+mn-lt"/>
+                  <a:ea typeface="+mn-ea"/>
+                  <a:cs typeface="+mn-cs"/>
+                </a:defRPr>
+              </a:lvl4pPr>
+              <a:lvl5pPr marL="1828800" algn="l" defTabSz="914400" rtl="0" eaLnBrk="1" latinLnBrk="0" hangingPunct="1">
+                <a:defRPr sz="1800" kern="1200">
+                  <a:solidFill>
+                    <a:schemeClr val="tx1"/>
+                  </a:solidFill>
+                  <a:latin typeface="+mn-lt"/>
+                  <a:ea typeface="+mn-ea"/>
+                  <a:cs typeface="+mn-cs"/>
+                </a:defRPr>
+              </a:lvl5pPr>
+              <a:lvl6pPr marL="2286000" algn="l" defTabSz="914400" rtl="0" eaLnBrk="1" latinLnBrk="0" hangingPunct="1">
+                <a:defRPr sz="1800" kern="1200">
+                  <a:solidFill>
+                    <a:schemeClr val="tx1"/>
+                  </a:solidFill>
+                  <a:latin typeface="+mn-lt"/>
+                  <a:ea typeface="+mn-ea"/>
+                  <a:cs typeface="+mn-cs"/>
+                </a:defRPr>
+              </a:lvl6pPr>
+              <a:lvl7pPr marL="2743200" algn="l" defTabSz="914400" rtl="0" eaLnBrk="1" latinLnBrk="0" hangingPunct="1">
+                <a:defRPr sz="1800" kern="1200">
+                  <a:solidFill>
+                    <a:schemeClr val="tx1"/>
+                  </a:solidFill>
+                  <a:latin typeface="+mn-lt"/>
+                  <a:ea typeface="+mn-ea"/>
+                  <a:cs typeface="+mn-cs"/>
+                </a:defRPr>
+              </a:lvl7pPr>
+              <a:lvl8pPr marL="3200400" algn="l" defTabSz="914400" rtl="0" eaLnBrk="1" latinLnBrk="0" hangingPunct="1">
+                <a:defRPr sz="1800" kern="1200">
+                  <a:solidFill>
+                    <a:schemeClr val="tx1"/>
+                  </a:solidFill>
+                  <a:latin typeface="+mn-lt"/>
+                  <a:ea typeface="+mn-ea"/>
+                  <a:cs typeface="+mn-cs"/>
+                </a:defRPr>
+              </a:lvl8pPr>
+              <a:lvl9pPr marL="3657600" algn="l" defTabSz="914400" rtl="0" eaLnBrk="1" latinLnBrk="0" hangingPunct="1">
+                <a:defRPr sz="1800" kern="1200">
+                  <a:solidFill>
+                    <a:schemeClr val="tx1"/>
+                  </a:solidFill>
+                  <a:latin typeface="+mn-lt"/>
+                  <a:ea typeface="+mn-ea"/>
+                  <a:cs typeface="+mn-cs"/>
+                </a:defRPr>
+              </a:lvl9pPr>
+            </a:lstStyle>
+            <a:p>
+              <a:r>
+                <a:rPr lang="en-US" altLang="zh-CN" sz="1000" dirty="0" smtClean="0">
+                  <a:latin typeface="Times New Roman" panose="02020603050405020304" pitchFamily="18" charset="0"/>
+                  <a:cs typeface="Times New Roman" panose="02020603050405020304" pitchFamily="18" charset="0"/>
+                </a:rPr>
+                <a:t>1</a:t>
+              </a:r>
+              <a:endParaRPr lang="zh-CN" altLang="en-US" sz="1000" dirty="0">
+                <a:latin typeface="Times New Roman" panose="02020603050405020304" pitchFamily="18" charset="0"/>
+                <a:cs typeface="Times New Roman" panose="02020603050405020304" pitchFamily="18" charset="0"/>
+              </a:endParaRPr>
+            </a:p>
+          </p:txBody>
+        </p:sp>
+        <p:cxnSp>
+          <p:nvCxnSpPr>
+            <p:cNvPr id="70" name="曲线连接符 69"/>
+            <p:cNvCxnSpPr>
+              <a:stCxn id="76" idx="2"/>
+              <a:endCxn id="80" idx="0"/>
+            </p:cNvCxnSpPr>
+            <p:nvPr/>
+          </p:nvCxnSpPr>
+          <p:spPr>
+            <a:xfrm rot="16200000" flipH="1">
+              <a:off x="6657565" y="1884297"/>
+              <a:ext cx="684064" cy="643890"/>
+            </a:xfrm>
+            <a:prstGeom prst="curvedConnector3">
+              <a:avLst/>
+            </a:prstGeom>
+            <a:ln>
+              <a:prstDash val="sysDash"/>
+              <a:tailEnd type="triangle"/>
+            </a:ln>
+          </p:spPr>
+          <p:style>
+            <a:lnRef idx="1">
+              <a:schemeClr val="dk1"/>
+            </a:lnRef>
+            <a:fillRef idx="0">
+              <a:schemeClr val="dk1"/>
+            </a:fillRef>
+            <a:effectRef idx="0">
+              <a:schemeClr val="dk1"/>
+            </a:effectRef>
+            <a:fontRef idx="minor">
+              <a:schemeClr val="tx1"/>
+            </a:fontRef>
+          </p:style>
+        </p:cxnSp>
+        <p:cxnSp>
+          <p:nvCxnSpPr>
+            <p:cNvPr id="71" name="曲线连接符 70"/>
+            <p:cNvCxnSpPr>
+              <a:stCxn id="76" idx="2"/>
+              <a:endCxn id="79" idx="0"/>
+            </p:cNvCxnSpPr>
+            <p:nvPr/>
+          </p:nvCxnSpPr>
+          <p:spPr>
+            <a:xfrm rot="5400000">
+              <a:off x="6335620" y="2206242"/>
+              <a:ext cx="684064" cy="12700"/>
+            </a:xfrm>
+            <a:prstGeom prst="curvedConnector3">
+              <a:avLst/>
+            </a:prstGeom>
+            <a:ln>
+              <a:prstDash val="sysDash"/>
+              <a:tailEnd type="triangle"/>
+            </a:ln>
+          </p:spPr>
+          <p:style>
+            <a:lnRef idx="1">
+              <a:schemeClr val="dk1"/>
+            </a:lnRef>
+            <a:fillRef idx="0">
+              <a:schemeClr val="dk1"/>
+            </a:fillRef>
+            <a:effectRef idx="0">
+              <a:schemeClr val="dk1"/>
+            </a:effectRef>
+            <a:fontRef idx="minor">
+              <a:schemeClr val="tx1"/>
+            </a:fontRef>
+          </p:style>
+        </p:cxnSp>
+        <p:sp>
+          <p:nvSpPr>
+            <p:cNvPr id="72" name="文本框 29"/>
+            <p:cNvSpPr txBox="1"/>
+            <p:nvPr/>
+          </p:nvSpPr>
+          <p:spPr>
+            <a:xfrm>
+              <a:off x="4954889" y="1346471"/>
+              <a:ext cx="272670" cy="246221"/>
+            </a:xfrm>
+            <a:prstGeom prst="rect">
+              <a:avLst/>
+            </a:prstGeom>
+            <a:noFill/>
+          </p:spPr>
+          <p:txBody>
+            <a:bodyPr wrap="square" rtlCol="0">
+              <a:spAutoFit/>
+            </a:bodyPr>
+            <a:lstStyle>
+              <a:defPPr>
+                <a:defRPr lang="zh-CN"/>
+              </a:defPPr>
+              <a:lvl1pPr marL="0" algn="l" defTabSz="914400" rtl="0" eaLnBrk="1" latinLnBrk="0" hangingPunct="1">
+                <a:defRPr sz="1800" kern="1200">
+                  <a:solidFill>
+                    <a:schemeClr val="tx1"/>
+                  </a:solidFill>
+                  <a:latin typeface="+mn-lt"/>
+                  <a:ea typeface="+mn-ea"/>
+                  <a:cs typeface="+mn-cs"/>
+                </a:defRPr>
+              </a:lvl1pPr>
+              <a:lvl2pPr marL="457200" algn="l" defTabSz="914400" rtl="0" eaLnBrk="1" latinLnBrk="0" hangingPunct="1">
+                <a:defRPr sz="1800" kern="1200">
+                  <a:solidFill>
+                    <a:schemeClr val="tx1"/>
+                  </a:solidFill>
+                  <a:latin typeface="+mn-lt"/>
+                  <a:ea typeface="+mn-ea"/>
+                  <a:cs typeface="+mn-cs"/>
+                </a:defRPr>
+              </a:lvl2pPr>
+              <a:lvl3pPr marL="914400" algn="l" defTabSz="914400" rtl="0" eaLnBrk="1" latinLnBrk="0" hangingPunct="1">
+                <a:defRPr sz="1800" kern="1200">
+                  <a:solidFill>
+                    <a:schemeClr val="tx1"/>
+                  </a:solidFill>
+                  <a:latin typeface="+mn-lt"/>
+                  <a:ea typeface="+mn-ea"/>
+                  <a:cs typeface="+mn-cs"/>
+                </a:defRPr>
+              </a:lvl3pPr>
+              <a:lvl4pPr marL="1371600" algn="l" defTabSz="914400" rtl="0" eaLnBrk="1" latinLnBrk="0" hangingPunct="1">
+                <a:defRPr sz="1800" kern="1200">
+                  <a:solidFill>
+                    <a:schemeClr val="tx1"/>
+                  </a:solidFill>
+                  <a:latin typeface="+mn-lt"/>
+                  <a:ea typeface="+mn-ea"/>
+                  <a:cs typeface="+mn-cs"/>
+                </a:defRPr>
+              </a:lvl4pPr>
+              <a:lvl5pPr marL="1828800" algn="l" defTabSz="914400" rtl="0" eaLnBrk="1" latinLnBrk="0" hangingPunct="1">
+                <a:defRPr sz="1800" kern="1200">
+                  <a:solidFill>
+                    <a:schemeClr val="tx1"/>
+                  </a:solidFill>
+                  <a:latin typeface="+mn-lt"/>
+                  <a:ea typeface="+mn-ea"/>
+                  <a:cs typeface="+mn-cs"/>
+                </a:defRPr>
+              </a:lvl5pPr>
+              <a:lvl6pPr marL="2286000" algn="l" defTabSz="914400" rtl="0" eaLnBrk="1" latinLnBrk="0" hangingPunct="1">
+                <a:defRPr sz="1800" kern="1200">
+                  <a:solidFill>
+                    <a:schemeClr val="tx1"/>
+                  </a:solidFill>
+                  <a:latin typeface="+mn-lt"/>
+                  <a:ea typeface="+mn-ea"/>
+                  <a:cs typeface="+mn-cs"/>
+                </a:defRPr>
+              </a:lvl6pPr>
+              <a:lvl7pPr marL="2743200" algn="l" defTabSz="914400" rtl="0" eaLnBrk="1" latinLnBrk="0" hangingPunct="1">
+                <a:defRPr sz="1800" kern="1200">
+                  <a:solidFill>
+                    <a:schemeClr val="tx1"/>
+                  </a:solidFill>
+                  <a:latin typeface="+mn-lt"/>
+                  <a:ea typeface="+mn-ea"/>
+                  <a:cs typeface="+mn-cs"/>
+                </a:defRPr>
+              </a:lvl7pPr>
+              <a:lvl8pPr marL="3200400" algn="l" defTabSz="914400" rtl="0" eaLnBrk="1" latinLnBrk="0" hangingPunct="1">
+                <a:defRPr sz="1800" kern="1200">
+                  <a:solidFill>
+                    <a:schemeClr val="tx1"/>
+                  </a:solidFill>
+                  <a:latin typeface="+mn-lt"/>
+                  <a:ea typeface="+mn-ea"/>
+                  <a:cs typeface="+mn-cs"/>
+                </a:defRPr>
+              </a:lvl8pPr>
+              <a:lvl9pPr marL="3657600" algn="l" defTabSz="914400" rtl="0" eaLnBrk="1" latinLnBrk="0" hangingPunct="1">
+                <a:defRPr sz="1800" kern="1200">
+                  <a:solidFill>
+                    <a:schemeClr val="tx1"/>
+                  </a:solidFill>
+                  <a:latin typeface="+mn-lt"/>
+                  <a:ea typeface="+mn-ea"/>
+                  <a:cs typeface="+mn-cs"/>
+                </a:defRPr>
+              </a:lvl9pPr>
+            </a:lstStyle>
+            <a:p>
+              <a:r>
+                <a:rPr lang="en-US" altLang="zh-CN" sz="1000" dirty="0" smtClean="0">
+                  <a:latin typeface="Times New Roman" panose="02020603050405020304" pitchFamily="18" charset="0"/>
+                  <a:cs typeface="Times New Roman" panose="02020603050405020304" pitchFamily="18" charset="0"/>
+                </a:rPr>
+                <a:t>2</a:t>
+              </a:r>
+              <a:endParaRPr lang="zh-CN" altLang="en-US" sz="1000" dirty="0">
+                <a:latin typeface="Times New Roman" panose="02020603050405020304" pitchFamily="18" charset="0"/>
+                <a:cs typeface="Times New Roman" panose="02020603050405020304" pitchFamily="18" charset="0"/>
+              </a:endParaRPr>
+            </a:p>
+          </p:txBody>
+        </p:sp>
+        <p:cxnSp>
+          <p:nvCxnSpPr>
+            <p:cNvPr id="73" name="直接箭头连接符 72"/>
+            <p:cNvCxnSpPr>
+              <a:stCxn id="68" idx="6"/>
+              <a:endCxn id="79" idx="1"/>
+            </p:cNvCxnSpPr>
+            <p:nvPr/>
+          </p:nvCxnSpPr>
+          <p:spPr>
+            <a:xfrm>
+              <a:off x="5492236" y="1947373"/>
+              <a:ext cx="880616" cy="720916"/>
+            </a:xfrm>
+            <a:prstGeom prst="straightConnector1">
+              <a:avLst/>
+            </a:prstGeom>
+            <a:ln>
+              <a:tailEnd type="triangle"/>
+            </a:ln>
+          </p:spPr>
+          <p:style>
+            <a:lnRef idx="1">
+              <a:schemeClr val="dk1"/>
+            </a:lnRef>
+            <a:fillRef idx="0">
+              <a:schemeClr val="dk1"/>
+            </a:fillRef>
+            <a:effectRef idx="0">
+              <a:schemeClr val="dk1"/>
+            </a:effectRef>
+            <a:fontRef idx="minor">
+              <a:schemeClr val="tx1"/>
+            </a:fontRef>
+          </p:style>
+        </p:cxnSp>
+        <p:cxnSp>
+          <p:nvCxnSpPr>
+            <p:cNvPr id="74" name="直接箭头连接符 73"/>
+            <p:cNvCxnSpPr>
+              <a:stCxn id="82" idx="2"/>
+              <a:endCxn id="76" idx="0"/>
+            </p:cNvCxnSpPr>
+            <p:nvPr/>
+          </p:nvCxnSpPr>
+          <p:spPr>
+            <a:xfrm flipH="1">
+              <a:off x="6677652" y="989815"/>
+              <a:ext cx="133541" cy="634365"/>
+            </a:xfrm>
+            <a:prstGeom prst="straightConnector1">
+              <a:avLst/>
+            </a:prstGeom>
+            <a:ln>
+              <a:tailEnd type="triangle"/>
+            </a:ln>
+          </p:spPr>
+          <p:style>
+            <a:lnRef idx="1">
+              <a:schemeClr val="dk1"/>
+            </a:lnRef>
+            <a:fillRef idx="0">
+              <a:schemeClr val="dk1"/>
+            </a:fillRef>
+            <a:effectRef idx="0">
+              <a:schemeClr val="dk1"/>
+            </a:effectRef>
+            <a:fontRef idx="minor">
+              <a:schemeClr val="tx1"/>
+            </a:fontRef>
+          </p:style>
+        </p:cxnSp>
+        <p:cxnSp>
+          <p:nvCxnSpPr>
+            <p:cNvPr id="111" name="直接箭头连接符 110"/>
+            <p:cNvCxnSpPr>
+              <a:stCxn id="79" idx="0"/>
+              <a:endCxn id="66" idx="2"/>
+            </p:cNvCxnSpPr>
+            <p:nvPr/>
+          </p:nvCxnSpPr>
+          <p:spPr>
+            <a:xfrm flipH="1" flipV="1">
+              <a:off x="5212454" y="1122297"/>
+              <a:ext cx="1465198" cy="1425977"/>
+            </a:xfrm>
+            <a:prstGeom prst="straightConnector1">
+              <a:avLst/>
+            </a:prstGeom>
+            <a:ln>
+              <a:tailEnd type="triangle"/>
+            </a:ln>
+          </p:spPr>
+          <p:style>
+            <a:lnRef idx="1">
+              <a:schemeClr val="dk1"/>
+            </a:lnRef>
+            <a:fillRef idx="0">
+              <a:schemeClr val="dk1"/>
+            </a:fillRef>
+            <a:effectRef idx="0">
+              <a:schemeClr val="dk1"/>
+            </a:effectRef>
+            <a:fontRef idx="minor">
+              <a:schemeClr val="tx1"/>
+            </a:fontRef>
+          </p:style>
+        </p:cxnSp>
+        <p:sp>
+          <p:nvSpPr>
+            <p:cNvPr id="112" name="文本框 29"/>
+            <p:cNvSpPr txBox="1"/>
+            <p:nvPr/>
+          </p:nvSpPr>
+          <p:spPr>
+            <a:xfrm>
+              <a:off x="5611424" y="2083131"/>
+              <a:ext cx="272670" cy="246221"/>
+            </a:xfrm>
+            <a:prstGeom prst="rect">
+              <a:avLst/>
+            </a:prstGeom>
+            <a:noFill/>
+          </p:spPr>
+          <p:txBody>
+            <a:bodyPr wrap="square" rtlCol="0">
+              <a:spAutoFit/>
+            </a:bodyPr>
+            <a:lstStyle>
+              <a:defPPr>
+                <a:defRPr lang="zh-CN"/>
+              </a:defPPr>
+              <a:lvl1pPr marL="0" algn="l" defTabSz="914400" rtl="0" eaLnBrk="1" latinLnBrk="0" hangingPunct="1">
+                <a:defRPr sz="1800" kern="1200">
+                  <a:solidFill>
+                    <a:schemeClr val="tx1"/>
+                  </a:solidFill>
+                  <a:latin typeface="+mn-lt"/>
+                  <a:ea typeface="+mn-ea"/>
+                  <a:cs typeface="+mn-cs"/>
+                </a:defRPr>
+              </a:lvl1pPr>
+              <a:lvl2pPr marL="457200" algn="l" defTabSz="914400" rtl="0" eaLnBrk="1" latinLnBrk="0" hangingPunct="1">
+                <a:defRPr sz="1800" kern="1200">
+                  <a:solidFill>
+                    <a:schemeClr val="tx1"/>
+                  </a:solidFill>
+                  <a:latin typeface="+mn-lt"/>
+                  <a:ea typeface="+mn-ea"/>
+                  <a:cs typeface="+mn-cs"/>
+                </a:defRPr>
+              </a:lvl2pPr>
+              <a:lvl3pPr marL="914400" algn="l" defTabSz="914400" rtl="0" eaLnBrk="1" latinLnBrk="0" hangingPunct="1">
+                <a:defRPr sz="1800" kern="1200">
+                  <a:solidFill>
+                    <a:schemeClr val="tx1"/>
+                  </a:solidFill>
+                  <a:latin typeface="+mn-lt"/>
+                  <a:ea typeface="+mn-ea"/>
+                  <a:cs typeface="+mn-cs"/>
+                </a:defRPr>
+              </a:lvl3pPr>
+              <a:lvl4pPr marL="1371600" algn="l" defTabSz="914400" rtl="0" eaLnBrk="1" latinLnBrk="0" hangingPunct="1">
+                <a:defRPr sz="1800" kern="1200">
+                  <a:solidFill>
+                    <a:schemeClr val="tx1"/>
+                  </a:solidFill>
+                  <a:latin typeface="+mn-lt"/>
+                  <a:ea typeface="+mn-ea"/>
+                  <a:cs typeface="+mn-cs"/>
+                </a:defRPr>
+              </a:lvl4pPr>
+              <a:lvl5pPr marL="1828800" algn="l" defTabSz="914400" rtl="0" eaLnBrk="1" latinLnBrk="0" hangingPunct="1">
+                <a:defRPr sz="1800" kern="1200">
+                  <a:solidFill>
+                    <a:schemeClr val="tx1"/>
+                  </a:solidFill>
+                  <a:latin typeface="+mn-lt"/>
+                  <a:ea typeface="+mn-ea"/>
+                  <a:cs typeface="+mn-cs"/>
+                </a:defRPr>
+              </a:lvl5pPr>
+              <a:lvl6pPr marL="2286000" algn="l" defTabSz="914400" rtl="0" eaLnBrk="1" latinLnBrk="0" hangingPunct="1">
+                <a:defRPr sz="1800" kern="1200">
+                  <a:solidFill>
+                    <a:schemeClr val="tx1"/>
+                  </a:solidFill>
+                  <a:latin typeface="+mn-lt"/>
+                  <a:ea typeface="+mn-ea"/>
+                  <a:cs typeface="+mn-cs"/>
+                </a:defRPr>
+              </a:lvl6pPr>
+              <a:lvl7pPr marL="2743200" algn="l" defTabSz="914400" rtl="0" eaLnBrk="1" latinLnBrk="0" hangingPunct="1">
+                <a:defRPr sz="1800" kern="1200">
+                  <a:solidFill>
+                    <a:schemeClr val="tx1"/>
+                  </a:solidFill>
+                  <a:latin typeface="+mn-lt"/>
+                  <a:ea typeface="+mn-ea"/>
+                  <a:cs typeface="+mn-cs"/>
+                </a:defRPr>
+              </a:lvl7pPr>
+              <a:lvl8pPr marL="3200400" algn="l" defTabSz="914400" rtl="0" eaLnBrk="1" latinLnBrk="0" hangingPunct="1">
+                <a:defRPr sz="1800" kern="1200">
+                  <a:solidFill>
+                    <a:schemeClr val="tx1"/>
+                  </a:solidFill>
+                  <a:latin typeface="+mn-lt"/>
+                  <a:ea typeface="+mn-ea"/>
+                  <a:cs typeface="+mn-cs"/>
+                </a:defRPr>
+              </a:lvl8pPr>
+              <a:lvl9pPr marL="3657600" algn="l" defTabSz="914400" rtl="0" eaLnBrk="1" latinLnBrk="0" hangingPunct="1">
+                <a:defRPr sz="1800" kern="1200">
+                  <a:solidFill>
+                    <a:schemeClr val="tx1"/>
+                  </a:solidFill>
+                  <a:latin typeface="+mn-lt"/>
+                  <a:ea typeface="+mn-ea"/>
+                  <a:cs typeface="+mn-cs"/>
+                </a:defRPr>
+              </a:lvl9pPr>
+            </a:lstStyle>
+            <a:p>
+              <a:r>
+                <a:rPr lang="en-US" altLang="zh-CN" sz="1000" dirty="0" smtClean="0">
+                  <a:latin typeface="Times New Roman" panose="02020603050405020304" pitchFamily="18" charset="0"/>
+                  <a:cs typeface="Times New Roman" panose="02020603050405020304" pitchFamily="18" charset="0"/>
+                </a:rPr>
+                <a:t>3</a:t>
+              </a:r>
+              <a:endParaRPr lang="zh-CN" altLang="en-US" sz="1000" dirty="0">
+                <a:latin typeface="Times New Roman" panose="02020603050405020304" pitchFamily="18" charset="0"/>
+                <a:cs typeface="Times New Roman" panose="02020603050405020304" pitchFamily="18" charset="0"/>
+              </a:endParaRPr>
+            </a:p>
+          </p:txBody>
+        </p:sp>
+      </p:grpSp>
     </p:spTree>
     <p:extLst>
       <p:ext uri="{BB962C8B-B14F-4D97-AF65-F5344CB8AC3E}">

--- a/Essay/Figures.pptx
+++ b/Essay/Figures.pptx
@@ -121,7 +121,7 @@
 </file>
 
 <file path=ppt/charts/chart1.xml><?xml version="1.0" encoding="utf-8"?>
-<c:chartSpace xmlns:c="http://schemas.openxmlformats.org/drawingml/2006/chart" xmlns:a="http://schemas.openxmlformats.org/drawingml/2006/main" xmlns:r="http://schemas.openxmlformats.org/officeDocument/2006/relationships">
+<c:chartSpace xmlns:c="http://schemas.openxmlformats.org/drawingml/2006/chart" xmlns:a="http://schemas.openxmlformats.org/drawingml/2006/main" xmlns:r="http://schemas.openxmlformats.org/officeDocument/2006/relationships" xmlns:c16r2="http://schemas.microsoft.com/office/drawing/2015/06/chart">
   <c:date1904 val="0"/>
   <c:lang val="zh-CN"/>
   <c:roundedCorners val="0"/>
@@ -161,6 +161,7 @@
           </a:p>
         </c:rich>
       </c:tx>
+      <c:layout/>
       <c:overlay val="0"/>
       <c:spPr>
         <a:noFill/>
@@ -276,6 +277,11 @@
             </c:numRef>
           </c:val>
           <c:smooth val="0"/>
+          <c:extLst>
+            <c:ext xmlns:c16="http://schemas.microsoft.com/office/drawing/2014/chart" uri="{C3380CC4-5D6E-409C-BE32-E72D297353CC}">
+              <c16:uniqueId val="{00000000-A6D6-4701-9B0B-2E91726E482D}"/>
+            </c:ext>
+          </c:extLst>
         </c:ser>
         <c:ser>
           <c:idx val="1"/>
@@ -357,6 +363,11 @@
             </c:numRef>
           </c:val>
           <c:smooth val="0"/>
+          <c:extLst>
+            <c:ext xmlns:c16="http://schemas.microsoft.com/office/drawing/2014/chart" uri="{C3380CC4-5D6E-409C-BE32-E72D297353CC}">
+              <c16:uniqueId val="{00000001-A6D6-4701-9B0B-2E91726E482D}"/>
+            </c:ext>
+          </c:extLst>
         </c:ser>
         <c:dLbls>
           <c:showLegendKey val="0"/>
@@ -488,6 +499,7 @@
     </c:plotArea>
     <c:legend>
       <c:legendPos val="b"/>
+      <c:layout/>
       <c:overlay val="0"/>
       <c:spPr>
         <a:noFill/>
@@ -1218,7 +1230,7 @@
           <a:p>
             <a:fld id="{CE144EE9-ED3E-4C40-84F5-22B68B55337D}" type="datetimeFigureOut">
               <a:rPr lang="zh-CN" altLang="en-US" smtClean="0"/>
-              <a:t>2015/11/23</a:t>
+              <a:t>2015/12/2</a:t>
             </a:fld>
             <a:endParaRPr lang="zh-CN" altLang="en-US"/>
           </a:p>
@@ -1388,7 +1400,7 @@
           <a:p>
             <a:fld id="{CE144EE9-ED3E-4C40-84F5-22B68B55337D}" type="datetimeFigureOut">
               <a:rPr lang="zh-CN" altLang="en-US" smtClean="0"/>
-              <a:t>2015/11/23</a:t>
+              <a:t>2015/12/2</a:t>
             </a:fld>
             <a:endParaRPr lang="zh-CN" altLang="en-US"/>
           </a:p>
@@ -1568,7 +1580,7 @@
           <a:p>
             <a:fld id="{CE144EE9-ED3E-4C40-84F5-22B68B55337D}" type="datetimeFigureOut">
               <a:rPr lang="zh-CN" altLang="en-US" smtClean="0"/>
-              <a:t>2015/11/23</a:t>
+              <a:t>2015/12/2</a:t>
             </a:fld>
             <a:endParaRPr lang="zh-CN" altLang="en-US"/>
           </a:p>
@@ -1738,7 +1750,7 @@
           <a:p>
             <a:fld id="{CE144EE9-ED3E-4C40-84F5-22B68B55337D}" type="datetimeFigureOut">
               <a:rPr lang="zh-CN" altLang="en-US" smtClean="0"/>
-              <a:t>2015/11/23</a:t>
+              <a:t>2015/12/2</a:t>
             </a:fld>
             <a:endParaRPr lang="zh-CN" altLang="en-US"/>
           </a:p>
@@ -1984,7 +1996,7 @@
           <a:p>
             <a:fld id="{CE144EE9-ED3E-4C40-84F5-22B68B55337D}" type="datetimeFigureOut">
               <a:rPr lang="zh-CN" altLang="en-US" smtClean="0"/>
-              <a:t>2015/11/23</a:t>
+              <a:t>2015/12/2</a:t>
             </a:fld>
             <a:endParaRPr lang="zh-CN" altLang="en-US"/>
           </a:p>
@@ -2216,7 +2228,7 @@
           <a:p>
             <a:fld id="{CE144EE9-ED3E-4C40-84F5-22B68B55337D}" type="datetimeFigureOut">
               <a:rPr lang="zh-CN" altLang="en-US" smtClean="0"/>
-              <a:t>2015/11/23</a:t>
+              <a:t>2015/12/2</a:t>
             </a:fld>
             <a:endParaRPr lang="zh-CN" altLang="en-US"/>
           </a:p>
@@ -2583,7 +2595,7 @@
           <a:p>
             <a:fld id="{CE144EE9-ED3E-4C40-84F5-22B68B55337D}" type="datetimeFigureOut">
               <a:rPr lang="zh-CN" altLang="en-US" smtClean="0"/>
-              <a:t>2015/11/23</a:t>
+              <a:t>2015/12/2</a:t>
             </a:fld>
             <a:endParaRPr lang="zh-CN" altLang="en-US"/>
           </a:p>
@@ -2701,7 +2713,7 @@
           <a:p>
             <a:fld id="{CE144EE9-ED3E-4C40-84F5-22B68B55337D}" type="datetimeFigureOut">
               <a:rPr lang="zh-CN" altLang="en-US" smtClean="0"/>
-              <a:t>2015/11/23</a:t>
+              <a:t>2015/12/2</a:t>
             </a:fld>
             <a:endParaRPr lang="zh-CN" altLang="en-US"/>
           </a:p>
@@ -2796,7 +2808,7 @@
           <a:p>
             <a:fld id="{CE144EE9-ED3E-4C40-84F5-22B68B55337D}" type="datetimeFigureOut">
               <a:rPr lang="zh-CN" altLang="en-US" smtClean="0"/>
-              <a:t>2015/11/23</a:t>
+              <a:t>2015/12/2</a:t>
             </a:fld>
             <a:endParaRPr lang="zh-CN" altLang="en-US"/>
           </a:p>
@@ -3073,7 +3085,7 @@
           <a:p>
             <a:fld id="{CE144EE9-ED3E-4C40-84F5-22B68B55337D}" type="datetimeFigureOut">
               <a:rPr lang="zh-CN" altLang="en-US" smtClean="0"/>
-              <a:t>2015/11/23</a:t>
+              <a:t>2015/12/2</a:t>
             </a:fld>
             <a:endParaRPr lang="zh-CN" altLang="en-US"/>
           </a:p>
@@ -3326,7 +3338,7 @@
           <a:p>
             <a:fld id="{CE144EE9-ED3E-4C40-84F5-22B68B55337D}" type="datetimeFigureOut">
               <a:rPr lang="zh-CN" altLang="en-US" smtClean="0"/>
-              <a:t>2015/11/23</a:t>
+              <a:t>2015/12/2</a:t>
             </a:fld>
             <a:endParaRPr lang="zh-CN" altLang="en-US"/>
           </a:p>
@@ -3539,7 +3551,7 @@
           <a:p>
             <a:fld id="{CE144EE9-ED3E-4C40-84F5-22B68B55337D}" type="datetimeFigureOut">
               <a:rPr lang="zh-CN" altLang="en-US" smtClean="0"/>
-              <a:t>2015/11/23</a:t>
+              <a:t>2015/12/2</a:t>
             </a:fld>
             <a:endParaRPr lang="zh-CN" altLang="en-US"/>
           </a:p>
@@ -13791,36 +13803,6 @@
           </a:fontRef>
         </p:style>
       </p:cxnSp>
-      <p:sp>
-        <p:nvSpPr>
-          <p:cNvPr id="9" name="文本框 8"/>
-          <p:cNvSpPr txBox="1"/>
-          <p:nvPr/>
-        </p:nvSpPr>
-        <p:spPr>
-          <a:xfrm>
-            <a:off x="3048000" y="4542971"/>
-            <a:ext cx="2402114" cy="646331"/>
-          </a:xfrm>
-          <a:prstGeom prst="rect">
-            <a:avLst/>
-          </a:prstGeom>
-          <a:noFill/>
-        </p:spPr>
-        <p:txBody>
-          <a:bodyPr wrap="square" rtlCol="0">
-            <a:spAutoFit/>
-          </a:bodyPr>
-          <a:lstStyle/>
-          <a:p>
-            <a:r>
-              <a:rPr lang="en-US" altLang="zh-CN" dirty="0" smtClean="0"/>
-              <a:t>7. Notify container’s resource partially freed</a:t>
-            </a:r>
-            <a:endParaRPr lang="zh-CN" altLang="en-US" dirty="0"/>
-          </a:p>
-        </p:txBody>
-      </p:sp>
       <p:cxnSp>
         <p:nvCxnSpPr>
           <p:cNvPr id="12" name="曲线连接符 11"/>
@@ -13856,36 +13838,6 @@
           </a:fontRef>
         </p:style>
       </p:cxnSp>
-      <p:sp>
-        <p:nvSpPr>
-          <p:cNvPr id="13" name="文本框 12"/>
-          <p:cNvSpPr txBox="1"/>
-          <p:nvPr/>
-        </p:nvSpPr>
-        <p:spPr>
-          <a:xfrm>
-            <a:off x="2824835" y="3081708"/>
-            <a:ext cx="1494970" cy="369332"/>
-          </a:xfrm>
-          <a:prstGeom prst="rect">
-            <a:avLst/>
-          </a:prstGeom>
-          <a:noFill/>
-        </p:spPr>
-        <p:txBody>
-          <a:bodyPr wrap="square" rtlCol="0">
-            <a:spAutoFit/>
-          </a:bodyPr>
-          <a:lstStyle/>
-          <a:p>
-            <a:r>
-              <a:rPr lang="en-US" altLang="zh-CN" dirty="0" smtClean="0"/>
-              <a:t>6</a:t>
-            </a:r>
-            <a:endParaRPr lang="zh-CN" altLang="en-US" dirty="0"/>
-          </a:p>
-        </p:txBody>
-      </p:sp>
       <p:cxnSp>
         <p:nvCxnSpPr>
           <p:cNvPr id="14" name="曲线连接符 13"/>
@@ -13922,36 +13874,6 @@
           </a:fontRef>
         </p:style>
       </p:cxnSp>
-      <p:sp>
-        <p:nvSpPr>
-          <p:cNvPr id="15" name="文本框 14"/>
-          <p:cNvSpPr txBox="1"/>
-          <p:nvPr/>
-        </p:nvSpPr>
-        <p:spPr>
-          <a:xfrm>
-            <a:off x="1636486" y="1354516"/>
-            <a:ext cx="1981201" cy="646331"/>
-          </a:xfrm>
-          <a:prstGeom prst="rect">
-            <a:avLst/>
-          </a:prstGeom>
-          <a:noFill/>
-        </p:spPr>
-        <p:txBody>
-          <a:bodyPr wrap="square" rtlCol="0">
-            <a:spAutoFit/>
-          </a:bodyPr>
-          <a:lstStyle/>
-          <a:p>
-            <a:r>
-              <a:rPr lang="en-US" altLang="zh-CN" dirty="0" smtClean="0"/>
-              <a:t>5. Update freed container size</a:t>
-            </a:r>
-            <a:endParaRPr lang="zh-CN" altLang="en-US" dirty="0"/>
-          </a:p>
-        </p:txBody>
-      </p:sp>
       <p:sp>
         <p:nvSpPr>
           <p:cNvPr id="16" name="矩形 15"/>
@@ -14370,44 +14292,6 @@
           </a:p>
         </p:txBody>
       </p:sp>
-      <p:cxnSp>
-        <p:nvCxnSpPr>
-          <p:cNvPr id="21" name="曲线连接符 20"/>
-          <p:cNvCxnSpPr>
-            <a:stCxn id="2" idx="0"/>
-            <a:endCxn id="19" idx="2"/>
-          </p:cNvCxnSpPr>
-          <p:nvPr/>
-        </p:nvCxnSpPr>
-        <p:spPr>
-          <a:xfrm rot="5400000" flipH="1" flipV="1">
-            <a:off x="5944657" y="3767515"/>
-            <a:ext cx="1623486" cy="1291771"/>
-          </a:xfrm>
-          <a:prstGeom prst="curvedConnector3">
-            <a:avLst>
-              <a:gd name="adj1" fmla="val 50000"/>
-            </a:avLst>
-          </a:prstGeom>
-          <a:ln>
-            <a:tailEnd type="triangle"/>
-          </a:ln>
-        </p:spPr>
-        <p:style>
-          <a:lnRef idx="1">
-            <a:schemeClr val="dk1"/>
-          </a:lnRef>
-          <a:fillRef idx="0">
-            <a:schemeClr val="dk1"/>
-          </a:fillRef>
-          <a:effectRef idx="0">
-            <a:schemeClr val="dk1"/>
-          </a:effectRef>
-          <a:fontRef idx="minor">
-            <a:schemeClr val="tx1"/>
-          </a:fontRef>
-        </p:style>
-      </p:cxnSp>
       <p:sp>
         <p:nvSpPr>
           <p:cNvPr id="22" name="文本框 21"/>
@@ -14416,7 +14300,7 @@
         </p:nvSpPr>
         <p:spPr>
           <a:xfrm>
-            <a:off x="7015838" y="4185390"/>
+            <a:off x="3708408" y="4329217"/>
             <a:ext cx="1494970" cy="923330"/>
           </a:xfrm>
           <a:prstGeom prst="rect">
@@ -14482,7 +14366,7 @@
         </p:nvSpPr>
         <p:spPr>
           <a:xfrm>
-            <a:off x="8182423" y="2831259"/>
+            <a:off x="3493949" y="2609561"/>
             <a:ext cx="1494970" cy="369332"/>
           </a:xfrm>
           <a:prstGeom prst="rect">
@@ -14497,12 +14381,8 @@
           <a:lstStyle/>
           <a:p>
             <a:r>
-              <a:rPr lang="en-US" altLang="zh-CN" dirty="0"/>
+              <a:rPr lang="en-US" altLang="zh-CN" dirty="0" smtClean="0"/>
               <a:t>2</a:t>
-            </a:r>
-            <a:r>
-              <a:rPr lang="en-US" altLang="zh-CN" dirty="0" smtClean="0"/>
-              <a:t>. update</a:t>
             </a:r>
             <a:endParaRPr lang="zh-CN" altLang="en-US" dirty="0"/>
           </a:p>
@@ -14512,13 +14392,13 @@
         <p:nvCxnSpPr>
           <p:cNvPr id="25" name="直接箭头连接符 24"/>
           <p:cNvCxnSpPr>
-            <a:stCxn id="19" idx="0"/>
-            <a:endCxn id="18" idx="2"/>
+            <a:stCxn id="18" idx="2"/>
+            <a:endCxn id="19" idx="0"/>
           </p:cNvCxnSpPr>
           <p:nvPr/>
         </p:nvCxnSpPr>
         <p:spPr>
-          <a:xfrm flipV="1">
+          <a:xfrm flipH="1">
             <a:off x="7402286" y="2213805"/>
             <a:ext cx="18143" cy="970566"/>
           </a:xfrm>
@@ -14552,7 +14432,7 @@
         </p:nvSpPr>
         <p:spPr>
           <a:xfrm>
-            <a:off x="7053941" y="2622916"/>
+            <a:off x="2365830" y="3366518"/>
             <a:ext cx="1494970" cy="369332"/>
           </a:xfrm>
           <a:prstGeom prst="rect">
@@ -14634,6 +14514,135 @@
             <a:r>
               <a:rPr lang="en-US" altLang="zh-CN" dirty="0" smtClean="0"/>
               <a:t>4</a:t>
+            </a:r>
+            <a:endParaRPr lang="zh-CN" altLang="en-US" dirty="0"/>
+          </a:p>
+        </p:txBody>
+      </p:sp>
+      <p:cxnSp>
+        <p:nvCxnSpPr>
+          <p:cNvPr id="29" name="曲线连接符 28"/>
+          <p:cNvCxnSpPr/>
+          <p:nvPr/>
+        </p:nvCxnSpPr>
+        <p:spPr>
+          <a:xfrm rot="10800000">
+            <a:off x="2670629" y="2622919"/>
+            <a:ext cx="1422400" cy="700853"/>
+          </a:xfrm>
+          <a:prstGeom prst="curvedConnector3">
+            <a:avLst>
+              <a:gd name="adj1" fmla="val 44490"/>
+            </a:avLst>
+          </a:prstGeom>
+          <a:ln>
+            <a:tailEnd type="triangle"/>
+          </a:ln>
+        </p:spPr>
+        <p:style>
+          <a:lnRef idx="1">
+            <a:schemeClr val="dk1"/>
+          </a:lnRef>
+          <a:fillRef idx="0">
+            <a:schemeClr val="dk1"/>
+          </a:fillRef>
+          <a:effectRef idx="0">
+            <a:schemeClr val="dk1"/>
+          </a:effectRef>
+          <a:fontRef idx="minor">
+            <a:schemeClr val="tx1"/>
+          </a:fontRef>
+        </p:style>
+      </p:cxnSp>
+      <p:sp>
+        <p:nvSpPr>
+          <p:cNvPr id="32" name="文本框 31"/>
+          <p:cNvSpPr txBox="1"/>
+          <p:nvPr/>
+        </p:nvSpPr>
+        <p:spPr>
+          <a:xfrm>
+            <a:off x="2502988" y="1586408"/>
+            <a:ext cx="1494970" cy="369332"/>
+          </a:xfrm>
+          <a:prstGeom prst="rect">
+            <a:avLst/>
+          </a:prstGeom>
+          <a:noFill/>
+        </p:spPr>
+        <p:txBody>
+          <a:bodyPr wrap="square" rtlCol="0">
+            <a:spAutoFit/>
+          </a:bodyPr>
+          <a:lstStyle/>
+          <a:p>
+            <a:r>
+              <a:rPr lang="en-US" altLang="zh-CN" dirty="0" smtClean="0"/>
+              <a:t>3</a:t>
+            </a:r>
+            <a:endParaRPr lang="zh-CN" altLang="en-US" dirty="0"/>
+          </a:p>
+        </p:txBody>
+      </p:sp>
+      <p:sp>
+        <p:nvSpPr>
+          <p:cNvPr id="36" name="文本框 35"/>
+          <p:cNvSpPr txBox="1"/>
+          <p:nvPr/>
+        </p:nvSpPr>
+        <p:spPr>
+          <a:xfrm>
+            <a:off x="7408442" y="2471558"/>
+            <a:ext cx="1494970" cy="369332"/>
+          </a:xfrm>
+          <a:prstGeom prst="rect">
+            <a:avLst/>
+          </a:prstGeom>
+          <a:noFill/>
+        </p:spPr>
+        <p:txBody>
+          <a:bodyPr wrap="square" rtlCol="0">
+            <a:spAutoFit/>
+          </a:bodyPr>
+          <a:lstStyle/>
+          <a:p>
+            <a:r>
+              <a:rPr lang="en-US" altLang="zh-CN" dirty="0" smtClean="0"/>
+              <a:t>5</a:t>
+            </a:r>
+            <a:endParaRPr lang="zh-CN" altLang="en-US" dirty="0"/>
+          </a:p>
+        </p:txBody>
+      </p:sp>
+      <p:sp>
+        <p:nvSpPr>
+          <p:cNvPr id="37" name="文本框 36"/>
+          <p:cNvSpPr txBox="1"/>
+          <p:nvPr/>
+        </p:nvSpPr>
+        <p:spPr>
+          <a:xfrm>
+            <a:off x="8182423" y="2831259"/>
+            <a:ext cx="1494970" cy="369332"/>
+          </a:xfrm>
+          <a:prstGeom prst="rect">
+            <a:avLst/>
+          </a:prstGeom>
+          <a:noFill/>
+        </p:spPr>
+        <p:txBody>
+          <a:bodyPr wrap="square" rtlCol="0">
+            <a:spAutoFit/>
+          </a:bodyPr>
+          <a:lstStyle/>
+          <a:p>
+            <a:r>
+              <a:rPr lang="en-US" altLang="zh-CN" dirty="0" smtClean="0"/>
+              <a:t>6. </a:t>
+            </a:r>
+            <a:r>
+              <a:rPr lang="en-US" altLang="zh-CN" dirty="0" smtClean="0"/>
+              <a:t>update</a:t>
             </a:r>
             <a:endParaRPr lang="zh-CN" altLang="en-US" dirty="0"/>
           </a:p>
@@ -16756,6 +16765,212 @@
           </a:p>
         </p:txBody>
       </p:sp>
+      <p:sp>
+        <p:nvSpPr>
+          <p:cNvPr id="22" name="矩形 21"/>
+          <p:cNvSpPr/>
+          <p:nvPr/>
+        </p:nvSpPr>
+        <p:spPr>
+          <a:xfrm>
+            <a:off x="723651" y="2455138"/>
+            <a:ext cx="2157439" cy="532761"/>
+          </a:xfrm>
+          <a:prstGeom prst="rect">
+            <a:avLst/>
+          </a:prstGeom>
+          <a:effectLst>
+            <a:outerShdw blurRad="50800" dist="38100" dir="2700000" algn="tl" rotWithShape="0">
+              <a:prstClr val="black">
+                <a:alpha val="40000"/>
+              </a:prstClr>
+            </a:outerShdw>
+          </a:effectLst>
+        </p:spPr>
+        <p:style>
+          <a:lnRef idx="2">
+            <a:schemeClr val="dk1"/>
+          </a:lnRef>
+          <a:fillRef idx="1">
+            <a:schemeClr val="lt1"/>
+          </a:fillRef>
+          <a:effectRef idx="0">
+            <a:schemeClr val="dk1"/>
+          </a:effectRef>
+          <a:fontRef idx="minor">
+            <a:schemeClr val="dk1"/>
+          </a:fontRef>
+        </p:style>
+        <p:txBody>
+          <a:bodyPr rtlCol="0" anchor="ctr"/>
+          <a:lstStyle/>
+          <a:p>
+            <a:pPr algn="ctr"/>
+            <a:r>
+              <a:rPr lang="en-US" altLang="zh-CN" dirty="0" smtClean="0">
+                <a:solidFill>
+                  <a:srgbClr val="FF0000"/>
+                </a:solidFill>
+              </a:rPr>
+              <a:t>Size-based policy</a:t>
+            </a:r>
+            <a:endParaRPr lang="zh-CN" altLang="en-US" dirty="0">
+              <a:solidFill>
+                <a:srgbClr val="FF0000"/>
+              </a:solidFill>
+            </a:endParaRPr>
+          </a:p>
+        </p:txBody>
+      </p:sp>
+      <p:sp>
+        <p:nvSpPr>
+          <p:cNvPr id="23" name="矩形 22"/>
+          <p:cNvSpPr/>
+          <p:nvPr/>
+        </p:nvSpPr>
+        <p:spPr>
+          <a:xfrm>
+            <a:off x="732425" y="3275404"/>
+            <a:ext cx="2157439" cy="532761"/>
+          </a:xfrm>
+          <a:prstGeom prst="rect">
+            <a:avLst/>
+          </a:prstGeom>
+          <a:effectLst>
+            <a:outerShdw blurRad="50800" dist="38100" dir="2700000" algn="tl" rotWithShape="0">
+              <a:prstClr val="black">
+                <a:alpha val="40000"/>
+              </a:prstClr>
+            </a:outerShdw>
+          </a:effectLst>
+        </p:spPr>
+        <p:style>
+          <a:lnRef idx="2">
+            <a:schemeClr val="dk1"/>
+          </a:lnRef>
+          <a:fillRef idx="1">
+            <a:schemeClr val="lt1"/>
+          </a:fillRef>
+          <a:effectRef idx="0">
+            <a:schemeClr val="dk1"/>
+          </a:effectRef>
+          <a:fontRef idx="minor">
+            <a:schemeClr val="dk1"/>
+          </a:fontRef>
+        </p:style>
+        <p:txBody>
+          <a:bodyPr rtlCol="0" anchor="ctr"/>
+          <a:lstStyle/>
+          <a:p>
+            <a:pPr algn="ctr"/>
+            <a:r>
+              <a:rPr lang="en-US" altLang="zh-CN" dirty="0" smtClean="0">
+                <a:solidFill>
+                  <a:srgbClr val="FF0000"/>
+                </a:solidFill>
+              </a:rPr>
+              <a:t>Time-based policy</a:t>
+            </a:r>
+            <a:endParaRPr lang="zh-CN" altLang="en-US" dirty="0">
+              <a:solidFill>
+                <a:srgbClr val="FF0000"/>
+              </a:solidFill>
+            </a:endParaRPr>
+          </a:p>
+        </p:txBody>
+      </p:sp>
+      <p:sp>
+        <p:nvSpPr>
+          <p:cNvPr id="24" name="矩形 23"/>
+          <p:cNvSpPr/>
+          <p:nvPr/>
+        </p:nvSpPr>
+        <p:spPr>
+          <a:xfrm>
+            <a:off x="735367" y="4022307"/>
+            <a:ext cx="2157439" cy="532761"/>
+          </a:xfrm>
+          <a:prstGeom prst="rect">
+            <a:avLst/>
+          </a:prstGeom>
+          <a:effectLst>
+            <a:outerShdw blurRad="50800" dist="38100" dir="2700000" algn="tl" rotWithShape="0">
+              <a:prstClr val="black">
+                <a:alpha val="40000"/>
+              </a:prstClr>
+            </a:outerShdw>
+          </a:effectLst>
+        </p:spPr>
+        <p:style>
+          <a:lnRef idx="2">
+            <a:schemeClr val="dk1"/>
+          </a:lnRef>
+          <a:fillRef idx="1">
+            <a:schemeClr val="lt1"/>
+          </a:fillRef>
+          <a:effectRef idx="0">
+            <a:schemeClr val="dk1"/>
+          </a:effectRef>
+          <a:fontRef idx="minor">
+            <a:schemeClr val="dk1"/>
+          </a:fontRef>
+        </p:style>
+        <p:txBody>
+          <a:bodyPr rtlCol="0" anchor="ctr"/>
+          <a:lstStyle/>
+          <a:p>
+            <a:pPr algn="ctr"/>
+            <a:r>
+              <a:rPr lang="en-US" altLang="zh-CN" dirty="0" smtClean="0">
+                <a:solidFill>
+                  <a:srgbClr val="FF0000"/>
+                </a:solidFill>
+              </a:rPr>
+              <a:t>other policy</a:t>
+            </a:r>
+            <a:endParaRPr lang="zh-CN" altLang="en-US" dirty="0">
+              <a:solidFill>
+                <a:srgbClr val="FF0000"/>
+              </a:solidFill>
+            </a:endParaRPr>
+          </a:p>
+        </p:txBody>
+      </p:sp>
+      <p:cxnSp>
+        <p:nvCxnSpPr>
+          <p:cNvPr id="25" name="直接箭头连接符 24"/>
+          <p:cNvCxnSpPr>
+            <a:endCxn id="23" idx="3"/>
+          </p:cNvCxnSpPr>
+          <p:nvPr/>
+        </p:nvCxnSpPr>
+        <p:spPr>
+          <a:xfrm flipH="1" flipV="1">
+            <a:off x="2889864" y="3541785"/>
+            <a:ext cx="697252" cy="184935"/>
+          </a:xfrm>
+          <a:prstGeom prst="straightConnector1">
+            <a:avLst/>
+          </a:prstGeom>
+          <a:ln>
+            <a:tailEnd type="triangle"/>
+          </a:ln>
+        </p:spPr>
+        <p:style>
+          <a:lnRef idx="1">
+            <a:schemeClr val="dk1"/>
+          </a:lnRef>
+          <a:fillRef idx="0">
+            <a:schemeClr val="dk1"/>
+          </a:fillRef>
+          <a:effectRef idx="0">
+            <a:schemeClr val="dk1"/>
+          </a:effectRef>
+          <a:fontRef idx="minor">
+            <a:schemeClr val="tx1"/>
+          </a:fontRef>
+        </p:style>
+      </p:cxnSp>
     </p:spTree>
     <p:extLst>
       <p:ext uri="{BB962C8B-B14F-4D97-AF65-F5344CB8AC3E}">
